--- a/Lectures/cse220-05-expressions.pptx
+++ b/Lectures/cse220-05-expressions.pptx
@@ -232,7 +232,7 @@
           <a:p>
             <a:fld id="{BD881434-6122-FF40-9E3D-9815E9633609}" type="datetimeFigureOut">
               <a:rPr lang="en-US" smtClean="0"/>
-              <a:t>9/16/16</a:t>
+              <a:t>9/17/20</a:t>
             </a:fld>
             <a:endParaRPr lang="en-US"/>
           </a:p>
@@ -397,7 +397,7 @@
           <a:p>
             <a:fld id="{7E251A12-E2C7-490F-9B80-BF4FB84EE236}" type="datetimeFigureOut">
               <a:rPr lang="en-US" smtClean="0"/>
-              <a:t>9/16/16</a:t>
+              <a:t>9/17/20</a:t>
             </a:fld>
             <a:endParaRPr lang="en-US"/>
           </a:p>
@@ -463,38 +463,37 @@
           <a:p>
             <a:pPr lvl="0"/>
             <a:r>
-              <a:rPr lang="en-US" smtClean="0"/>
+              <a:rPr lang="en-US"/>
               <a:t>Click to edit Master text styles</a:t>
             </a:r>
           </a:p>
           <a:p>
             <a:pPr lvl="1"/>
             <a:r>
-              <a:rPr lang="en-US" smtClean="0"/>
+              <a:rPr lang="en-US"/>
               <a:t>Second level</a:t>
             </a:r>
           </a:p>
           <a:p>
             <a:pPr lvl="2"/>
             <a:r>
-              <a:rPr lang="en-US" smtClean="0"/>
+              <a:rPr lang="en-US"/>
               <a:t>Third level</a:t>
             </a:r>
           </a:p>
           <a:p>
             <a:pPr lvl="3"/>
             <a:r>
-              <a:rPr lang="en-US" smtClean="0"/>
+              <a:rPr lang="en-US"/>
               <a:t>Fourth level</a:t>
             </a:r>
           </a:p>
           <a:p>
             <a:pPr lvl="4"/>
             <a:r>
-              <a:rPr lang="en-US" smtClean="0"/>
+              <a:rPr lang="en-US"/>
               <a:t>Fifth level</a:t>
             </a:r>
-            <a:endParaRPr lang="en-US"/>
           </a:p>
         </p:txBody>
       </p:sp>
@@ -1236,7 +1235,7 @@
           </a:lstStyle>
           <a:p>
             <a:r>
-              <a:rPr lang="en-US" smtClean="0"/>
+              <a:rPr lang="en-US"/>
               <a:t>Click to edit Master title style</a:t>
             </a:r>
             <a:endParaRPr lang="en-US" dirty="0"/>
@@ -1309,7 +1308,7 @@
           </a:lstStyle>
           <a:p>
             <a:r>
-              <a:rPr lang="en-US" smtClean="0"/>
+              <a:rPr lang="en-US"/>
               <a:t>Click to edit Master subtitle style</a:t>
             </a:r>
             <a:endParaRPr lang="en-US" dirty="0"/>
@@ -1382,7 +1381,7 @@
           <a:p>
             <a:fld id="{87FD5B78-719E-EB4F-B46C-3436DB7CC52E}" type="datetime1">
               <a:rPr lang="en-US" smtClean="0"/>
-              <a:t>9/16/16</a:t>
+              <a:t>9/17/20</a:t>
             </a:fld>
             <a:endParaRPr lang="en-US"/>
           </a:p>
@@ -1504,7 +1503,7 @@
           <a:lstStyle/>
           <a:p>
             <a:r>
-              <a:rPr lang="en-US" smtClean="0"/>
+              <a:rPr lang="en-US"/>
               <a:t>Click to edit Master title style</a:t>
             </a:r>
             <a:endParaRPr lang="en-US" dirty="0"/>
@@ -1528,35 +1527,35 @@
           <a:p>
             <a:pPr lvl="0"/>
             <a:r>
-              <a:rPr lang="en-US" smtClean="0"/>
+              <a:rPr lang="en-US"/>
               <a:t>Click to edit Master text styles</a:t>
             </a:r>
           </a:p>
           <a:p>
             <a:pPr lvl="1"/>
             <a:r>
-              <a:rPr lang="en-US" smtClean="0"/>
+              <a:rPr lang="en-US"/>
               <a:t>Second level</a:t>
             </a:r>
           </a:p>
           <a:p>
             <a:pPr lvl="2"/>
             <a:r>
-              <a:rPr lang="en-US" smtClean="0"/>
+              <a:rPr lang="en-US"/>
               <a:t>Third level</a:t>
             </a:r>
           </a:p>
           <a:p>
             <a:pPr lvl="3"/>
             <a:r>
-              <a:rPr lang="en-US" smtClean="0"/>
+              <a:rPr lang="en-US"/>
               <a:t>Fourth level</a:t>
             </a:r>
           </a:p>
           <a:p>
             <a:pPr lvl="4"/>
             <a:r>
-              <a:rPr lang="en-US" smtClean="0"/>
+              <a:rPr lang="en-US"/>
               <a:t>Fifth level</a:t>
             </a:r>
             <a:endParaRPr lang="en-US" dirty="0"/>
@@ -1580,7 +1579,7 @@
           <a:p>
             <a:fld id="{E1CA9D34-C490-C841-8C66-559E13CB83F1}" type="datetime1">
               <a:rPr lang="en-US" smtClean="0"/>
-              <a:t>9/16/16</a:t>
+              <a:t>9/17/20</a:t>
             </a:fld>
             <a:endParaRPr lang="en-US"/>
           </a:p>
@@ -1680,7 +1679,7 @@
           <a:lstStyle/>
           <a:p>
             <a:r>
-              <a:rPr lang="en-US" smtClean="0"/>
+              <a:rPr lang="en-US"/>
               <a:t>Click to edit Master title style</a:t>
             </a:r>
             <a:endParaRPr lang="en-US" dirty="0"/>
@@ -1709,35 +1708,35 @@
           <a:p>
             <a:pPr lvl="0"/>
             <a:r>
-              <a:rPr lang="en-US" smtClean="0"/>
+              <a:rPr lang="en-US"/>
               <a:t>Click to edit Master text styles</a:t>
             </a:r>
           </a:p>
           <a:p>
             <a:pPr lvl="1"/>
             <a:r>
-              <a:rPr lang="en-US" smtClean="0"/>
+              <a:rPr lang="en-US"/>
               <a:t>Second level</a:t>
             </a:r>
           </a:p>
           <a:p>
             <a:pPr lvl="2"/>
             <a:r>
-              <a:rPr lang="en-US" smtClean="0"/>
+              <a:rPr lang="en-US"/>
               <a:t>Third level</a:t>
             </a:r>
           </a:p>
           <a:p>
             <a:pPr lvl="3"/>
             <a:r>
-              <a:rPr lang="en-US" smtClean="0"/>
+              <a:rPr lang="en-US"/>
               <a:t>Fourth level</a:t>
             </a:r>
           </a:p>
           <a:p>
             <a:pPr lvl="4"/>
             <a:r>
-              <a:rPr lang="en-US" smtClean="0"/>
+              <a:rPr lang="en-US"/>
               <a:t>Fifth level</a:t>
             </a:r>
             <a:endParaRPr lang="en-US" dirty="0"/>
@@ -1761,7 +1760,7 @@
           <a:p>
             <a:fld id="{8D2EA430-BDC9-1946-9AFC-7878DC88CF31}" type="datetime1">
               <a:rPr lang="en-US" smtClean="0"/>
-              <a:t>9/16/16</a:t>
+              <a:t>9/17/20</a:t>
             </a:fld>
             <a:endParaRPr lang="en-US"/>
           </a:p>
@@ -1861,7 +1860,7 @@
           <a:lstStyle/>
           <a:p>
             <a:r>
-              <a:rPr lang="en-US" smtClean="0"/>
+              <a:rPr lang="en-US"/>
               <a:t>Click to edit Master title style</a:t>
             </a:r>
             <a:endParaRPr lang="en-US" dirty="0"/>
@@ -1885,35 +1884,35 @@
           <a:p>
             <a:pPr lvl="0"/>
             <a:r>
-              <a:rPr lang="en-US" smtClean="0"/>
+              <a:rPr lang="en-US"/>
               <a:t>Click to edit Master text styles</a:t>
             </a:r>
           </a:p>
           <a:p>
             <a:pPr lvl="1"/>
             <a:r>
-              <a:rPr lang="en-US" smtClean="0"/>
+              <a:rPr lang="en-US"/>
               <a:t>Second level</a:t>
             </a:r>
           </a:p>
           <a:p>
             <a:pPr lvl="2"/>
             <a:r>
-              <a:rPr lang="en-US" smtClean="0"/>
+              <a:rPr lang="en-US"/>
               <a:t>Third level</a:t>
             </a:r>
           </a:p>
           <a:p>
             <a:pPr lvl="3"/>
             <a:r>
-              <a:rPr lang="en-US" smtClean="0"/>
+              <a:rPr lang="en-US"/>
               <a:t>Fourth level</a:t>
             </a:r>
           </a:p>
           <a:p>
             <a:pPr lvl="4"/>
             <a:r>
-              <a:rPr lang="en-US" smtClean="0"/>
+              <a:rPr lang="en-US"/>
               <a:t>Fifth level</a:t>
             </a:r>
             <a:endParaRPr lang="en-US" dirty="0"/>
@@ -1937,7 +1936,7 @@
           <a:p>
             <a:fld id="{65B1C904-F353-BE4E-BD06-0C08568C73B6}" type="datetime1">
               <a:rPr lang="en-US" smtClean="0"/>
-              <a:t>9/16/16</a:t>
+              <a:t>9/17/20</a:t>
             </a:fld>
             <a:endParaRPr lang="en-US"/>
           </a:p>
@@ -2046,7 +2045,7 @@
           </a:lstStyle>
           <a:p>
             <a:r>
-              <a:rPr lang="en-US" smtClean="0"/>
+              <a:rPr lang="en-US"/>
               <a:t>Click to edit Master title style</a:t>
             </a:r>
             <a:endParaRPr lang="en-US" dirty="0"/>
@@ -2169,7 +2168,7 @@
           <a:p>
             <a:pPr lvl="0"/>
             <a:r>
-              <a:rPr lang="en-US" smtClean="0"/>
+              <a:rPr lang="en-US"/>
               <a:t>Click to edit Master text styles</a:t>
             </a:r>
           </a:p>
@@ -2192,7 +2191,7 @@
           <a:p>
             <a:fld id="{722083CD-8755-904E-92D7-C1E73D78C106}" type="datetime1">
               <a:rPr lang="en-US" smtClean="0"/>
-              <a:t>9/16/16</a:t>
+              <a:t>9/17/20</a:t>
             </a:fld>
             <a:endParaRPr lang="en-US"/>
           </a:p>
@@ -2330,7 +2329,7 @@
           <a:lstStyle/>
           <a:p>
             <a:r>
-              <a:rPr lang="en-US" smtClean="0"/>
+              <a:rPr lang="en-US"/>
               <a:t>Click to edit Master title style</a:t>
             </a:r>
             <a:endParaRPr lang="en-US" dirty="0"/>
@@ -2387,35 +2386,35 @@
           <a:p>
             <a:pPr lvl="0"/>
             <a:r>
-              <a:rPr lang="en-US" smtClean="0"/>
+              <a:rPr lang="en-US"/>
               <a:t>Click to edit Master text styles</a:t>
             </a:r>
           </a:p>
           <a:p>
             <a:pPr lvl="1"/>
             <a:r>
-              <a:rPr lang="en-US" smtClean="0"/>
+              <a:rPr lang="en-US"/>
               <a:t>Second level</a:t>
             </a:r>
           </a:p>
           <a:p>
             <a:pPr lvl="2"/>
             <a:r>
-              <a:rPr lang="en-US" smtClean="0"/>
+              <a:rPr lang="en-US"/>
               <a:t>Third level</a:t>
             </a:r>
           </a:p>
           <a:p>
             <a:pPr lvl="3"/>
             <a:r>
-              <a:rPr lang="en-US" smtClean="0"/>
+              <a:rPr lang="en-US"/>
               <a:t>Fourth level</a:t>
             </a:r>
           </a:p>
           <a:p>
             <a:pPr lvl="4"/>
             <a:r>
-              <a:rPr lang="en-US" smtClean="0"/>
+              <a:rPr lang="en-US"/>
               <a:t>Fifth level</a:t>
             </a:r>
             <a:endParaRPr lang="en-US" dirty="0"/>
@@ -2472,35 +2471,35 @@
           <a:p>
             <a:pPr lvl="0"/>
             <a:r>
-              <a:rPr lang="en-US" smtClean="0"/>
+              <a:rPr lang="en-US"/>
               <a:t>Click to edit Master text styles</a:t>
             </a:r>
           </a:p>
           <a:p>
             <a:pPr lvl="1"/>
             <a:r>
-              <a:rPr lang="en-US" smtClean="0"/>
+              <a:rPr lang="en-US"/>
               <a:t>Second level</a:t>
             </a:r>
           </a:p>
           <a:p>
             <a:pPr lvl="2"/>
             <a:r>
-              <a:rPr lang="en-US" smtClean="0"/>
+              <a:rPr lang="en-US"/>
               <a:t>Third level</a:t>
             </a:r>
           </a:p>
           <a:p>
             <a:pPr lvl="3"/>
             <a:r>
-              <a:rPr lang="en-US" smtClean="0"/>
+              <a:rPr lang="en-US"/>
               <a:t>Fourth level</a:t>
             </a:r>
           </a:p>
           <a:p>
             <a:pPr lvl="4"/>
             <a:r>
-              <a:rPr lang="en-US" smtClean="0"/>
+              <a:rPr lang="en-US"/>
               <a:t>Fifth level</a:t>
             </a:r>
             <a:endParaRPr lang="en-US" dirty="0"/>
@@ -2524,7 +2523,7 @@
           <a:p>
             <a:fld id="{90C4E8ED-DCEF-D945-B61C-2ABED93C49B6}" type="datetime1">
               <a:rPr lang="en-US" smtClean="0"/>
-              <a:t>9/16/16</a:t>
+              <a:t>9/17/20</a:t>
             </a:fld>
             <a:endParaRPr lang="en-US"/>
           </a:p>
@@ -2619,7 +2618,7 @@
           <a:lstStyle/>
           <a:p>
             <a:r>
-              <a:rPr lang="en-US" smtClean="0"/>
+              <a:rPr lang="en-US"/>
               <a:t>Click to edit Master title style</a:t>
             </a:r>
             <a:endParaRPr lang="en-US" dirty="0"/>
@@ -2694,7 +2693,7 @@
           <a:p>
             <a:pPr lvl="0"/>
             <a:r>
-              <a:rPr lang="en-US" smtClean="0"/>
+              <a:rPr lang="en-US"/>
               <a:t>Click to edit Master text styles</a:t>
             </a:r>
           </a:p>
@@ -2750,35 +2749,35 @@
           <a:p>
             <a:pPr lvl="0"/>
             <a:r>
-              <a:rPr lang="en-US" smtClean="0"/>
+              <a:rPr lang="en-US"/>
               <a:t>Click to edit Master text styles</a:t>
             </a:r>
           </a:p>
           <a:p>
             <a:pPr lvl="1"/>
             <a:r>
-              <a:rPr lang="en-US" smtClean="0"/>
+              <a:rPr lang="en-US"/>
               <a:t>Second level</a:t>
             </a:r>
           </a:p>
           <a:p>
             <a:pPr lvl="2"/>
             <a:r>
-              <a:rPr lang="en-US" smtClean="0"/>
+              <a:rPr lang="en-US"/>
               <a:t>Third level</a:t>
             </a:r>
           </a:p>
           <a:p>
             <a:pPr lvl="3"/>
             <a:r>
-              <a:rPr lang="en-US" smtClean="0"/>
+              <a:rPr lang="en-US"/>
               <a:t>Fourth level</a:t>
             </a:r>
           </a:p>
           <a:p>
             <a:pPr lvl="4"/>
             <a:r>
-              <a:rPr lang="en-US" smtClean="0"/>
+              <a:rPr lang="en-US"/>
               <a:t>Fifth level</a:t>
             </a:r>
             <a:endParaRPr lang="en-US" dirty="0"/>
@@ -2837,7 +2836,7 @@
               <a:buNone/>
             </a:pPr>
             <a:r>
-              <a:rPr lang="en-US" smtClean="0"/>
+              <a:rPr lang="en-US"/>
               <a:t>Click to edit Master text styles</a:t>
             </a:r>
           </a:p>
@@ -2893,35 +2892,35 @@
           <a:p>
             <a:pPr lvl="0"/>
             <a:r>
-              <a:rPr lang="en-US" smtClean="0"/>
+              <a:rPr lang="en-US"/>
               <a:t>Click to edit Master text styles</a:t>
             </a:r>
           </a:p>
           <a:p>
             <a:pPr lvl="1"/>
             <a:r>
-              <a:rPr lang="en-US" smtClean="0"/>
+              <a:rPr lang="en-US"/>
               <a:t>Second level</a:t>
             </a:r>
           </a:p>
           <a:p>
             <a:pPr lvl="2"/>
             <a:r>
-              <a:rPr lang="en-US" smtClean="0"/>
+              <a:rPr lang="en-US"/>
               <a:t>Third level</a:t>
             </a:r>
           </a:p>
           <a:p>
             <a:pPr lvl="3"/>
             <a:r>
-              <a:rPr lang="en-US" smtClean="0"/>
+              <a:rPr lang="en-US"/>
               <a:t>Fourth level</a:t>
             </a:r>
           </a:p>
           <a:p>
             <a:pPr lvl="4"/>
             <a:r>
-              <a:rPr lang="en-US" smtClean="0"/>
+              <a:rPr lang="en-US"/>
               <a:t>Fifth level</a:t>
             </a:r>
             <a:endParaRPr lang="en-US" dirty="0"/>
@@ -2945,7 +2944,7 @@
           <a:p>
             <a:fld id="{66A0E1F4-30BF-5548-83A5-4B15D024A2CC}" type="datetime1">
               <a:rPr lang="en-US" smtClean="0"/>
-              <a:t>9/16/16</a:t>
+              <a:t>9/17/20</a:t>
             </a:fld>
             <a:endParaRPr lang="en-US"/>
           </a:p>
@@ -3040,7 +3039,7 @@
           <a:lstStyle/>
           <a:p>
             <a:r>
-              <a:rPr lang="en-US" smtClean="0"/>
+              <a:rPr lang="en-US"/>
               <a:t>Click to edit Master title style</a:t>
             </a:r>
             <a:endParaRPr lang="en-US" dirty="0"/>
@@ -3064,7 +3063,7 @@
           <a:p>
             <a:fld id="{D2387EEB-CE3C-364D-A686-0532BB2F6B4D}" type="datetime1">
               <a:rPr lang="en-US" smtClean="0"/>
-              <a:t>9/16/16</a:t>
+              <a:t>9/17/20</a:t>
             </a:fld>
             <a:endParaRPr lang="en-US"/>
           </a:p>
@@ -3160,7 +3159,7 @@
           <a:p>
             <a:fld id="{0B2CE960-50D9-EE45-8012-18DA0DC07FAB}" type="datetime1">
               <a:rPr lang="en-US" smtClean="0"/>
-              <a:t>9/16/16</a:t>
+              <a:t>9/17/20</a:t>
             </a:fld>
             <a:endParaRPr lang="en-US"/>
           </a:p>
@@ -3271,7 +3270,7 @@
           </a:lstStyle>
           <a:p>
             <a:r>
-              <a:rPr lang="en-US" smtClean="0"/>
+              <a:rPr lang="en-US"/>
               <a:t>Click to edit Master title style</a:t>
             </a:r>
             <a:endParaRPr lang="en-US" dirty="0"/>
@@ -3328,35 +3327,35 @@
           <a:p>
             <a:pPr lvl="0"/>
             <a:r>
-              <a:rPr lang="en-US" smtClean="0"/>
+              <a:rPr lang="en-US"/>
               <a:t>Click to edit Master text styles</a:t>
             </a:r>
           </a:p>
           <a:p>
             <a:pPr lvl="1"/>
             <a:r>
-              <a:rPr lang="en-US" smtClean="0"/>
+              <a:rPr lang="en-US"/>
               <a:t>Second level</a:t>
             </a:r>
           </a:p>
           <a:p>
             <a:pPr lvl="2"/>
             <a:r>
-              <a:rPr lang="en-US" smtClean="0"/>
+              <a:rPr lang="en-US"/>
               <a:t>Third level</a:t>
             </a:r>
           </a:p>
           <a:p>
             <a:pPr lvl="3"/>
             <a:r>
-              <a:rPr lang="en-US" smtClean="0"/>
+              <a:rPr lang="en-US"/>
               <a:t>Fourth level</a:t>
             </a:r>
           </a:p>
           <a:p>
             <a:pPr lvl="4"/>
             <a:r>
-              <a:rPr lang="en-US" smtClean="0"/>
+              <a:rPr lang="en-US"/>
               <a:t>Fifth level</a:t>
             </a:r>
             <a:endParaRPr lang="en-US" dirty="0"/>
@@ -3430,7 +3429,7 @@
           <a:p>
             <a:pPr lvl="0"/>
             <a:r>
-              <a:rPr lang="en-US" smtClean="0"/>
+              <a:rPr lang="en-US"/>
               <a:t>Click to edit Master text styles</a:t>
             </a:r>
           </a:p>
@@ -3453,7 +3452,7 @@
           <a:p>
             <a:fld id="{961CA629-3534-7A46-A0FF-94D6F694B5A9}" type="datetime1">
               <a:rPr lang="en-US" smtClean="0"/>
-              <a:t>9/16/16</a:t>
+              <a:t>9/17/20</a:t>
             </a:fld>
             <a:endParaRPr lang="en-US"/>
           </a:p>
@@ -3606,7 +3605,7 @@
           </a:lstStyle>
           <a:p>
             <a:r>
-              <a:rPr lang="en-US" smtClean="0"/>
+              <a:rPr lang="en-US"/>
               <a:t>Click to edit Master title style</a:t>
             </a:r>
             <a:endParaRPr lang="en-US" dirty="0"/>
@@ -3681,7 +3680,7 @@
           </a:lstStyle>
           <a:p>
             <a:r>
-              <a:rPr lang="en-US" smtClean="0"/>
+              <a:rPr lang="en-US"/>
               <a:t>Drag picture to placeholder or click icon to add</a:t>
             </a:r>
             <a:endParaRPr lang="en-US" dirty="0"/>
@@ -3761,7 +3760,7 @@
           <a:p>
             <a:pPr lvl="0"/>
             <a:r>
-              <a:rPr lang="en-US" smtClean="0"/>
+              <a:rPr lang="en-US"/>
               <a:t>Click to edit Master text styles</a:t>
             </a:r>
           </a:p>
@@ -3784,7 +3783,7 @@
           <a:p>
             <a:fld id="{B69DE736-0CD0-A94C-8BA9-AB0135E11BEE}" type="datetime1">
               <a:rPr lang="en-US" smtClean="0"/>
-              <a:t>9/16/16</a:t>
+              <a:t>9/17/20</a:t>
             </a:fld>
             <a:endParaRPr lang="en-US"/>
           </a:p>
@@ -3934,7 +3933,7 @@
           <a:lstStyle/>
           <a:p>
             <a:r>
-              <a:rPr lang="en-US" smtClean="0"/>
+              <a:rPr lang="en-US"/>
               <a:t>Click to edit Master title style</a:t>
             </a:r>
             <a:endParaRPr lang="en-US" dirty="0"/>
@@ -3968,35 +3967,35 @@
           <a:p>
             <a:pPr lvl="0"/>
             <a:r>
-              <a:rPr lang="en-US" smtClean="0"/>
+              <a:rPr lang="en-US"/>
               <a:t>Click to edit Master text styles</a:t>
             </a:r>
           </a:p>
           <a:p>
             <a:pPr lvl="1"/>
             <a:r>
-              <a:rPr lang="en-US" smtClean="0"/>
+              <a:rPr lang="en-US"/>
               <a:t>Second level</a:t>
             </a:r>
           </a:p>
           <a:p>
             <a:pPr lvl="2"/>
             <a:r>
-              <a:rPr lang="en-US" smtClean="0"/>
+              <a:rPr lang="en-US"/>
               <a:t>Third level</a:t>
             </a:r>
           </a:p>
           <a:p>
             <a:pPr lvl="3"/>
             <a:r>
-              <a:rPr lang="en-US" smtClean="0"/>
+              <a:rPr lang="en-US"/>
               <a:t>Fourth level</a:t>
             </a:r>
           </a:p>
           <a:p>
             <a:pPr lvl="4"/>
             <a:r>
-              <a:rPr lang="en-US" smtClean="0"/>
+              <a:rPr lang="en-US"/>
               <a:t>Fifth level</a:t>
             </a:r>
             <a:endParaRPr lang="en-US" dirty="0"/>
@@ -4039,7 +4038,7 @@
           <a:p>
             <a:fld id="{B0CA1698-EE48-6B49-91ED-C3034AD5B709}" type="datetime1">
               <a:rPr lang="en-US" smtClean="0"/>
-              <a:t>9/16/16</a:t>
+              <a:t>9/17/20</a:t>
             </a:fld>
             <a:endParaRPr lang="en-US"/>
           </a:p>
@@ -4550,11 +4549,11 @@
           <a:lstStyle/>
           <a:p>
             <a:r>
-              <a:rPr lang="en-US" dirty="0" smtClean="0"/>
+              <a:rPr lang="en-US" dirty="0"/>
               <a:t>CSE 220 – C Programming</a:t>
             </a:r>
             <a:br>
-              <a:rPr lang="en-US" dirty="0" smtClean="0"/>
+              <a:rPr lang="en-US" dirty="0"/>
             </a:br>
             <a:endParaRPr lang="en-US" dirty="0"/>
           </a:p>
@@ -4576,18 +4575,13 @@
           <a:lstStyle/>
           <a:p>
             <a:r>
-              <a:rPr lang="en-US" dirty="0" smtClean="0">
+              <a:rPr lang="en-US" dirty="0">
                 <a:solidFill>
                   <a:schemeClr val="tx1"/>
                 </a:solidFill>
               </a:rPr>
               <a:t>Expressions</a:t>
             </a:r>
-            <a:endParaRPr lang="en-US" dirty="0">
-              <a:solidFill>
-                <a:schemeClr val="tx1"/>
-              </a:solidFill>
-            </a:endParaRPr>
           </a:p>
         </p:txBody>
       </p:sp>
@@ -4601,13 +4595,6 @@
   <p:clrMapOvr>
     <a:masterClrMapping/>
   </p:clrMapOvr>
-  <p:timing>
-    <p:tnLst>
-      <p:par>
-        <p:cTn id="1" dur="indefinite" restart="never" nodeType="tmRoot"/>
-      </p:par>
-    </p:tnLst>
-  </p:timing>
 </p:sld>
 </file>
 
@@ -4644,10 +4631,9 @@
           <a:lstStyle/>
           <a:p>
             <a:r>
-              <a:rPr lang="en-US" dirty="0" smtClean="0"/>
+              <a:rPr lang="en-US" dirty="0"/>
               <a:t>Expression Evaluation</a:t>
             </a:r>
-            <a:endParaRPr lang="en-US" dirty="0"/>
           </a:p>
         </p:txBody>
       </p:sp>
@@ -4674,7 +4660,7 @@
           <a:lstStyle/>
           <a:p>
             <a:r>
-              <a:rPr lang="en-US" sz="2700" dirty="0" smtClean="0"/>
+              <a:rPr lang="en-US" sz="2700" dirty="0"/>
               <a:t>Expressions can be used as statements</a:t>
             </a:r>
           </a:p>
@@ -4683,7 +4669,7 @@
               <a:buNone/>
             </a:pPr>
             <a:r>
-              <a:rPr lang="en-US" sz="2400" dirty="0" err="1" smtClean="0">
+              <a:rPr lang="en-US" sz="2400" dirty="0" err="1">
                 <a:solidFill>
                   <a:srgbClr val="000099"/>
                 </a:solidFill>
@@ -4694,7 +4680,7 @@
               <a:t>i</a:t>
             </a:r>
             <a:r>
-              <a:rPr lang="en-US" sz="2400" dirty="0" smtClean="0">
+              <a:rPr lang="en-US" sz="2400" dirty="0">
                 <a:solidFill>
                   <a:srgbClr val="000099"/>
                 </a:solidFill>
@@ -4705,7 +4691,7 @@
               <a:t>++;</a:t>
             </a:r>
             <a:r>
-              <a:rPr lang="en-US" sz="2400" dirty="0" smtClean="0">
+              <a:rPr lang="en-US" sz="2400" dirty="0">
                 <a:solidFill>
                   <a:srgbClr val="00B050"/>
                 </a:solidFill>
@@ -4713,10 +4699,10 @@
                 <a:ea typeface="Consolas" charset="0"/>
                 <a:cs typeface="Consolas" charset="0"/>
               </a:rPr>
-              <a:t>//</a:t>
-            </a:r>
-            <a:r>
-              <a:rPr lang="en-US" sz="2400" dirty="0" smtClean="0">
+              <a:t>//Increments </a:t>
+            </a:r>
+            <a:r>
+              <a:rPr lang="en-US" sz="2400" dirty="0" err="1">
                 <a:solidFill>
                   <a:srgbClr val="00B050"/>
                 </a:solidFill>
@@ -4724,20 +4710,9 @@
                 <a:ea typeface="Consolas" charset="0"/>
                 <a:cs typeface="Consolas" charset="0"/>
               </a:rPr>
-              <a:t>Increments </a:t>
-            </a:r>
-            <a:r>
-              <a:rPr lang="en-US" sz="2400" dirty="0" err="1" smtClean="0">
-                <a:solidFill>
-                  <a:srgbClr val="00B050"/>
-                </a:solidFill>
-                <a:latin typeface="Consolas" charset="0"/>
-                <a:ea typeface="Consolas" charset="0"/>
-                <a:cs typeface="Consolas" charset="0"/>
-              </a:rPr>
               <a:t>i</a:t>
             </a:r>
-            <a:endParaRPr lang="en-US" sz="2400" dirty="0" smtClean="0">
+            <a:endParaRPr lang="en-US" sz="2400" dirty="0">
               <a:solidFill>
                 <a:srgbClr val="00B050"/>
               </a:solidFill>
@@ -4751,7 +4726,7 @@
               <a:buNone/>
             </a:pPr>
             <a:r>
-              <a:rPr lang="en-US" sz="2400" dirty="0" smtClean="0">
+              <a:rPr lang="en-US" sz="2400" dirty="0">
                 <a:solidFill>
                   <a:srgbClr val="000099"/>
                 </a:solidFill>
@@ -4762,7 +4737,7 @@
               <a:t>i+5;</a:t>
             </a:r>
             <a:r>
-              <a:rPr lang="en-US" sz="2400" dirty="0" smtClean="0">
+              <a:rPr lang="en-US" sz="2400" dirty="0">
                 <a:solidFill>
                   <a:srgbClr val="00B050"/>
                 </a:solidFill>
@@ -4770,10 +4745,10 @@
                 <a:ea typeface="Consolas" charset="0"/>
                 <a:cs typeface="Consolas" charset="0"/>
               </a:rPr>
-              <a:t>//</a:t>
-            </a:r>
-            <a:r>
-              <a:rPr lang="en-US" sz="2400" dirty="0" smtClean="0">
+              <a:t>//Evaluates </a:t>
+            </a:r>
+            <a:r>
+              <a:rPr lang="en-US" sz="2400" dirty="0" err="1">
                 <a:solidFill>
                   <a:srgbClr val="00B050"/>
                 </a:solidFill>
@@ -4781,10 +4756,10 @@
                 <a:ea typeface="Consolas" charset="0"/>
                 <a:cs typeface="Consolas" charset="0"/>
               </a:rPr>
-              <a:t>Evaluates </a:t>
-            </a:r>
-            <a:r>
-              <a:rPr lang="en-US" sz="2400" dirty="0" err="1" smtClean="0">
+              <a:t>i</a:t>
+            </a:r>
+            <a:r>
+              <a:rPr lang="en-US" sz="2400" dirty="0">
                 <a:solidFill>
                   <a:srgbClr val="00B050"/>
                 </a:solidFill>
@@ -4792,23 +4767,12 @@
                 <a:ea typeface="Consolas" charset="0"/>
                 <a:cs typeface="Consolas" charset="0"/>
               </a:rPr>
-              <a:t>i</a:t>
-            </a:r>
-            <a:r>
-              <a:rPr lang="en-US" sz="2400" dirty="0" smtClean="0">
-                <a:solidFill>
-                  <a:srgbClr val="00B050"/>
-                </a:solidFill>
-                <a:latin typeface="Consolas" charset="0"/>
-                <a:ea typeface="Consolas" charset="0"/>
-                <a:cs typeface="Consolas" charset="0"/>
-              </a:rPr>
               <a:t> + 5 and discards the result</a:t>
             </a:r>
           </a:p>
           <a:p>
             <a:r>
-              <a:rPr lang="en-US" sz="2700" dirty="0" smtClean="0"/>
+              <a:rPr lang="en-US" sz="2700" dirty="0"/>
               <a:t>Expressions are evaluated according to precedence order of operators</a:t>
             </a:r>
           </a:p>
@@ -4817,7 +4781,7 @@
               <a:buNone/>
             </a:pPr>
             <a:r>
-              <a:rPr lang="en-US" sz="2400" dirty="0" smtClean="0">
+              <a:rPr lang="en-US" sz="2400" dirty="0">
                 <a:solidFill>
                   <a:srgbClr val="000099"/>
                 </a:solidFill>
@@ -4825,10 +4789,10 @@
                 <a:ea typeface="Consolas" charset="0"/>
                 <a:cs typeface="Consolas" charset="0"/>
               </a:rPr>
-              <a:t>a=b</a:t>
-            </a:r>
-            <a:r>
-              <a:rPr lang="en-US" sz="2400" dirty="0" smtClean="0">
+              <a:t>a=b+=</a:t>
+            </a:r>
+            <a:r>
+              <a:rPr lang="en-US" sz="2400" dirty="0" err="1">
                 <a:solidFill>
                   <a:srgbClr val="000099"/>
                 </a:solidFill>
@@ -4836,10 +4800,10 @@
                 <a:ea typeface="Consolas" charset="0"/>
                 <a:cs typeface="Consolas" charset="0"/>
               </a:rPr>
-              <a:t>+=</a:t>
-            </a:r>
-            <a:r>
-              <a:rPr lang="en-US" sz="2400" dirty="0" err="1" smtClean="0">
+              <a:t>c++</a:t>
+            </a:r>
+            <a:r>
+              <a:rPr lang="en-US" sz="2400" dirty="0">
                 <a:solidFill>
                   <a:srgbClr val="000099"/>
                 </a:solidFill>
@@ -4847,10 +4811,37 @@
                 <a:ea typeface="Consolas" charset="0"/>
                 <a:cs typeface="Consolas" charset="0"/>
               </a:rPr>
+              <a:t>-d+--e/-f</a:t>
+            </a:r>
+          </a:p>
+          <a:p>
+            <a:pPr marL="0" indent="0">
+              <a:buNone/>
+            </a:pPr>
+            <a:r>
+              <a:rPr lang="en-US" sz="2400" dirty="0">
+                <a:solidFill>
+                  <a:srgbClr val="000099"/>
+                </a:solidFill>
+                <a:latin typeface="Consolas" charset="0"/>
+                <a:ea typeface="Consolas" charset="0"/>
+                <a:cs typeface="Consolas" charset="0"/>
+              </a:rPr>
+              <a:t>a = b+=   (</a:t>
+            </a:r>
+            <a:r>
+              <a:rPr lang="en-US" sz="2400" dirty="0" err="1">
+                <a:solidFill>
+                  <a:srgbClr val="000099"/>
+                </a:solidFill>
+                <a:latin typeface="Consolas" charset="0"/>
+                <a:ea typeface="Consolas" charset="0"/>
+                <a:cs typeface="Consolas" charset="0"/>
+              </a:rPr>
               <a:t>c++</a:t>
             </a:r>
             <a:r>
-              <a:rPr lang="en-US" sz="2400" dirty="0" smtClean="0">
+              <a:rPr lang="en-US" sz="2400" dirty="0">
                 <a:solidFill>
                   <a:srgbClr val="000099"/>
                 </a:solidFill>
@@ -4858,7 +4849,7 @@
                 <a:ea typeface="Consolas" charset="0"/>
                 <a:cs typeface="Consolas" charset="0"/>
               </a:rPr>
-              <a:t>-d+--e/-f</a:t>
+              <a:t>) – d + (--e) /  (-f)</a:t>
             </a:r>
           </a:p>
           <a:p>
@@ -4866,7 +4857,7 @@
               <a:buNone/>
             </a:pPr>
             <a:r>
-              <a:rPr lang="en-US" sz="2400" dirty="0" smtClean="0">
+              <a:rPr lang="en-US" sz="2400" dirty="0">
                 <a:solidFill>
                   <a:srgbClr val="000099"/>
                 </a:solidFill>
@@ -4874,10 +4865,10 @@
                 <a:ea typeface="Consolas" charset="0"/>
                 <a:cs typeface="Consolas" charset="0"/>
               </a:rPr>
-              <a:t>a </a:t>
-            </a:r>
-            <a:r>
-              <a:rPr lang="en-US" sz="2400" dirty="0" smtClean="0">
+              <a:t>a = b+=   (</a:t>
+            </a:r>
+            <a:r>
+              <a:rPr lang="en-US" sz="2400" dirty="0" err="1">
                 <a:solidFill>
                   <a:srgbClr val="000099"/>
                 </a:solidFill>
@@ -4885,10 +4876,10 @@
                 <a:ea typeface="Consolas" charset="0"/>
                 <a:cs typeface="Consolas" charset="0"/>
               </a:rPr>
-              <a:t>= b+=   (</a:t>
-            </a:r>
-            <a:r>
-              <a:rPr lang="en-US" sz="2400" dirty="0" err="1" smtClean="0">
+              <a:t>c++</a:t>
+            </a:r>
+            <a:r>
+              <a:rPr lang="en-US" sz="2400" dirty="0">
                 <a:solidFill>
                   <a:srgbClr val="000099"/>
                 </a:solidFill>
@@ -4896,10 +4887,37 @@
                 <a:ea typeface="Consolas" charset="0"/>
                 <a:cs typeface="Consolas" charset="0"/>
               </a:rPr>
+              <a:t>) – d + ((--e) /  (-f))</a:t>
+            </a:r>
+          </a:p>
+          <a:p>
+            <a:pPr marL="0" indent="0">
+              <a:buNone/>
+            </a:pPr>
+            <a:r>
+              <a:rPr lang="en-US" sz="2400" dirty="0">
+                <a:solidFill>
+                  <a:srgbClr val="000099"/>
+                </a:solidFill>
+                <a:latin typeface="Consolas" charset="0"/>
+                <a:ea typeface="Consolas" charset="0"/>
+                <a:cs typeface="Consolas" charset="0"/>
+              </a:rPr>
+              <a:t>a = b+= ( (</a:t>
+            </a:r>
+            <a:r>
+              <a:rPr lang="en-US" sz="2400" dirty="0" err="1">
+                <a:solidFill>
+                  <a:srgbClr val="000099"/>
+                </a:solidFill>
+                <a:latin typeface="Consolas" charset="0"/>
+                <a:ea typeface="Consolas" charset="0"/>
+                <a:cs typeface="Consolas" charset="0"/>
+              </a:rPr>
               <a:t>c++</a:t>
             </a:r>
             <a:r>
-              <a:rPr lang="en-US" sz="2400" dirty="0" smtClean="0">
+              <a:rPr lang="en-US" sz="2400" dirty="0">
                 <a:solidFill>
                   <a:srgbClr val="000099"/>
                 </a:solidFill>
@@ -4907,7 +4925,7 @@
                 <a:ea typeface="Consolas" charset="0"/>
                 <a:cs typeface="Consolas" charset="0"/>
               </a:rPr>
-              <a:t>) – d + (--e) /  (-f)</a:t>
+              <a:t>) – d + ((--e) /  (-f)))</a:t>
             </a:r>
           </a:p>
           <a:p>
@@ -4915,7 +4933,7 @@
               <a:buNone/>
             </a:pPr>
             <a:r>
-              <a:rPr lang="en-US" sz="2400" dirty="0" smtClean="0">
+              <a:rPr lang="en-US" sz="2400" dirty="0">
                 <a:solidFill>
                   <a:srgbClr val="000099"/>
                 </a:solidFill>
@@ -4923,7 +4941,18 @@
                 <a:ea typeface="Consolas" charset="0"/>
                 <a:cs typeface="Consolas" charset="0"/>
               </a:rPr>
-              <a:t>a </a:t>
+              <a:t>a = (b+= ( (</a:t>
+            </a:r>
+            <a:r>
+              <a:rPr lang="en-US" sz="2400" dirty="0" err="1">
+                <a:solidFill>
+                  <a:srgbClr val="000099"/>
+                </a:solidFill>
+                <a:latin typeface="Consolas" charset="0"/>
+                <a:ea typeface="Consolas" charset="0"/>
+                <a:cs typeface="Consolas" charset="0"/>
+              </a:rPr>
+              <a:t>c++</a:t>
             </a:r>
             <a:r>
               <a:rPr lang="en-US" sz="2400" dirty="0">
@@ -4934,273 +4963,8 @@
                 <a:ea typeface="Consolas" charset="0"/>
                 <a:cs typeface="Consolas" charset="0"/>
               </a:rPr>
-              <a:t>= </a:t>
-            </a:r>
-            <a:r>
-              <a:rPr lang="en-US" sz="2400" dirty="0" smtClean="0">
-                <a:solidFill>
-                  <a:srgbClr val="000099"/>
-                </a:solidFill>
-                <a:latin typeface="Consolas" charset="0"/>
-                <a:ea typeface="Consolas" charset="0"/>
-                <a:cs typeface="Consolas" charset="0"/>
-              </a:rPr>
-              <a:t>b+=   (</a:t>
-            </a:r>
-            <a:r>
-              <a:rPr lang="en-US" sz="2400" dirty="0" err="1">
-                <a:solidFill>
-                  <a:srgbClr val="000099"/>
-                </a:solidFill>
-                <a:latin typeface="Consolas" charset="0"/>
-                <a:ea typeface="Consolas" charset="0"/>
-                <a:cs typeface="Consolas" charset="0"/>
-              </a:rPr>
-              <a:t>c++</a:t>
-            </a:r>
-            <a:r>
-              <a:rPr lang="en-US" sz="2400" dirty="0">
-                <a:solidFill>
-                  <a:srgbClr val="000099"/>
-                </a:solidFill>
-                <a:latin typeface="Consolas" charset="0"/>
-                <a:ea typeface="Consolas" charset="0"/>
-                <a:cs typeface="Consolas" charset="0"/>
-              </a:rPr>
-              <a:t>) – d + </a:t>
-            </a:r>
-            <a:r>
-              <a:rPr lang="en-US" sz="2400" dirty="0" smtClean="0">
-                <a:solidFill>
-                  <a:srgbClr val="000099"/>
-                </a:solidFill>
-                <a:latin typeface="Consolas" charset="0"/>
-                <a:ea typeface="Consolas" charset="0"/>
-                <a:cs typeface="Consolas" charset="0"/>
-              </a:rPr>
-              <a:t>((--</a:t>
-            </a:r>
-            <a:r>
-              <a:rPr lang="en-US" sz="2400" dirty="0">
-                <a:solidFill>
-                  <a:srgbClr val="000099"/>
-                </a:solidFill>
-                <a:latin typeface="Consolas" charset="0"/>
-                <a:ea typeface="Consolas" charset="0"/>
-                <a:cs typeface="Consolas" charset="0"/>
-              </a:rPr>
-              <a:t>e</a:t>
-            </a:r>
-            <a:r>
-              <a:rPr lang="en-US" sz="2400" dirty="0" smtClean="0">
-                <a:solidFill>
-                  <a:srgbClr val="000099"/>
-                </a:solidFill>
-                <a:latin typeface="Consolas" charset="0"/>
-                <a:ea typeface="Consolas" charset="0"/>
-                <a:cs typeface="Consolas" charset="0"/>
-              </a:rPr>
-              <a:t>) /  </a:t>
-            </a:r>
-            <a:r>
-              <a:rPr lang="en-US" sz="2400" dirty="0">
-                <a:solidFill>
-                  <a:srgbClr val="000099"/>
-                </a:solidFill>
-                <a:latin typeface="Consolas" charset="0"/>
-                <a:ea typeface="Consolas" charset="0"/>
-                <a:cs typeface="Consolas" charset="0"/>
-              </a:rPr>
-              <a:t>(-f</a:t>
-            </a:r>
-            <a:r>
-              <a:rPr lang="en-US" sz="2400" dirty="0" smtClean="0">
-                <a:solidFill>
-                  <a:srgbClr val="000099"/>
-                </a:solidFill>
-                <a:latin typeface="Consolas" charset="0"/>
-                <a:ea typeface="Consolas" charset="0"/>
-                <a:cs typeface="Consolas" charset="0"/>
-              </a:rPr>
-              <a:t>))</a:t>
-            </a:r>
-            <a:endParaRPr lang="en-US" sz="2400" dirty="0">
-              <a:solidFill>
-                <a:srgbClr val="000099"/>
-              </a:solidFill>
-              <a:latin typeface="Consolas" charset="0"/>
-              <a:ea typeface="Consolas" charset="0"/>
-              <a:cs typeface="Consolas" charset="0"/>
-            </a:endParaRPr>
-          </a:p>
-          <a:p>
-            <a:pPr marL="0" indent="0">
-              <a:buNone/>
-            </a:pPr>
-            <a:r>
-              <a:rPr lang="en-US" sz="2400" dirty="0" smtClean="0">
-                <a:solidFill>
-                  <a:srgbClr val="000099"/>
-                </a:solidFill>
-                <a:latin typeface="Consolas" charset="0"/>
-                <a:ea typeface="Consolas" charset="0"/>
-                <a:cs typeface="Consolas" charset="0"/>
-              </a:rPr>
-              <a:t>a </a:t>
-            </a:r>
-            <a:r>
-              <a:rPr lang="en-US" sz="2400" dirty="0">
-                <a:solidFill>
-                  <a:srgbClr val="000099"/>
-                </a:solidFill>
-                <a:latin typeface="Consolas" charset="0"/>
-                <a:ea typeface="Consolas" charset="0"/>
-                <a:cs typeface="Consolas" charset="0"/>
-              </a:rPr>
-              <a:t>= </a:t>
-            </a:r>
-            <a:r>
-              <a:rPr lang="en-US" sz="2400" dirty="0" smtClean="0">
-                <a:solidFill>
-                  <a:srgbClr val="000099"/>
-                </a:solidFill>
-                <a:latin typeface="Consolas" charset="0"/>
-                <a:ea typeface="Consolas" charset="0"/>
-                <a:cs typeface="Consolas" charset="0"/>
-              </a:rPr>
-              <a:t>b+= ( (</a:t>
-            </a:r>
-            <a:r>
-              <a:rPr lang="en-US" sz="2400" dirty="0" err="1">
-                <a:solidFill>
-                  <a:srgbClr val="000099"/>
-                </a:solidFill>
-                <a:latin typeface="Consolas" charset="0"/>
-                <a:ea typeface="Consolas" charset="0"/>
-                <a:cs typeface="Consolas" charset="0"/>
-              </a:rPr>
-              <a:t>c++</a:t>
-            </a:r>
-            <a:r>
-              <a:rPr lang="en-US" sz="2400" dirty="0">
-                <a:solidFill>
-                  <a:srgbClr val="000099"/>
-                </a:solidFill>
-                <a:latin typeface="Consolas" charset="0"/>
-                <a:ea typeface="Consolas" charset="0"/>
-                <a:cs typeface="Consolas" charset="0"/>
-              </a:rPr>
-              <a:t>) – d + ((--e) /  (-f</a:t>
-            </a:r>
-            <a:r>
-              <a:rPr lang="en-US" sz="2400" dirty="0" smtClean="0">
-                <a:solidFill>
-                  <a:srgbClr val="000099"/>
-                </a:solidFill>
-                <a:latin typeface="Consolas" charset="0"/>
-                <a:ea typeface="Consolas" charset="0"/>
-                <a:cs typeface="Consolas" charset="0"/>
-              </a:rPr>
-              <a:t>)))</a:t>
-            </a:r>
-            <a:endParaRPr lang="en-US" sz="2400" dirty="0">
-              <a:solidFill>
-                <a:srgbClr val="000099"/>
-              </a:solidFill>
-              <a:latin typeface="Consolas" charset="0"/>
-              <a:ea typeface="Consolas" charset="0"/>
-              <a:cs typeface="Consolas" charset="0"/>
-            </a:endParaRPr>
-          </a:p>
-          <a:p>
-            <a:pPr marL="0" indent="0">
-              <a:buNone/>
-            </a:pPr>
-            <a:r>
-              <a:rPr lang="en-US" sz="2400" dirty="0" smtClean="0">
-                <a:solidFill>
-                  <a:srgbClr val="000099"/>
-                </a:solidFill>
-                <a:latin typeface="Consolas" charset="0"/>
-                <a:ea typeface="Consolas" charset="0"/>
-                <a:cs typeface="Consolas" charset="0"/>
-              </a:rPr>
-              <a:t>a </a:t>
-            </a:r>
-            <a:r>
-              <a:rPr lang="en-US" sz="2400" dirty="0">
-                <a:solidFill>
-                  <a:srgbClr val="000099"/>
-                </a:solidFill>
-                <a:latin typeface="Consolas" charset="0"/>
-                <a:ea typeface="Consolas" charset="0"/>
-                <a:cs typeface="Consolas" charset="0"/>
-              </a:rPr>
-              <a:t>= </a:t>
-            </a:r>
-            <a:r>
-              <a:rPr lang="en-US" sz="2400" dirty="0" smtClean="0">
-                <a:solidFill>
-                  <a:srgbClr val="000099"/>
-                </a:solidFill>
-                <a:latin typeface="Consolas" charset="0"/>
-                <a:ea typeface="Consolas" charset="0"/>
-                <a:cs typeface="Consolas" charset="0"/>
-              </a:rPr>
-              <a:t>(b</a:t>
-            </a:r>
-            <a:r>
-              <a:rPr lang="en-US" sz="2400" dirty="0">
-                <a:solidFill>
-                  <a:srgbClr val="000099"/>
-                </a:solidFill>
-                <a:latin typeface="Consolas" charset="0"/>
-                <a:ea typeface="Consolas" charset="0"/>
-                <a:cs typeface="Consolas" charset="0"/>
-              </a:rPr>
-              <a:t>+= ( (</a:t>
-            </a:r>
-            <a:r>
-              <a:rPr lang="en-US" sz="2400" dirty="0" err="1">
-                <a:solidFill>
-                  <a:srgbClr val="000099"/>
-                </a:solidFill>
-                <a:latin typeface="Consolas" charset="0"/>
-                <a:ea typeface="Consolas" charset="0"/>
-                <a:cs typeface="Consolas" charset="0"/>
-              </a:rPr>
-              <a:t>c++</a:t>
-            </a:r>
-            <a:r>
-              <a:rPr lang="en-US" sz="2400" dirty="0">
-                <a:solidFill>
-                  <a:srgbClr val="000099"/>
-                </a:solidFill>
-                <a:latin typeface="Consolas" charset="0"/>
-                <a:ea typeface="Consolas" charset="0"/>
-                <a:cs typeface="Consolas" charset="0"/>
-              </a:rPr>
-              <a:t>) – d + ((--e) /  (-f</a:t>
-            </a:r>
-            <a:r>
-              <a:rPr lang="en-US" sz="2400" dirty="0" smtClean="0">
-                <a:solidFill>
-                  <a:srgbClr val="000099"/>
-                </a:solidFill>
-                <a:latin typeface="Consolas" charset="0"/>
-                <a:ea typeface="Consolas" charset="0"/>
-                <a:cs typeface="Consolas" charset="0"/>
-              </a:rPr>
-              <a:t>))))</a:t>
-            </a:r>
-            <a:endParaRPr lang="en-US" sz="2400" dirty="0">
-              <a:solidFill>
-                <a:srgbClr val="000099"/>
-              </a:solidFill>
-              <a:latin typeface="Consolas" charset="0"/>
-              <a:ea typeface="Consolas" charset="0"/>
-              <a:cs typeface="Consolas" charset="0"/>
-            </a:endParaRPr>
+              <a:t>) – d + ((--e) /  (-f))))</a:t>
+            </a:r>
           </a:p>
         </p:txBody>
       </p:sp>
@@ -5238,13 +5002,6 @@
   <p:clrMapOvr>
     <a:masterClrMapping/>
   </p:clrMapOvr>
-  <p:timing>
-    <p:tnLst>
-      <p:par>
-        <p:cTn id="1" dur="indefinite" restart="never" nodeType="tmRoot"/>
-      </p:par>
-    </p:tnLst>
-  </p:timing>
 </p:sld>
 </file>
 
@@ -5281,10 +5038,9 @@
           <a:lstStyle/>
           <a:p>
             <a:r>
-              <a:rPr lang="en-US" dirty="0" smtClean="0"/>
+              <a:rPr lang="en-US" dirty="0"/>
               <a:t>Expression Evaluation</a:t>
             </a:r>
-            <a:endParaRPr lang="en-US" dirty="0"/>
           </a:p>
         </p:txBody>
       </p:sp>
@@ -5306,7 +5062,7 @@
           <a:lstStyle/>
           <a:p>
             <a:r>
-              <a:rPr lang="en-US" dirty="0" smtClean="0"/>
+              <a:rPr lang="en-US" dirty="0"/>
               <a:t>C does not specify order of evaluation of subexpressions</a:t>
             </a:r>
           </a:p>
@@ -5315,7 +5071,7 @@
               <a:buNone/>
             </a:pPr>
             <a:r>
-              <a:rPr lang="en-US" dirty="0" smtClean="0">
+              <a:rPr lang="en-US" dirty="0">
                 <a:solidFill>
                   <a:srgbClr val="000099"/>
                 </a:solidFill>
@@ -5323,10 +5079,62 @@
                 <a:ea typeface="Consolas" charset="0"/>
                 <a:cs typeface="Consolas" charset="0"/>
               </a:rPr>
-              <a:t>(</a:t>
-            </a:r>
-            <a:r>
-              <a:rPr lang="en-US" dirty="0" smtClean="0">
+              <a:t>(a - b)*(c + d) </a:t>
+            </a:r>
+            <a:r>
+              <a:rPr lang="en-US" dirty="0">
+                <a:solidFill>
+                  <a:srgbClr val="00B050"/>
+                </a:solidFill>
+                <a:latin typeface="Consolas" charset="0"/>
+                <a:ea typeface="Consolas" charset="0"/>
+                <a:cs typeface="Consolas" charset="0"/>
+              </a:rPr>
+              <a:t>//Evaluate a-b or </a:t>
+            </a:r>
+            <a:r>
+              <a:rPr lang="en-US" dirty="0" err="1">
+                <a:solidFill>
+                  <a:srgbClr val="00B050"/>
+                </a:solidFill>
+                <a:latin typeface="Consolas" charset="0"/>
+                <a:ea typeface="Consolas" charset="0"/>
+                <a:cs typeface="Consolas" charset="0"/>
+              </a:rPr>
+              <a:t>c+d</a:t>
+            </a:r>
+            <a:r>
+              <a:rPr lang="en-US" dirty="0">
+                <a:solidFill>
+                  <a:srgbClr val="00B050"/>
+                </a:solidFill>
+                <a:latin typeface="Consolas" charset="0"/>
+                <a:ea typeface="Consolas" charset="0"/>
+                <a:cs typeface="Consolas" charset="0"/>
+              </a:rPr>
+              <a:t> first?</a:t>
+            </a:r>
+          </a:p>
+          <a:p>
+            <a:r>
+              <a:rPr lang="en-US" dirty="0"/>
+              <a:t>Avoid expressions that use the value of a variable and modify it in the same expression:</a:t>
+            </a:r>
+          </a:p>
+          <a:p>
+            <a:pPr marL="0" indent="0">
+              <a:buNone/>
+            </a:pPr>
+            <a:r>
+              <a:rPr lang="en-US" dirty="0">
+                <a:latin typeface="Consolas" charset="0"/>
+                <a:ea typeface="Consolas" charset="0"/>
+                <a:cs typeface="Consolas" charset="0"/>
+              </a:rPr>
+              <a:t> </a:t>
+            </a:r>
+            <a:r>
+              <a:rPr lang="en-US" dirty="0">
                 <a:solidFill>
                   <a:srgbClr val="000099"/>
                 </a:solidFill>
@@ -5334,10 +5142,21 @@
                 <a:ea typeface="Consolas" charset="0"/>
                 <a:cs typeface="Consolas" charset="0"/>
               </a:rPr>
-              <a:t>a - b)*(c + d</a:t>
-            </a:r>
-            <a:r>
-              <a:rPr lang="en-US" dirty="0" smtClean="0">
+              <a:t>a = (</a:t>
+            </a:r>
+            <a:r>
+              <a:rPr lang="en-US" dirty="0">
+                <a:solidFill>
+                  <a:srgbClr val="FF0000"/>
+                </a:solidFill>
+                <a:latin typeface="Consolas" charset="0"/>
+                <a:ea typeface="Consolas" charset="0"/>
+                <a:cs typeface="Consolas" charset="0"/>
+              </a:rPr>
+              <a:t>b</a:t>
+            </a:r>
+            <a:r>
+              <a:rPr lang="en-US" dirty="0">
                 <a:solidFill>
                   <a:srgbClr val="000099"/>
                 </a:solidFill>
@@ -5345,73 +5164,73 @@
                 <a:ea typeface="Consolas" charset="0"/>
                 <a:cs typeface="Consolas" charset="0"/>
               </a:rPr>
-              <a:t>) </a:t>
-            </a:r>
-            <a:r>
-              <a:rPr lang="en-US" dirty="0" smtClean="0">
-                <a:solidFill>
-                  <a:srgbClr val="00B050"/>
-                </a:solidFill>
-                <a:latin typeface="Consolas" charset="0"/>
-                <a:ea typeface="Consolas" charset="0"/>
-                <a:cs typeface="Consolas" charset="0"/>
-              </a:rPr>
-              <a:t>//</a:t>
-            </a:r>
-            <a:r>
-              <a:rPr lang="en-US" dirty="0" smtClean="0">
-                <a:solidFill>
-                  <a:srgbClr val="00B050"/>
-                </a:solidFill>
-                <a:latin typeface="Consolas" charset="0"/>
-                <a:ea typeface="Consolas" charset="0"/>
-                <a:cs typeface="Consolas" charset="0"/>
-              </a:rPr>
-              <a:t>Evaluate a-b or </a:t>
-            </a:r>
-            <a:r>
-              <a:rPr lang="en-US" dirty="0" err="1" smtClean="0">
-                <a:solidFill>
-                  <a:srgbClr val="00B050"/>
-                </a:solidFill>
-                <a:latin typeface="Consolas" charset="0"/>
-                <a:ea typeface="Consolas" charset="0"/>
-                <a:cs typeface="Consolas" charset="0"/>
-              </a:rPr>
-              <a:t>c+d</a:t>
-            </a:r>
-            <a:r>
-              <a:rPr lang="en-US" dirty="0" smtClean="0">
-                <a:solidFill>
-                  <a:srgbClr val="00B050"/>
-                </a:solidFill>
-                <a:latin typeface="Consolas" charset="0"/>
-                <a:ea typeface="Consolas" charset="0"/>
-                <a:cs typeface="Consolas" charset="0"/>
-              </a:rPr>
-              <a:t> first?</a:t>
-            </a:r>
-          </a:p>
-          <a:p>
-            <a:r>
-              <a:rPr lang="en-US" dirty="0" smtClean="0"/>
-              <a:t>Avoid expressions that use the value of a variable and modify it in the same expression:</a:t>
-            </a:r>
-          </a:p>
-          <a:p>
-            <a:pPr marL="0" indent="0">
+              <a:t>+= ( (</a:t>
+            </a:r>
+            <a:r>
+              <a:rPr lang="en-US" dirty="0" err="1">
+                <a:solidFill>
+                  <a:srgbClr val="000099"/>
+                </a:solidFill>
+                <a:latin typeface="Consolas" charset="0"/>
+                <a:ea typeface="Consolas" charset="0"/>
+                <a:cs typeface="Consolas" charset="0"/>
+              </a:rPr>
+              <a:t>c++</a:t>
+            </a:r>
+            <a:r>
+              <a:rPr lang="en-US" dirty="0">
+                <a:solidFill>
+                  <a:srgbClr val="000099"/>
+                </a:solidFill>
+                <a:latin typeface="Consolas" charset="0"/>
+                <a:ea typeface="Consolas" charset="0"/>
+                <a:cs typeface="Consolas" charset="0"/>
+              </a:rPr>
+              <a:t>) – d + ((--</a:t>
+            </a:r>
+            <a:r>
+              <a:rPr lang="en-US" dirty="0">
+                <a:solidFill>
+                  <a:srgbClr val="FF0000"/>
+                </a:solidFill>
+                <a:latin typeface="Consolas" charset="0"/>
+                <a:ea typeface="Consolas" charset="0"/>
+                <a:cs typeface="Consolas" charset="0"/>
+              </a:rPr>
+              <a:t>b</a:t>
+            </a:r>
+            <a:r>
+              <a:rPr lang="en-US" dirty="0">
+                <a:solidFill>
+                  <a:srgbClr val="000099"/>
+                </a:solidFill>
+                <a:latin typeface="Consolas" charset="0"/>
+                <a:ea typeface="Consolas" charset="0"/>
+                <a:cs typeface="Consolas" charset="0"/>
+              </a:rPr>
+              <a:t>) /  (-f))))</a:t>
+            </a:r>
+          </a:p>
+          <a:p>
+            <a:r>
+              <a:rPr lang="en-US" dirty="0"/>
+              <a:t>Use multiple assignment statements instead:</a:t>
+            </a:r>
+          </a:p>
+          <a:p>
+            <a:pPr marL="457200" lvl="1" indent="0">
               <a:buNone/>
             </a:pPr>
             <a:r>
-              <a:rPr lang="en-US" dirty="0" smtClean="0">
-                <a:latin typeface="Consolas" charset="0"/>
-                <a:ea typeface="Consolas" charset="0"/>
-                <a:cs typeface="Consolas" charset="0"/>
-              </a:rPr>
-              <a:t> </a:t>
-            </a:r>
-            <a:r>
-              <a:rPr lang="en-US" dirty="0" smtClean="0">
+              <a:rPr lang="en-US" dirty="0">
+                <a:solidFill>
+                  <a:srgbClr val="0B2B91"/>
+                </a:solidFill>
+              </a:rPr>
+              <a:t>	</a:t>
+            </a:r>
+            <a:r>
+              <a:rPr lang="en-US" sz="3000" dirty="0">
                 <a:solidFill>
                   <a:srgbClr val="000099"/>
                 </a:solidFill>
@@ -5419,10 +5238,15 @@
                 <a:ea typeface="Consolas" charset="0"/>
                 <a:cs typeface="Consolas" charset="0"/>
               </a:rPr>
-              <a:t>a </a:t>
-            </a:r>
-            <a:r>
-              <a:rPr lang="en-US" dirty="0">
+              <a:t>x = (--b) /  (-f)</a:t>
+            </a:r>
+          </a:p>
+          <a:p>
+            <a:pPr marL="457200" lvl="1" indent="0">
+              <a:buNone/>
+            </a:pPr>
+            <a:r>
+              <a:rPr lang="en-US" sz="3000" dirty="0">
                 <a:solidFill>
                   <a:srgbClr val="000099"/>
                 </a:solidFill>
@@ -5430,21 +5254,10 @@
                 <a:ea typeface="Consolas" charset="0"/>
                 <a:cs typeface="Consolas" charset="0"/>
               </a:rPr>
-              <a:t>= (</a:t>
-            </a:r>
-            <a:r>
-              <a:rPr lang="en-US" dirty="0">
-                <a:solidFill>
-                  <a:srgbClr val="FF0000"/>
-                </a:solidFill>
-                <a:latin typeface="Consolas" charset="0"/>
-                <a:ea typeface="Consolas" charset="0"/>
-                <a:cs typeface="Consolas" charset="0"/>
-              </a:rPr>
-              <a:t>b</a:t>
-            </a:r>
-            <a:r>
-              <a:rPr lang="en-US" dirty="0">
+              <a:t>	b += (</a:t>
+            </a:r>
+            <a:r>
+              <a:rPr lang="en-US" sz="3000" dirty="0" err="1">
                 <a:solidFill>
                   <a:srgbClr val="000099"/>
                 </a:solidFill>
@@ -5452,10 +5265,10 @@
                 <a:ea typeface="Consolas" charset="0"/>
                 <a:cs typeface="Consolas" charset="0"/>
               </a:rPr>
-              <a:t>+= ( (</a:t>
-            </a:r>
-            <a:r>
-              <a:rPr lang="en-US" dirty="0" err="1">
+              <a:t>c++</a:t>
+            </a:r>
+            <a:r>
+              <a:rPr lang="en-US" sz="3000" dirty="0">
                 <a:solidFill>
                   <a:srgbClr val="000099"/>
                 </a:solidFill>
@@ -5463,10 +5276,15 @@
                 <a:ea typeface="Consolas" charset="0"/>
                 <a:cs typeface="Consolas" charset="0"/>
               </a:rPr>
-              <a:t>c++</a:t>
-            </a:r>
-            <a:r>
-              <a:rPr lang="en-US" dirty="0">
+              <a:t>) – d + x</a:t>
+            </a:r>
+          </a:p>
+          <a:p>
+            <a:pPr marL="457200" lvl="1" indent="0">
+              <a:buNone/>
+            </a:pPr>
+            <a:r>
+              <a:rPr lang="en-US" sz="3000" dirty="0">
                 <a:solidFill>
                   <a:srgbClr val="000099"/>
                 </a:solidFill>
@@ -5474,187 +5292,7 @@
                 <a:ea typeface="Consolas" charset="0"/>
                 <a:cs typeface="Consolas" charset="0"/>
               </a:rPr>
-              <a:t>) – d + </a:t>
-            </a:r>
-            <a:r>
-              <a:rPr lang="en-US" dirty="0" smtClean="0">
-                <a:solidFill>
-                  <a:srgbClr val="000099"/>
-                </a:solidFill>
-                <a:latin typeface="Consolas" charset="0"/>
-                <a:ea typeface="Consolas" charset="0"/>
-                <a:cs typeface="Consolas" charset="0"/>
-              </a:rPr>
-              <a:t>((--</a:t>
-            </a:r>
-            <a:r>
-              <a:rPr lang="en-US" dirty="0" smtClean="0">
-                <a:solidFill>
-                  <a:srgbClr val="FF0000"/>
-                </a:solidFill>
-                <a:latin typeface="Consolas" charset="0"/>
-                <a:ea typeface="Consolas" charset="0"/>
-                <a:cs typeface="Consolas" charset="0"/>
-              </a:rPr>
-              <a:t>b</a:t>
-            </a:r>
-            <a:r>
-              <a:rPr lang="en-US" dirty="0" smtClean="0">
-                <a:solidFill>
-                  <a:srgbClr val="000099"/>
-                </a:solidFill>
-                <a:latin typeface="Consolas" charset="0"/>
-                <a:ea typeface="Consolas" charset="0"/>
-                <a:cs typeface="Consolas" charset="0"/>
-              </a:rPr>
-              <a:t>) </a:t>
-            </a:r>
-            <a:r>
-              <a:rPr lang="en-US" dirty="0">
-                <a:solidFill>
-                  <a:srgbClr val="000099"/>
-                </a:solidFill>
-                <a:latin typeface="Consolas" charset="0"/>
-                <a:ea typeface="Consolas" charset="0"/>
-                <a:cs typeface="Consolas" charset="0"/>
-              </a:rPr>
-              <a:t>/  (-f))))</a:t>
-            </a:r>
-            <a:endParaRPr lang="en-US" dirty="0" smtClean="0">
-              <a:solidFill>
-                <a:srgbClr val="000099"/>
-              </a:solidFill>
-              <a:latin typeface="Consolas" charset="0"/>
-              <a:ea typeface="Consolas" charset="0"/>
-              <a:cs typeface="Consolas" charset="0"/>
-            </a:endParaRPr>
-          </a:p>
-          <a:p>
-            <a:r>
-              <a:rPr lang="en-US" dirty="0" smtClean="0"/>
-              <a:t>Use multiple assignment statements instead:</a:t>
-            </a:r>
-          </a:p>
-          <a:p>
-            <a:pPr marL="457200" lvl="1" indent="0">
-              <a:buNone/>
-            </a:pPr>
-            <a:r>
-              <a:rPr lang="en-US" dirty="0" smtClean="0">
-                <a:solidFill>
-                  <a:srgbClr val="0B2B91"/>
-                </a:solidFill>
-              </a:rPr>
-              <a:t>	</a:t>
-            </a:r>
-            <a:r>
-              <a:rPr lang="en-US" sz="3000" dirty="0" smtClean="0">
-                <a:solidFill>
-                  <a:srgbClr val="000099"/>
-                </a:solidFill>
-                <a:latin typeface="Consolas" charset="0"/>
-                <a:ea typeface="Consolas" charset="0"/>
-                <a:cs typeface="Consolas" charset="0"/>
-              </a:rPr>
-              <a:t>x = (--</a:t>
-            </a:r>
-            <a:r>
-              <a:rPr lang="en-US" sz="3000" dirty="0">
-                <a:solidFill>
-                  <a:srgbClr val="000099"/>
-                </a:solidFill>
-                <a:latin typeface="Consolas" charset="0"/>
-                <a:ea typeface="Consolas" charset="0"/>
-                <a:cs typeface="Consolas" charset="0"/>
-              </a:rPr>
-              <a:t>b) /  (-f</a:t>
-            </a:r>
-            <a:r>
-              <a:rPr lang="en-US" sz="3000" dirty="0" smtClean="0">
-                <a:solidFill>
-                  <a:srgbClr val="000099"/>
-                </a:solidFill>
-                <a:latin typeface="Consolas" charset="0"/>
-                <a:ea typeface="Consolas" charset="0"/>
-                <a:cs typeface="Consolas" charset="0"/>
-              </a:rPr>
-              <a:t>)</a:t>
-            </a:r>
-          </a:p>
-          <a:p>
-            <a:pPr marL="457200" lvl="1" indent="0">
-              <a:buNone/>
-            </a:pPr>
-            <a:r>
-              <a:rPr lang="en-US" sz="3000" dirty="0">
-                <a:solidFill>
-                  <a:srgbClr val="000099"/>
-                </a:solidFill>
-                <a:latin typeface="Consolas" charset="0"/>
-                <a:ea typeface="Consolas" charset="0"/>
-                <a:cs typeface="Consolas" charset="0"/>
-              </a:rPr>
-              <a:t>	</a:t>
-            </a:r>
-            <a:r>
-              <a:rPr lang="en-US" sz="3000" dirty="0" smtClean="0">
-                <a:solidFill>
-                  <a:srgbClr val="000099"/>
-                </a:solidFill>
-                <a:latin typeface="Consolas" charset="0"/>
-                <a:ea typeface="Consolas" charset="0"/>
-                <a:cs typeface="Consolas" charset="0"/>
-              </a:rPr>
-              <a:t>b += (</a:t>
-            </a:r>
-            <a:r>
-              <a:rPr lang="en-US" sz="3000" dirty="0" err="1" smtClean="0">
-                <a:solidFill>
-                  <a:srgbClr val="000099"/>
-                </a:solidFill>
-                <a:latin typeface="Consolas" charset="0"/>
-                <a:ea typeface="Consolas" charset="0"/>
-                <a:cs typeface="Consolas" charset="0"/>
-              </a:rPr>
-              <a:t>c++</a:t>
-            </a:r>
-            <a:r>
-              <a:rPr lang="en-US" sz="3000" dirty="0" smtClean="0">
-                <a:solidFill>
-                  <a:srgbClr val="000099"/>
-                </a:solidFill>
-                <a:latin typeface="Consolas" charset="0"/>
-                <a:ea typeface="Consolas" charset="0"/>
-                <a:cs typeface="Consolas" charset="0"/>
-              </a:rPr>
-              <a:t>) – d + x</a:t>
-            </a:r>
-          </a:p>
-          <a:p>
-            <a:pPr marL="457200" lvl="1" indent="0">
-              <a:buNone/>
-            </a:pPr>
-            <a:r>
-              <a:rPr lang="en-US" sz="3000" dirty="0">
-                <a:solidFill>
-                  <a:srgbClr val="000099"/>
-                </a:solidFill>
-                <a:latin typeface="Consolas" charset="0"/>
-                <a:ea typeface="Consolas" charset="0"/>
-                <a:cs typeface="Consolas" charset="0"/>
-              </a:rPr>
-              <a:t>	</a:t>
-            </a:r>
-            <a:r>
-              <a:rPr lang="en-US" sz="3000" dirty="0" smtClean="0">
-                <a:solidFill>
-                  <a:srgbClr val="000099"/>
-                </a:solidFill>
-                <a:latin typeface="Consolas" charset="0"/>
-                <a:ea typeface="Consolas" charset="0"/>
-                <a:cs typeface="Consolas" charset="0"/>
-              </a:rPr>
-              <a:t>a = b; </a:t>
+              <a:t>	a = b; </a:t>
             </a:r>
           </a:p>
         </p:txBody>
@@ -5693,13 +5331,6 @@
   <p:clrMapOvr>
     <a:masterClrMapping/>
   </p:clrMapOvr>
-  <p:timing>
-    <p:tnLst>
-      <p:par>
-        <p:cTn id="1" dur="indefinite" restart="never" nodeType="tmRoot"/>
-      </p:par>
-    </p:tnLst>
-  </p:timing>
 </p:sld>
 </file>
 
@@ -5736,10 +5367,9 @@
           <a:lstStyle/>
           <a:p>
             <a:r>
-              <a:rPr lang="en-US" dirty="0" smtClean="0"/>
+              <a:rPr lang="en-US" dirty="0"/>
               <a:t>Expression Evaluation</a:t>
             </a:r>
-            <a:endParaRPr lang="en-US" dirty="0"/>
           </a:p>
         </p:txBody>
       </p:sp>
@@ -5770,7 +5400,7 @@
               <a:buNone/>
             </a:pPr>
             <a:r>
-              <a:rPr lang="en-US" sz="2800" dirty="0" smtClean="0">
+              <a:rPr lang="en-US" sz="2800" dirty="0">
                 <a:solidFill>
                   <a:srgbClr val="000099"/>
                 </a:solidFill>
@@ -5778,8 +5408,13 @@
                 <a:ea typeface="Consolas" charset="0"/>
                 <a:cs typeface="Consolas" charset="0"/>
               </a:rPr>
-              <a:t>	a </a:t>
-            </a:r>
+              <a:t>	a = 5;</a:t>
+            </a:r>
+          </a:p>
+          <a:p>
+            <a:pPr marL="457200" lvl="1" indent="0">
+              <a:buNone/>
+            </a:pPr>
             <a:r>
               <a:rPr lang="en-US" sz="2800" dirty="0">
                 <a:solidFill>
@@ -5789,43 +5424,8 @@
                 <a:ea typeface="Consolas" charset="0"/>
                 <a:cs typeface="Consolas" charset="0"/>
               </a:rPr>
-              <a:t>= 5;</a:t>
-            </a:r>
-          </a:p>
-          <a:p>
-            <a:pPr marL="457200" lvl="1" indent="0">
-              <a:buNone/>
-            </a:pPr>
-            <a:r>
-              <a:rPr lang="en-US" sz="2800" dirty="0" smtClean="0">
-                <a:solidFill>
-                  <a:srgbClr val="000099"/>
-                </a:solidFill>
-                <a:latin typeface="Consolas" charset="0"/>
-                <a:ea typeface="Consolas" charset="0"/>
-                <a:cs typeface="Consolas" charset="0"/>
-              </a:rPr>
-              <a:t>	c </a:t>
-            </a:r>
-            <a:r>
-              <a:rPr lang="en-US" sz="2800" dirty="0">
-                <a:solidFill>
-                  <a:srgbClr val="000099"/>
-                </a:solidFill>
-                <a:latin typeface="Consolas" charset="0"/>
-                <a:ea typeface="Consolas" charset="0"/>
-                <a:cs typeface="Consolas" charset="0"/>
-              </a:rPr>
-              <a:t>= (b = a + 2) – (a = 1) </a:t>
-            </a:r>
-            <a:endParaRPr lang="en-US" sz="2800" dirty="0" smtClean="0">
-              <a:solidFill>
-                <a:srgbClr val="000099"/>
-              </a:solidFill>
-              <a:latin typeface="Consolas" charset="0"/>
-              <a:ea typeface="Consolas" charset="0"/>
-              <a:cs typeface="Consolas" charset="0"/>
-            </a:endParaRPr>
+              <a:t>	c = (b = a + 2) – (a = 1) </a:t>
+            </a:r>
           </a:p>
         </p:txBody>
       </p:sp>
@@ -5884,7 +5484,7 @@
           <a:lstStyle/>
           <a:p>
             <a:r>
-              <a:rPr lang="en-US" sz="2400" dirty="0" smtClean="0">
+              <a:rPr lang="en-US" sz="2400" dirty="0">
                 <a:solidFill>
                   <a:srgbClr val="00B050"/>
                 </a:solidFill>
@@ -5900,15 +5500,18 @@
                   <a:srgbClr val="00B050"/>
                 </a:solidFill>
               </a:rPr>
-              <a:t>	</a:t>
-            </a:r>
-            <a:r>
-              <a:rPr lang="en-US" sz="2400" dirty="0" smtClean="0">
+              <a:t>	b becomes: 5 + 2 = 7</a:t>
+            </a:r>
+          </a:p>
+          <a:p>
+            <a:pPr defTabSz="461963"/>
+            <a:r>
+              <a:rPr lang="en-US" sz="2400" dirty="0">
                 <a:solidFill>
                   <a:srgbClr val="00B050"/>
                 </a:solidFill>
               </a:rPr>
-              <a:t>b becomes: 5 + 2 = 7</a:t>
+              <a:t>	a becomes: 1</a:t>
             </a:r>
           </a:p>
           <a:p>
@@ -5919,34 +5522,7 @@
                   <a:srgbClr val="00B050"/>
                 </a:solidFill>
               </a:rPr>
-              <a:t>	</a:t>
-            </a:r>
-            <a:r>
-              <a:rPr lang="en-US" sz="2400" dirty="0" smtClean="0">
-                <a:solidFill>
-                  <a:srgbClr val="00B050"/>
-                </a:solidFill>
-              </a:rPr>
-              <a:t>a becomes: 1</a:t>
-            </a:r>
-          </a:p>
-          <a:p>
-            <a:pPr defTabSz="461963"/>
-            <a:r>
-              <a:rPr lang="en-US" sz="2400" dirty="0">
-                <a:solidFill>
-                  <a:srgbClr val="00B050"/>
-                </a:solidFill>
-              </a:rPr>
-              <a:t>	</a:t>
-            </a:r>
-            <a:r>
-              <a:rPr lang="en-US" sz="2400" dirty="0" smtClean="0">
-                <a:solidFill>
-                  <a:srgbClr val="00B050"/>
-                </a:solidFill>
-              </a:rPr>
-              <a:t>c becomes: 7 – 1 = 6</a:t>
+              <a:t>	c becomes: 7 – 1 = 6</a:t>
             </a:r>
           </a:p>
         </p:txBody>
@@ -5982,7 +5558,7 @@
           <a:lstStyle/>
           <a:p>
             <a:r>
-              <a:rPr lang="en-US" sz="2400" dirty="0" smtClean="0">
+              <a:rPr lang="en-US" sz="2400" dirty="0">
                 <a:solidFill>
                   <a:srgbClr val="00B050"/>
                 </a:solidFill>
@@ -5998,15 +5574,18 @@
                   <a:srgbClr val="00B050"/>
                 </a:solidFill>
               </a:rPr>
-              <a:t>	</a:t>
-            </a:r>
-            <a:r>
-              <a:rPr lang="en-US" sz="2400" dirty="0" smtClean="0">
+              <a:t>	a becomes: 1</a:t>
+            </a:r>
+          </a:p>
+          <a:p>
+            <a:pPr defTabSz="461963"/>
+            <a:r>
+              <a:rPr lang="en-US" sz="2400" dirty="0">
                 <a:solidFill>
                   <a:srgbClr val="00B050"/>
                 </a:solidFill>
               </a:rPr>
-              <a:t>a becomes: 1</a:t>
+              <a:t>	b becomes: 1 + 2 = 3</a:t>
             </a:r>
           </a:p>
           <a:p>
@@ -6017,34 +5596,7 @@
                   <a:srgbClr val="00B050"/>
                 </a:solidFill>
               </a:rPr>
-              <a:t>	</a:t>
-            </a:r>
-            <a:r>
-              <a:rPr lang="en-US" sz="2400" dirty="0" smtClean="0">
-                <a:solidFill>
-                  <a:srgbClr val="00B050"/>
-                </a:solidFill>
-              </a:rPr>
-              <a:t>b becomes: 1 + 2 = 3</a:t>
-            </a:r>
-          </a:p>
-          <a:p>
-            <a:pPr defTabSz="461963"/>
-            <a:r>
-              <a:rPr lang="en-US" sz="2400" dirty="0">
-                <a:solidFill>
-                  <a:srgbClr val="00B050"/>
-                </a:solidFill>
-              </a:rPr>
-              <a:t>	</a:t>
-            </a:r>
-            <a:r>
-              <a:rPr lang="en-US" sz="2400" dirty="0" smtClean="0">
-                <a:solidFill>
-                  <a:srgbClr val="00B050"/>
-                </a:solidFill>
-              </a:rPr>
-              <a:t>c becomes: 3 – 1 = 2</a:t>
+              <a:t>	c becomes: 3 – 1 = 2</a:t>
             </a:r>
           </a:p>
           <a:p>
@@ -6251,10 +5803,9 @@
           <a:lstStyle/>
           <a:p>
             <a:r>
-              <a:rPr lang="en-US" dirty="0" smtClean="0"/>
+              <a:rPr lang="en-US" dirty="0"/>
               <a:t>What do you think the following code outputs?</a:t>
             </a:r>
-            <a:endParaRPr lang="en-US" dirty="0"/>
           </a:p>
         </p:txBody>
       </p:sp>
@@ -6281,7 +5832,7 @@
           <a:lstStyle/>
           <a:p>
             <a:r>
-              <a:rPr lang="en-US" sz="3600" dirty="0" smtClean="0">
+              <a:rPr lang="en-US" sz="3600" dirty="0">
                 <a:solidFill>
                   <a:srgbClr val="0CFA02"/>
                 </a:solidFill>
@@ -6291,18 +5842,10 @@
               </a:rPr>
               <a:t>3 4</a:t>
             </a:r>
-            <a:endParaRPr lang="en-US" sz="3600" dirty="0" smtClean="0">
-              <a:solidFill>
-                <a:srgbClr val="0CFA02"/>
-              </a:solidFill>
-              <a:latin typeface="Consolas" charset="0"/>
-              <a:ea typeface="Consolas" charset="0"/>
-              <a:cs typeface="Consolas" charset="0"/>
-            </a:endParaRPr>
-          </a:p>
-          <a:p>
-            <a:r>
-              <a:rPr lang="en-US" sz="3600" dirty="0" smtClean="0">
+          </a:p>
+          <a:p>
+            <a:r>
+              <a:rPr lang="en-US" sz="3600" dirty="0">
                 <a:solidFill>
                   <a:srgbClr val="FEFB01"/>
                 </a:solidFill>
@@ -6312,18 +5855,10 @@
               </a:rPr>
               <a:t>3 6</a:t>
             </a:r>
-            <a:endParaRPr lang="en-US" sz="3600" dirty="0" smtClean="0">
-              <a:solidFill>
-                <a:srgbClr val="FEFB01"/>
-              </a:solidFill>
-              <a:latin typeface="Consolas" charset="0"/>
-              <a:ea typeface="Consolas" charset="0"/>
-              <a:cs typeface="Consolas" charset="0"/>
-            </a:endParaRPr>
-          </a:p>
-          <a:p>
-            <a:r>
-              <a:rPr lang="en-US" sz="3600" dirty="0" smtClean="0">
+          </a:p>
+          <a:p>
+            <a:r>
+              <a:rPr lang="en-US" sz="3600" dirty="0">
                 <a:solidFill>
                   <a:srgbClr val="F5A007"/>
                 </a:solidFill>
@@ -6333,18 +5868,10 @@
               </a:rPr>
               <a:t>3 8</a:t>
             </a:r>
-            <a:endParaRPr lang="en-US" sz="3600" dirty="0" smtClean="0">
-              <a:solidFill>
-                <a:srgbClr val="F5A007"/>
-              </a:solidFill>
-              <a:latin typeface="Consolas" charset="0"/>
-              <a:ea typeface="Consolas" charset="0"/>
-              <a:cs typeface="Consolas" charset="0"/>
-            </a:endParaRPr>
-          </a:p>
-          <a:p>
-            <a:r>
-              <a:rPr lang="en-US" sz="3600" dirty="0" smtClean="0">
+          </a:p>
+          <a:p>
+            <a:r>
+              <a:rPr lang="en-US" sz="3600" dirty="0">
                 <a:solidFill>
                   <a:srgbClr val="F21AF1"/>
                 </a:solidFill>
@@ -6354,14 +5881,6 @@
               </a:rPr>
               <a:t>undefined</a:t>
             </a:r>
-            <a:endParaRPr lang="en-US" sz="3600" dirty="0">
-              <a:solidFill>
-                <a:srgbClr val="F21AF1"/>
-              </a:solidFill>
-              <a:latin typeface="Consolas" charset="0"/>
-              <a:ea typeface="Consolas" charset="0"/>
-              <a:cs typeface="Consolas" charset="0"/>
-            </a:endParaRPr>
           </a:p>
         </p:txBody>
       </p:sp>
@@ -6388,7 +5907,7 @@
           <a:lstStyle/>
           <a:p>
             <a:r>
-              <a:rPr lang="en-US" sz="2800" dirty="0" err="1" smtClean="0">
+              <a:rPr lang="en-US" sz="2800" dirty="0" err="1">
                 <a:latin typeface="Consolas" charset="0"/>
                 <a:ea typeface="Consolas" charset="0"/>
                 <a:cs typeface="Consolas" charset="0"/>
@@ -6396,7 +5915,7 @@
               <a:t>int</a:t>
             </a:r>
             <a:r>
-              <a:rPr lang="en-US" sz="2800" dirty="0" smtClean="0">
+              <a:rPr lang="en-US" sz="2800" dirty="0">
                 <a:latin typeface="Consolas" charset="0"/>
                 <a:ea typeface="Consolas" charset="0"/>
                 <a:cs typeface="Consolas" charset="0"/>
@@ -6404,7 +5923,7 @@
               <a:t> </a:t>
             </a:r>
             <a:r>
-              <a:rPr lang="en-US" sz="2800" dirty="0" err="1" smtClean="0">
+              <a:rPr lang="en-US" sz="2800" dirty="0" err="1">
                 <a:latin typeface="Consolas" charset="0"/>
                 <a:ea typeface="Consolas" charset="0"/>
                 <a:cs typeface="Consolas" charset="0"/>
@@ -6412,22 +5931,17 @@
               <a:t>i</a:t>
             </a:r>
             <a:r>
-              <a:rPr lang="en-US" sz="2800" dirty="0" smtClean="0">
+              <a:rPr lang="en-US" sz="2800" dirty="0">
                 <a:latin typeface="Consolas" charset="0"/>
                 <a:ea typeface="Consolas" charset="0"/>
                 <a:cs typeface="Consolas" charset="0"/>
               </a:rPr>
               <a:t> = 2;</a:t>
             </a:r>
-            <a:endParaRPr lang="en-US" sz="2800" dirty="0" smtClean="0">
-              <a:latin typeface="Consolas" charset="0"/>
-              <a:ea typeface="Consolas" charset="0"/>
-              <a:cs typeface="Consolas" charset="0"/>
-            </a:endParaRPr>
-          </a:p>
-          <a:p>
-            <a:r>
-              <a:rPr lang="en-US" sz="2800" dirty="0" err="1" smtClean="0">
+          </a:p>
+          <a:p>
+            <a:r>
+              <a:rPr lang="en-US" sz="2800" dirty="0" err="1">
                 <a:latin typeface="Consolas" charset="0"/>
                 <a:ea typeface="Consolas" charset="0"/>
                 <a:cs typeface="Consolas" charset="0"/>
@@ -6435,7 +5949,7 @@
               <a:t>int</a:t>
             </a:r>
             <a:r>
-              <a:rPr lang="en-US" sz="2800" dirty="0" smtClean="0">
+              <a:rPr lang="en-US" sz="2800" dirty="0">
                 <a:latin typeface="Consolas" charset="0"/>
                 <a:ea typeface="Consolas" charset="0"/>
                 <a:cs typeface="Consolas" charset="0"/>
@@ -6443,7 +5957,7 @@
               <a:t> j = </a:t>
             </a:r>
             <a:r>
-              <a:rPr lang="en-US" sz="2800" dirty="0" err="1" smtClean="0">
+              <a:rPr lang="en-US" sz="2800" dirty="0" err="1">
                 <a:latin typeface="Consolas" charset="0"/>
                 <a:ea typeface="Consolas" charset="0"/>
                 <a:cs typeface="Consolas" charset="0"/>
@@ -6451,7 +5965,7 @@
               <a:t>i</a:t>
             </a:r>
             <a:r>
-              <a:rPr lang="en-US" sz="2800" dirty="0" smtClean="0">
+              <a:rPr lang="en-US" sz="2800" dirty="0">
                 <a:latin typeface="Consolas" charset="0"/>
                 <a:ea typeface="Consolas" charset="0"/>
                 <a:cs typeface="Consolas" charset="0"/>
@@ -6459,7 +5973,7 @@
               <a:t> * </a:t>
             </a:r>
             <a:r>
-              <a:rPr lang="en-US" sz="2800" dirty="0" err="1" smtClean="0">
+              <a:rPr lang="en-US" sz="2800" dirty="0" err="1">
                 <a:latin typeface="Consolas" charset="0"/>
                 <a:ea typeface="Consolas" charset="0"/>
                 <a:cs typeface="Consolas" charset="0"/>
@@ -6467,7 +5981,7 @@
               <a:t>i</a:t>
             </a:r>
             <a:r>
-              <a:rPr lang="en-US" sz="2800" dirty="0" smtClean="0">
+              <a:rPr lang="en-US" sz="2800" dirty="0">
                 <a:latin typeface="Consolas" charset="0"/>
                 <a:ea typeface="Consolas" charset="0"/>
                 <a:cs typeface="Consolas" charset="0"/>
@@ -6477,7 +5991,7 @@
           </a:p>
           <a:p>
             <a:r>
-              <a:rPr lang="en-US" sz="2800" dirty="0" smtClean="0">
+              <a:rPr lang="en-US" sz="2800" dirty="0">
                 <a:latin typeface="Consolas" charset="0"/>
                 <a:ea typeface="Consolas" charset="0"/>
                 <a:cs typeface="Consolas" charset="0"/>
@@ -6485,7 +5999,7 @@
               <a:t>print("%d %d", </a:t>
             </a:r>
             <a:r>
-              <a:rPr lang="en-US" sz="2800" dirty="0" err="1" smtClean="0">
+              <a:rPr lang="en-US" sz="2800" dirty="0" err="1">
                 <a:latin typeface="Consolas" charset="0"/>
                 <a:ea typeface="Consolas" charset="0"/>
                 <a:cs typeface="Consolas" charset="0"/>
@@ -6493,18 +6007,13 @@
               <a:t>i</a:t>
             </a:r>
             <a:r>
-              <a:rPr lang="en-US" sz="2800" dirty="0" smtClean="0">
+              <a:rPr lang="en-US" sz="2800" dirty="0">
                 <a:latin typeface="Consolas" charset="0"/>
                 <a:ea typeface="Consolas" charset="0"/>
                 <a:cs typeface="Consolas" charset="0"/>
               </a:rPr>
               <a:t>, j);</a:t>
             </a:r>
-            <a:endParaRPr lang="en-US" sz="2800" dirty="0">
-              <a:latin typeface="Consolas" charset="0"/>
-              <a:ea typeface="Consolas" charset="0"/>
-              <a:cs typeface="Consolas" charset="0"/>
-            </a:endParaRPr>
           </a:p>
         </p:txBody>
       </p:sp>
@@ -6542,13 +6051,6 @@
   <p:clrMapOvr>
     <a:masterClrMapping/>
   </p:clrMapOvr>
-  <p:timing>
-    <p:tnLst>
-      <p:par>
-        <p:cTn id="1" dur="indefinite" restart="never" nodeType="tmRoot"/>
-      </p:par>
-    </p:tnLst>
-  </p:timing>
 </p:sld>
 </file>
 
@@ -6585,10 +6087,9 @@
           <a:lstStyle/>
           <a:p>
             <a:r>
-              <a:rPr lang="en-US" dirty="0" smtClean="0"/>
+              <a:rPr lang="en-US" dirty="0"/>
               <a:t>Equality Operators</a:t>
             </a:r>
-            <a:endParaRPr lang="en-US" dirty="0"/>
           </a:p>
         </p:txBody>
       </p:sp>
@@ -6610,11 +6111,11 @@
           <a:lstStyle/>
           <a:p>
             <a:r>
-              <a:rPr lang="en-US" dirty="0" smtClean="0"/>
+              <a:rPr lang="en-US" dirty="0"/>
               <a:t>Equal to: </a:t>
             </a:r>
             <a:r>
-              <a:rPr lang="en-US" dirty="0" smtClean="0">
+              <a:rPr lang="en-US" dirty="0">
                 <a:solidFill>
                   <a:srgbClr val="FF0000"/>
                 </a:solidFill>
@@ -6624,11 +6125,11 @@
           </a:p>
           <a:p>
             <a:r>
-              <a:rPr lang="en-US" dirty="0" smtClean="0"/>
+              <a:rPr lang="en-US" dirty="0"/>
               <a:t>Not equal to: </a:t>
             </a:r>
             <a:r>
-              <a:rPr lang="en-US" dirty="0" smtClean="0">
+              <a:rPr lang="en-US" dirty="0">
                 <a:solidFill>
                   <a:srgbClr val="FF0000"/>
                 </a:solidFill>
@@ -6638,7 +6139,7 @@
           </a:p>
           <a:p>
             <a:r>
-              <a:rPr lang="en-US" dirty="0" smtClean="0"/>
+              <a:rPr lang="en-US" dirty="0"/>
               <a:t>Produce 0 or 1</a:t>
             </a:r>
           </a:p>
@@ -6646,7 +6147,7 @@
             <a:pPr marL="0" indent="0">
               <a:buNone/>
             </a:pPr>
-            <a:endParaRPr lang="en-US" dirty="0" smtClean="0"/>
+            <a:endParaRPr lang="en-US" dirty="0"/>
           </a:p>
         </p:txBody>
       </p:sp>
@@ -6697,7 +6198,7 @@
           <a:lstStyle/>
           <a:p>
             <a:r>
-              <a:rPr lang="en-US" sz="2800" dirty="0" err="1" smtClean="0">
+              <a:rPr lang="en-US" sz="2800" dirty="0" err="1">
                 <a:solidFill>
                   <a:srgbClr val="000099"/>
                 </a:solidFill>
@@ -6708,7 +6209,7 @@
               <a:t>int</a:t>
             </a:r>
             <a:r>
-              <a:rPr lang="en-US" sz="2800" dirty="0" smtClean="0">
+              <a:rPr lang="en-US" sz="2800" dirty="0">
                 <a:solidFill>
                   <a:srgbClr val="000099"/>
                 </a:solidFill>
@@ -6721,7 +6222,7 @@
           </a:p>
           <a:p>
             <a:r>
-              <a:rPr lang="en-US" sz="2800" dirty="0" smtClean="0">
+              <a:rPr lang="en-US" sz="2800" dirty="0">
                 <a:solidFill>
                   <a:srgbClr val="000099"/>
                 </a:solidFill>
@@ -6732,7 +6233,7 @@
               <a:t>z = x == y; 	</a:t>
             </a:r>
             <a:r>
-              <a:rPr lang="en-US" sz="2800" dirty="0" smtClean="0">
+              <a:rPr lang="en-US" sz="2800" dirty="0">
                 <a:solidFill>
                   <a:srgbClr val="00B050"/>
                 </a:solidFill>
@@ -6745,7 +6246,7 @@
           </a:p>
           <a:p>
             <a:r>
-              <a:rPr lang="en-US" sz="2800" dirty="0" smtClean="0">
+              <a:rPr lang="en-US" sz="2800" dirty="0">
                 <a:solidFill>
                   <a:srgbClr val="000099"/>
                 </a:solidFill>
@@ -6756,7 +6257,7 @@
               <a:t>z = x != y;	</a:t>
             </a:r>
             <a:r>
-              <a:rPr lang="en-US" sz="2800" dirty="0" smtClean="0">
+              <a:rPr lang="en-US" sz="2800" dirty="0">
                 <a:solidFill>
                   <a:srgbClr val="00B050"/>
                 </a:solidFill>
@@ -6769,7 +6270,7 @@
           </a:p>
           <a:p>
             <a:r>
-              <a:rPr lang="en-US" sz="2800" dirty="0" smtClean="0">
+              <a:rPr lang="en-US" sz="2800" dirty="0">
                 <a:solidFill>
                   <a:srgbClr val="000099"/>
                 </a:solidFill>
@@ -6782,7 +6283,7 @@
           </a:p>
           <a:p>
             <a:r>
-              <a:rPr lang="en-US" sz="2800" dirty="0" smtClean="0">
+              <a:rPr lang="en-US" sz="2800" dirty="0">
                 <a:solidFill>
                   <a:srgbClr val="000099"/>
                 </a:solidFill>
@@ -6793,7 +6294,7 @@
               <a:t>Z = x != y	</a:t>
             </a:r>
             <a:r>
-              <a:rPr lang="en-US" sz="2800" dirty="0" smtClean="0">
+              <a:rPr lang="en-US" sz="2800" dirty="0">
                 <a:solidFill>
                   <a:srgbClr val="00B050"/>
                 </a:solidFill>
@@ -6803,14 +6304,6 @@
               </a:rPr>
               <a:t>//z has value 1</a:t>
             </a:r>
-            <a:endParaRPr lang="en-US" sz="2800" dirty="0">
-              <a:solidFill>
-                <a:srgbClr val="00B050"/>
-              </a:solidFill>
-              <a:latin typeface="Consolas" charset="0"/>
-              <a:ea typeface="Consolas" charset="0"/>
-              <a:cs typeface="Consolas" charset="0"/>
-            </a:endParaRPr>
           </a:p>
         </p:txBody>
       </p:sp>
@@ -6824,13 +6317,6 @@
   <p:clrMapOvr>
     <a:masterClrMapping/>
   </p:clrMapOvr>
-  <p:timing>
-    <p:tnLst>
-      <p:par>
-        <p:cTn id="1" dur="indefinite" restart="never" nodeType="tmRoot"/>
-      </p:par>
-    </p:tnLst>
-  </p:timing>
 </p:sld>
 </file>
 
@@ -6867,10 +6353,9 @@
           <a:lstStyle/>
           <a:p>
             <a:r>
-              <a:rPr lang="en-US" dirty="0" smtClean="0"/>
+              <a:rPr lang="en-US" dirty="0"/>
               <a:t>Relational Operators</a:t>
             </a:r>
-            <a:endParaRPr lang="en-US" dirty="0"/>
           </a:p>
         </p:txBody>
       </p:sp>
@@ -6892,116 +6377,85 @@
           <a:lstStyle/>
           <a:p>
             <a:r>
-              <a:rPr lang="en-US" dirty="0" smtClean="0">
+              <a:rPr lang="en-US" dirty="0">
                 <a:solidFill>
                   <a:srgbClr val="FF0000"/>
                 </a:solidFill>
               </a:rPr>
-              <a:t>&lt; </a:t>
-            </a:r>
+              <a:t>&lt; 	&lt;= 	&gt;= 	&gt;</a:t>
+            </a:r>
+          </a:p>
+          <a:p>
+            <a:r>
+              <a:rPr lang="en-US" dirty="0"/>
+              <a:t>Produce 0 or 1</a:t>
+            </a:r>
+          </a:p>
+          <a:p>
+            <a:r>
+              <a:rPr lang="en-US" dirty="0"/>
+              <a:t>4 &gt;= 4 has value 1</a:t>
+            </a:r>
+          </a:p>
+          <a:p>
+            <a:r>
+              <a:rPr lang="en-US" dirty="0"/>
+              <a:t>51 &lt; 50 has value 0</a:t>
+            </a:r>
+          </a:p>
+          <a:p>
+            <a:r>
+              <a:rPr lang="en-US" dirty="0"/>
+              <a:t>Warning!:</a:t>
+            </a:r>
+          </a:p>
+          <a:p>
+            <a:pPr marL="0" indent="0">
+              <a:buNone/>
+            </a:pPr>
             <a:r>
               <a:rPr lang="en-US" dirty="0">
-                <a:solidFill>
-                  <a:srgbClr val="FF0000"/>
-                </a:solidFill>
-              </a:rPr>
-              <a:t>	</a:t>
-            </a:r>
-            <a:r>
-              <a:rPr lang="en-US" dirty="0" smtClean="0">
-                <a:solidFill>
-                  <a:srgbClr val="FF0000"/>
-                </a:solidFill>
-              </a:rPr>
-              <a:t>&lt;= 	&gt;= 	&gt;</a:t>
-            </a:r>
-          </a:p>
-          <a:p>
-            <a:r>
-              <a:rPr lang="en-US" dirty="0" smtClean="0"/>
-              <a:t>Produce 0 or 1</a:t>
-            </a:r>
-          </a:p>
-          <a:p>
-            <a:r>
-              <a:rPr lang="en-US" dirty="0" smtClean="0"/>
-              <a:t>4 &gt;= 4 has value 1</a:t>
-            </a:r>
-          </a:p>
-          <a:p>
-            <a:r>
-              <a:rPr lang="en-US" dirty="0" smtClean="0"/>
-              <a:t>51 &lt; 50 has value 0</a:t>
-            </a:r>
-          </a:p>
-          <a:p>
-            <a:r>
-              <a:rPr lang="en-US" dirty="0" smtClean="0"/>
-              <a:t>Warning!:</a:t>
-            </a:r>
-          </a:p>
-          <a:p>
-            <a:pPr marL="0" indent="0">
+                <a:latin typeface="Consolas" charset="0"/>
+                <a:ea typeface="Consolas" charset="0"/>
+                <a:cs typeface="Consolas" charset="0"/>
+              </a:rPr>
+              <a:t>5 &lt; 70 &lt; 10</a:t>
+            </a:r>
+          </a:p>
+          <a:p>
+            <a:pPr>
               <a:buNone/>
             </a:pPr>
             <a:r>
-              <a:rPr lang="en-US" dirty="0" smtClean="0">
-                <a:latin typeface="Consolas" charset="0"/>
-                <a:ea typeface="Consolas" charset="0"/>
-                <a:cs typeface="Consolas" charset="0"/>
-              </a:rPr>
-              <a:t>5 </a:t>
-            </a:r>
-            <a:r>
-              <a:rPr lang="en-US" dirty="0" smtClean="0">
-                <a:latin typeface="Consolas" charset="0"/>
-                <a:ea typeface="Consolas" charset="0"/>
-                <a:cs typeface="Consolas" charset="0"/>
-              </a:rPr>
-              <a:t>&lt; 70 &lt; </a:t>
-            </a:r>
-            <a:r>
-              <a:rPr lang="en-US" dirty="0" smtClean="0">
-                <a:latin typeface="Consolas" charset="0"/>
-                <a:ea typeface="Consolas" charset="0"/>
-                <a:cs typeface="Consolas" charset="0"/>
-              </a:rPr>
-              <a:t>10</a:t>
-            </a:r>
-            <a:endParaRPr lang="en-US" dirty="0" smtClean="0">
-              <a:latin typeface="Consolas" charset="0"/>
-              <a:ea typeface="Consolas" charset="0"/>
-              <a:cs typeface="Consolas" charset="0"/>
-            </a:endParaRPr>
+              <a:rPr lang="en-US" dirty="0">
+                <a:latin typeface="Consolas" charset="0"/>
+                <a:ea typeface="Consolas" charset="0"/>
+                <a:cs typeface="Consolas" charset="0"/>
+                <a:sym typeface="Wingdings" pitchFamily="2" charset="2"/>
+              </a:rPr>
+              <a:t></a:t>
+            </a:r>
+            <a:r>
+              <a:rPr lang="en-US" dirty="0">
+                <a:latin typeface="Consolas" charset="0"/>
+                <a:ea typeface="Consolas" charset="0"/>
+                <a:cs typeface="Consolas" charset="0"/>
+              </a:rPr>
+              <a:t> (5 &lt; 70 ) &lt; 10 </a:t>
+            </a:r>
           </a:p>
           <a:p>
             <a:pPr>
               <a:buNone/>
             </a:pPr>
             <a:r>
-              <a:rPr lang="en-US" dirty="0" smtClean="0">
+              <a:rPr lang="en-US" dirty="0">
                 <a:latin typeface="Consolas" charset="0"/>
                 <a:ea typeface="Consolas" charset="0"/>
                 <a:cs typeface="Consolas" charset="0"/>
                 <a:sym typeface="Wingdings" pitchFamily="2" charset="2"/>
               </a:rPr>
-              <a:t></a:t>
-            </a:r>
-            <a:r>
-              <a:rPr lang="en-US" dirty="0" smtClean="0">
-                <a:latin typeface="Consolas" charset="0"/>
-                <a:ea typeface="Consolas" charset="0"/>
-                <a:cs typeface="Consolas" charset="0"/>
-              </a:rPr>
-              <a:t> </a:t>
-            </a:r>
-            <a:r>
-              <a:rPr lang="en-US" dirty="0" smtClean="0">
-                <a:latin typeface="Consolas" charset="0"/>
-                <a:ea typeface="Consolas" charset="0"/>
-                <a:cs typeface="Consolas" charset="0"/>
-              </a:rPr>
-              <a:t>(5 &lt; 70 ) &lt; 10 </a:t>
+              <a:t> 1 &lt; 10</a:t>
             </a:r>
           </a:p>
           <a:p>
@@ -7009,70 +6463,14 @@
               <a:buNone/>
             </a:pPr>
             <a:r>
-              <a:rPr lang="en-US" dirty="0" smtClean="0">
+              <a:rPr lang="en-US" dirty="0">
                 <a:latin typeface="Consolas" charset="0"/>
                 <a:ea typeface="Consolas" charset="0"/>
                 <a:cs typeface="Consolas" charset="0"/>
                 <a:sym typeface="Wingdings" pitchFamily="2" charset="2"/>
               </a:rPr>
-              <a:t> 1 </a:t>
-            </a:r>
-            <a:r>
-              <a:rPr lang="en-US" dirty="0" smtClean="0">
-                <a:latin typeface="Consolas" charset="0"/>
-                <a:ea typeface="Consolas" charset="0"/>
-                <a:cs typeface="Consolas" charset="0"/>
-                <a:sym typeface="Wingdings" pitchFamily="2" charset="2"/>
-              </a:rPr>
-              <a:t>&lt; </a:t>
-            </a:r>
-            <a:r>
-              <a:rPr lang="en-US" dirty="0">
-                <a:latin typeface="Consolas" charset="0"/>
-                <a:ea typeface="Consolas" charset="0"/>
-                <a:cs typeface="Consolas" charset="0"/>
-                <a:sym typeface="Wingdings" pitchFamily="2" charset="2"/>
-              </a:rPr>
-              <a:t>1</a:t>
-            </a:r>
-            <a:r>
-              <a:rPr lang="en-US" dirty="0" smtClean="0">
-                <a:latin typeface="Consolas" charset="0"/>
-                <a:ea typeface="Consolas" charset="0"/>
-                <a:cs typeface="Consolas" charset="0"/>
-                <a:sym typeface="Wingdings" pitchFamily="2" charset="2"/>
-              </a:rPr>
-              <a:t>0</a:t>
-            </a:r>
-          </a:p>
-          <a:p>
-            <a:pPr>
-              <a:buNone/>
-            </a:pPr>
-            <a:r>
-              <a:rPr lang="en-US" dirty="0">
-                <a:latin typeface="Consolas" charset="0"/>
-                <a:ea typeface="Consolas" charset="0"/>
-                <a:cs typeface="Consolas" charset="0"/>
-                <a:sym typeface="Wingdings" pitchFamily="2" charset="2"/>
-              </a:rPr>
-              <a:t> </a:t>
-            </a:r>
-            <a:r>
-              <a:rPr lang="en-US" dirty="0" smtClean="0">
-                <a:latin typeface="Consolas" charset="0"/>
-                <a:ea typeface="Consolas" charset="0"/>
-                <a:cs typeface="Consolas" charset="0"/>
-                <a:sym typeface="Wingdings" pitchFamily="2" charset="2"/>
-              </a:rPr>
-              <a:t>1</a:t>
-            </a:r>
-            <a:endParaRPr lang="en-US" dirty="0" smtClean="0">
-              <a:latin typeface="Consolas" charset="0"/>
-              <a:ea typeface="Consolas" charset="0"/>
-              <a:cs typeface="Consolas" charset="0"/>
-              <a:sym typeface="Wingdings" pitchFamily="2" charset="2"/>
-            </a:endParaRPr>
+              <a:t> 1</a:t>
+            </a:r>
           </a:p>
         </p:txBody>
       </p:sp>
@@ -7110,13 +6508,6 @@
   <p:clrMapOvr>
     <a:masterClrMapping/>
   </p:clrMapOvr>
-  <p:timing>
-    <p:tnLst>
-      <p:par>
-        <p:cTn id="1" dur="indefinite" restart="never" nodeType="tmRoot"/>
-      </p:par>
-    </p:tnLst>
-  </p:timing>
 </p:sld>
 </file>
 
@@ -7153,10 +6544,9 @@
           <a:lstStyle/>
           <a:p>
             <a:r>
-              <a:rPr lang="en-US" dirty="0" smtClean="0"/>
+              <a:rPr lang="en-US" dirty="0"/>
               <a:t>Logical Operators</a:t>
             </a:r>
-            <a:endParaRPr lang="en-US" dirty="0"/>
           </a:p>
         </p:txBody>
       </p:sp>
@@ -7189,11 +6579,11 @@
           </a:p>
           <a:p>
             <a:r>
-              <a:rPr lang="en-US" sz="2000" dirty="0" smtClean="0"/>
+              <a:rPr lang="en-US" sz="2000" dirty="0"/>
               <a:t>Negation: </a:t>
             </a:r>
             <a:r>
-              <a:rPr lang="en-US" sz="2000" dirty="0" smtClean="0">
+              <a:rPr lang="en-US" sz="2000" dirty="0">
                 <a:solidFill>
                   <a:srgbClr val="FF0000"/>
                 </a:solidFill>
@@ -7201,7 +6591,7 @@
               <a:t>!</a:t>
             </a:r>
             <a:r>
-              <a:rPr lang="en-US" sz="2000" dirty="0" smtClean="0"/>
+              <a:rPr lang="en-US" sz="2000" dirty="0"/>
               <a:t> (unary):</a:t>
             </a:r>
           </a:p>
@@ -7211,7 +6601,7 @@
               <a:buChar char="§"/>
             </a:pPr>
             <a:r>
-              <a:rPr lang="en-US" sz="1800" dirty="0" smtClean="0">
+              <a:rPr lang="en-US" sz="1800" dirty="0">
                 <a:solidFill>
                   <a:srgbClr val="000099"/>
                 </a:solidFill>
@@ -7222,17 +6612,17 @@
               <a:t>!expr </a:t>
             </a:r>
             <a:r>
-              <a:rPr lang="en-US" sz="1800" dirty="0" smtClean="0"/>
+              <a:rPr lang="en-US" sz="1800" dirty="0"/>
               <a:t>has value 1 if expr has value 0</a:t>
             </a:r>
           </a:p>
           <a:p>
             <a:r>
-              <a:rPr lang="en-US" sz="2000" dirty="0" smtClean="0"/>
+              <a:rPr lang="en-US" sz="2000" dirty="0"/>
               <a:t>Logical and: </a:t>
             </a:r>
             <a:r>
-              <a:rPr lang="en-US" sz="2000" dirty="0" smtClean="0">
+              <a:rPr lang="en-US" sz="2000" dirty="0">
                 <a:solidFill>
                   <a:srgbClr val="FF0000"/>
                 </a:solidFill>
@@ -7246,7 +6636,7 @@
               <a:buChar char="§"/>
             </a:pPr>
             <a:r>
-              <a:rPr lang="en-US" sz="1800" dirty="0" smtClean="0">
+              <a:rPr lang="en-US" sz="1800" dirty="0">
                 <a:solidFill>
                   <a:srgbClr val="000099"/>
                 </a:solidFill>
@@ -7257,7 +6647,7 @@
               <a:t>expr1 &amp;&amp; expr2</a:t>
             </a:r>
             <a:r>
-              <a:rPr lang="en-US" sz="1800" dirty="0" smtClean="0">
+              <a:rPr lang="en-US" sz="1800" dirty="0">
                 <a:latin typeface="Consolas" charset="0"/>
                 <a:ea typeface="Consolas" charset="0"/>
                 <a:cs typeface="Consolas" charset="0"/>
@@ -7265,7 +6655,7 @@
               <a:t>: </a:t>
             </a:r>
             <a:r>
-              <a:rPr lang="en-US" sz="1800" dirty="0" smtClean="0"/>
+              <a:rPr lang="en-US" sz="1800" dirty="0"/>
               <a:t>1 if both are non zero</a:t>
             </a:r>
           </a:p>
@@ -7275,7 +6665,7 @@
               <a:buChar char="§"/>
             </a:pPr>
             <a:r>
-              <a:rPr lang="en-US" sz="1800" dirty="0" smtClean="0">
+              <a:rPr lang="en-US" sz="1800" dirty="0">
                 <a:latin typeface="Consolas" charset="0"/>
                 <a:ea typeface="Consolas" charset="0"/>
                 <a:cs typeface="Consolas" charset="0"/>
@@ -7285,11 +6675,11 @@
           </a:p>
           <a:p>
             <a:r>
-              <a:rPr lang="en-US" sz="2000" dirty="0" smtClean="0"/>
+              <a:rPr lang="en-US" sz="2000" dirty="0"/>
               <a:t>Logical or: </a:t>
             </a:r>
             <a:r>
-              <a:rPr lang="en-US" sz="2000" dirty="0" smtClean="0">
+              <a:rPr lang="en-US" sz="2000" dirty="0">
                 <a:solidFill>
                   <a:srgbClr val="FF0000"/>
                 </a:solidFill>
@@ -7303,7 +6693,7 @@
               <a:buChar char="§"/>
             </a:pPr>
             <a:r>
-              <a:rPr lang="en-US" sz="1800" dirty="0" smtClean="0">
+              <a:rPr lang="en-US" sz="1800" dirty="0">
                 <a:solidFill>
                   <a:srgbClr val="000099"/>
                 </a:solidFill>
@@ -7314,7 +6704,7 @@
               <a:t>expr1 || expr2</a:t>
             </a:r>
             <a:r>
-              <a:rPr lang="en-US" sz="1800" dirty="0" smtClean="0"/>
+              <a:rPr lang="en-US" sz="1800" dirty="0"/>
               <a:t>: 1 if either is non zero</a:t>
             </a:r>
           </a:p>
@@ -7369,10 +6759,34 @@
                 <a:tableStyleId>{5940675A-B579-460E-94D1-54222C63F5DA}</a:tableStyleId>
               </a:tblPr>
               <a:tblGrid>
-                <a:gridCol w="402771"/>
-                <a:gridCol w="402771"/>
-                <a:gridCol w="1049326"/>
-                <a:gridCol w="964532"/>
+                <a:gridCol w="402771">
+                  <a:extLst>
+                    <a:ext uri="{9D8B030D-6E8A-4147-A177-3AD203B41FA5}">
+                      <a16:colId xmlns:a16="http://schemas.microsoft.com/office/drawing/2014/main" val="20000"/>
+                    </a:ext>
+                  </a:extLst>
+                </a:gridCol>
+                <a:gridCol w="402771">
+                  <a:extLst>
+                    <a:ext uri="{9D8B030D-6E8A-4147-A177-3AD203B41FA5}">
+                      <a16:colId xmlns:a16="http://schemas.microsoft.com/office/drawing/2014/main" val="20001"/>
+                    </a:ext>
+                  </a:extLst>
+                </a:gridCol>
+                <a:gridCol w="1049326">
+                  <a:extLst>
+                    <a:ext uri="{9D8B030D-6E8A-4147-A177-3AD203B41FA5}">
+                      <a16:colId xmlns:a16="http://schemas.microsoft.com/office/drawing/2014/main" val="20002"/>
+                    </a:ext>
+                  </a:extLst>
+                </a:gridCol>
+                <a:gridCol w="964532">
+                  <a:extLst>
+                    <a:ext uri="{9D8B030D-6E8A-4147-A177-3AD203B41FA5}">
+                      <a16:colId xmlns:a16="http://schemas.microsoft.com/office/drawing/2014/main" val="20003"/>
+                    </a:ext>
+                  </a:extLst>
+                </a:gridCol>
               </a:tblGrid>
               <a:tr h="0">
                 <a:tc>
@@ -7382,18 +6796,13 @@
                     <a:p>
                       <a:pPr algn="ctr"/>
                       <a:r>
-                        <a:rPr lang="en-US" sz="2400" b="1" dirty="0" smtClean="0">
+                        <a:rPr lang="en-US" sz="2400" b="1" dirty="0">
                           <a:solidFill>
                             <a:schemeClr val="bg1"/>
                           </a:solidFill>
                         </a:rPr>
                         <a:t>x</a:t>
                       </a:r>
-                      <a:endParaRPr lang="en-US" sz="2400" b="1" dirty="0">
-                        <a:solidFill>
-                          <a:schemeClr val="bg1"/>
-                        </a:solidFill>
-                      </a:endParaRPr>
                     </a:p>
                   </a:txBody>
                   <a:tcPr>
@@ -7412,18 +6821,13 @@
                     <a:p>
                       <a:pPr algn="ctr"/>
                       <a:r>
-                        <a:rPr lang="en-US" sz="2400" b="1" dirty="0" smtClean="0">
+                        <a:rPr lang="en-US" sz="2400" b="1" dirty="0">
                           <a:solidFill>
                             <a:schemeClr val="bg1"/>
                           </a:solidFill>
                         </a:rPr>
                         <a:t>y</a:t>
                       </a:r>
-                      <a:endParaRPr lang="en-US" sz="2400" b="1" dirty="0">
-                        <a:solidFill>
-                          <a:schemeClr val="bg1"/>
-                        </a:solidFill>
-                      </a:endParaRPr>
                     </a:p>
                   </a:txBody>
                   <a:tcPr>
@@ -7442,18 +6846,13 @@
                     <a:p>
                       <a:pPr algn="ctr"/>
                       <a:r>
-                        <a:rPr lang="en-US" sz="2400" b="1" dirty="0" smtClean="0">
+                        <a:rPr lang="en-US" sz="2400" b="1" dirty="0">
                           <a:solidFill>
                             <a:schemeClr val="bg1"/>
                           </a:solidFill>
                         </a:rPr>
                         <a:t>x &amp;&amp; y</a:t>
                       </a:r>
-                      <a:endParaRPr lang="en-US" sz="2400" b="1" dirty="0">
-                        <a:solidFill>
-                          <a:schemeClr val="bg1"/>
-                        </a:solidFill>
-                      </a:endParaRPr>
                     </a:p>
                   </a:txBody>
                   <a:tcPr>
@@ -7472,18 +6871,13 @@
                     <a:p>
                       <a:pPr algn="ctr"/>
                       <a:r>
-                        <a:rPr lang="en-US" sz="2400" b="1" dirty="0" smtClean="0">
+                        <a:rPr lang="en-US" sz="2400" b="1" dirty="0">
                           <a:solidFill>
                             <a:schemeClr val="bg1"/>
                           </a:solidFill>
                         </a:rPr>
                         <a:t>x || y</a:t>
                       </a:r>
-                      <a:endParaRPr lang="en-US" sz="2400" b="1" dirty="0">
-                        <a:solidFill>
-                          <a:schemeClr val="bg1"/>
-                        </a:solidFill>
-                      </a:endParaRPr>
                     </a:p>
                   </a:txBody>
                   <a:tcPr>
@@ -7495,6 +6889,11 @@
                     </a:solidFill>
                   </a:tcPr>
                 </a:tc>
+                <a:extLst>
+                  <a:ext uri="{0D108BD9-81ED-4DB2-BD59-A6C34878D82A}">
+                    <a16:rowId xmlns:a16="http://schemas.microsoft.com/office/drawing/2014/main" val="10000"/>
+                  </a:ext>
+                </a:extLst>
               </a:tr>
               <a:tr h="370840">
                 <a:tc>
@@ -7504,10 +6903,9 @@
                     <a:p>
                       <a:pPr algn="ctr"/>
                       <a:r>
-                        <a:rPr lang="en-US" sz="2400" dirty="0" smtClean="0"/>
+                        <a:rPr lang="en-US" sz="2400" dirty="0"/>
                         <a:t>0</a:t>
                       </a:r>
-                      <a:endParaRPr lang="en-US" sz="2400" dirty="0"/>
                     </a:p>
                   </a:txBody>
                   <a:tcPr/>
@@ -7519,10 +6917,9 @@
                     <a:p>
                       <a:pPr algn="ctr"/>
                       <a:r>
-                        <a:rPr lang="en-US" sz="2400" dirty="0" smtClean="0"/>
+                        <a:rPr lang="en-US" sz="2400" dirty="0"/>
                         <a:t>0</a:t>
                       </a:r>
-                      <a:endParaRPr lang="en-US" sz="2400" dirty="0"/>
                     </a:p>
                   </a:txBody>
                   <a:tcPr/>
@@ -7534,10 +6931,9 @@
                     <a:p>
                       <a:pPr algn="ctr"/>
                       <a:r>
-                        <a:rPr lang="en-US" sz="2400" dirty="0" smtClean="0"/>
+                        <a:rPr lang="en-US" sz="2400" dirty="0"/>
                         <a:t>0</a:t>
                       </a:r>
-                      <a:endParaRPr lang="en-US" sz="2400" dirty="0"/>
                     </a:p>
                   </a:txBody>
                   <a:tcPr/>
@@ -7549,14 +6945,18 @@
                     <a:p>
                       <a:pPr algn="ctr"/>
                       <a:r>
-                        <a:rPr lang="en-US" sz="2400" dirty="0" smtClean="0"/>
+                        <a:rPr lang="en-US" sz="2400" dirty="0"/>
                         <a:t>0</a:t>
                       </a:r>
-                      <a:endParaRPr lang="en-US" sz="2400" dirty="0"/>
                     </a:p>
                   </a:txBody>
                   <a:tcPr/>
                 </a:tc>
+                <a:extLst>
+                  <a:ext uri="{0D108BD9-81ED-4DB2-BD59-A6C34878D82A}">
+                    <a16:rowId xmlns:a16="http://schemas.microsoft.com/office/drawing/2014/main" val="10001"/>
+                  </a:ext>
+                </a:extLst>
               </a:tr>
               <a:tr h="370840">
                 <a:tc>
@@ -7566,10 +6966,9 @@
                     <a:p>
                       <a:pPr algn="ctr"/>
                       <a:r>
-                        <a:rPr lang="en-US" sz="2400" dirty="0" smtClean="0"/>
+                        <a:rPr lang="en-US" sz="2400" dirty="0"/>
                         <a:t>2</a:t>
                       </a:r>
-                      <a:endParaRPr lang="en-US" sz="2400" dirty="0"/>
                     </a:p>
                   </a:txBody>
                   <a:tcPr/>
@@ -7581,10 +6980,9 @@
                     <a:p>
                       <a:pPr algn="ctr"/>
                       <a:r>
-                        <a:rPr lang="en-US" sz="2400" dirty="0" smtClean="0"/>
+                        <a:rPr lang="en-US" sz="2400" dirty="0"/>
                         <a:t>0</a:t>
                       </a:r>
-                      <a:endParaRPr lang="en-US" sz="2400" dirty="0"/>
                     </a:p>
                   </a:txBody>
                   <a:tcPr/>
@@ -7596,10 +6994,9 @@
                     <a:p>
                       <a:pPr algn="ctr"/>
                       <a:r>
-                        <a:rPr lang="en-US" sz="2400" dirty="0" smtClean="0"/>
+                        <a:rPr lang="en-US" sz="2400" dirty="0"/>
                         <a:t>0</a:t>
                       </a:r>
-                      <a:endParaRPr lang="en-US" sz="2400" dirty="0"/>
                     </a:p>
                   </a:txBody>
                   <a:tcPr/>
@@ -7611,14 +7008,18 @@
                     <a:p>
                       <a:pPr algn="ctr"/>
                       <a:r>
-                        <a:rPr lang="en-US" sz="2400" dirty="0" smtClean="0"/>
+                        <a:rPr lang="en-US" sz="2400" dirty="0"/>
                         <a:t>1</a:t>
                       </a:r>
-                      <a:endParaRPr lang="en-US" sz="2400" dirty="0"/>
                     </a:p>
                   </a:txBody>
                   <a:tcPr/>
                 </a:tc>
+                <a:extLst>
+                  <a:ext uri="{0D108BD9-81ED-4DB2-BD59-A6C34878D82A}">
+                    <a16:rowId xmlns:a16="http://schemas.microsoft.com/office/drawing/2014/main" val="10002"/>
+                  </a:ext>
+                </a:extLst>
               </a:tr>
               <a:tr h="370840">
                 <a:tc>
@@ -7628,10 +7029,9 @@
                     <a:p>
                       <a:pPr algn="ctr"/>
                       <a:r>
-                        <a:rPr lang="en-US" sz="2400" dirty="0" smtClean="0"/>
+                        <a:rPr lang="en-US" sz="2400" dirty="0"/>
                         <a:t>0</a:t>
                       </a:r>
-                      <a:endParaRPr lang="en-US" sz="2400" dirty="0"/>
                     </a:p>
                   </a:txBody>
                   <a:tcPr/>
@@ -7643,10 +7043,9 @@
                     <a:p>
                       <a:pPr algn="ctr"/>
                       <a:r>
-                        <a:rPr lang="en-US" sz="2400" dirty="0" smtClean="0"/>
+                        <a:rPr lang="en-US" sz="2400" dirty="0"/>
                         <a:t>5</a:t>
                       </a:r>
-                      <a:endParaRPr lang="en-US" sz="2400" dirty="0"/>
                     </a:p>
                   </a:txBody>
                   <a:tcPr/>
@@ -7658,10 +7057,9 @@
                     <a:p>
                       <a:pPr algn="ctr"/>
                       <a:r>
-                        <a:rPr lang="en-US" sz="2400" dirty="0" smtClean="0"/>
+                        <a:rPr lang="en-US" sz="2400" dirty="0"/>
                         <a:t>0</a:t>
                       </a:r>
-                      <a:endParaRPr lang="en-US" sz="2400" dirty="0"/>
                     </a:p>
                   </a:txBody>
                   <a:tcPr/>
@@ -7673,14 +7071,18 @@
                     <a:p>
                       <a:pPr algn="ctr"/>
                       <a:r>
-                        <a:rPr lang="en-US" sz="2400" dirty="0" smtClean="0"/>
+                        <a:rPr lang="en-US" sz="2400" dirty="0"/>
                         <a:t>1</a:t>
                       </a:r>
-                      <a:endParaRPr lang="en-US" sz="2400" dirty="0"/>
                     </a:p>
                   </a:txBody>
                   <a:tcPr/>
                 </a:tc>
+                <a:extLst>
+                  <a:ext uri="{0D108BD9-81ED-4DB2-BD59-A6C34878D82A}">
+                    <a16:rowId xmlns:a16="http://schemas.microsoft.com/office/drawing/2014/main" val="10003"/>
+                  </a:ext>
+                </a:extLst>
               </a:tr>
               <a:tr h="370840">
                 <a:tc>
@@ -7690,10 +7092,9 @@
                     <a:p>
                       <a:pPr algn="ctr"/>
                       <a:r>
-                        <a:rPr lang="en-US" sz="2400" dirty="0" smtClean="0"/>
+                        <a:rPr lang="en-US" sz="2400" dirty="0"/>
                         <a:t>7</a:t>
                       </a:r>
-                      <a:endParaRPr lang="en-US" sz="2400" dirty="0"/>
                     </a:p>
                   </a:txBody>
                   <a:tcPr/>
@@ -7705,10 +7106,9 @@
                     <a:p>
                       <a:pPr algn="ctr"/>
                       <a:r>
-                        <a:rPr lang="en-US" sz="2400" dirty="0" smtClean="0"/>
+                        <a:rPr lang="en-US" sz="2400" dirty="0"/>
                         <a:t>9</a:t>
                       </a:r>
-                      <a:endParaRPr lang="en-US" sz="2400" dirty="0"/>
                     </a:p>
                   </a:txBody>
                   <a:tcPr/>
@@ -7720,10 +7120,9 @@
                     <a:p>
                       <a:pPr algn="ctr"/>
                       <a:r>
-                        <a:rPr lang="en-US" sz="2400" dirty="0" smtClean="0"/>
+                        <a:rPr lang="en-US" sz="2400" dirty="0"/>
                         <a:t>1</a:t>
                       </a:r>
-                      <a:endParaRPr lang="en-US" sz="2400" dirty="0"/>
                     </a:p>
                   </a:txBody>
                   <a:tcPr/>
@@ -7735,14 +7134,18 @@
                     <a:p>
                       <a:pPr algn="ctr"/>
                       <a:r>
-                        <a:rPr lang="en-US" sz="2400" dirty="0" smtClean="0"/>
+                        <a:rPr lang="en-US" sz="2400" dirty="0"/>
                         <a:t>1</a:t>
                       </a:r>
-                      <a:endParaRPr lang="en-US" sz="2400" dirty="0"/>
                     </a:p>
                   </a:txBody>
                   <a:tcPr/>
                 </a:tc>
+                <a:extLst>
+                  <a:ext uri="{0D108BD9-81ED-4DB2-BD59-A6C34878D82A}">
+                    <a16:rowId xmlns:a16="http://schemas.microsoft.com/office/drawing/2014/main" val="10004"/>
+                  </a:ext>
+                </a:extLst>
               </a:tr>
             </a:tbl>
           </a:graphicData>
@@ -7758,13 +7161,6 @@
   <p:clrMapOvr>
     <a:masterClrMapping/>
   </p:clrMapOvr>
-  <p:timing>
-    <p:tnLst>
-      <p:par>
-        <p:cTn id="1" dur="indefinite" restart="never" nodeType="tmRoot"/>
-      </p:par>
-    </p:tnLst>
-  </p:timing>
 </p:sld>
 </file>
 
@@ -7801,10 +7197,9 @@
           <a:lstStyle/>
           <a:p>
             <a:r>
-              <a:rPr lang="en-US" dirty="0" smtClean="0"/>
+              <a:rPr lang="en-US" dirty="0"/>
               <a:t>Bitwise Operators</a:t>
             </a:r>
-            <a:endParaRPr lang="en-US" dirty="0"/>
           </a:p>
         </p:txBody>
       </p:sp>
@@ -7826,72 +7221,67 @@
           <a:lstStyle/>
           <a:p>
             <a:r>
-              <a:rPr lang="en-US" dirty="0" smtClean="0"/>
+              <a:rPr lang="en-US" dirty="0"/>
               <a:t>For bit manipulation:</a:t>
             </a:r>
           </a:p>
           <a:p>
             <a:pPr lvl="1"/>
             <a:r>
-              <a:rPr lang="en-US" dirty="0" smtClean="0"/>
+              <a:rPr lang="en-US" dirty="0"/>
               <a:t>Bitwise AND: &amp;</a:t>
             </a:r>
           </a:p>
           <a:p>
             <a:pPr lvl="1"/>
             <a:r>
-              <a:rPr lang="en-US" dirty="0" smtClean="0"/>
+              <a:rPr lang="en-US" dirty="0"/>
               <a:t>Bitwise inclusive OR: |</a:t>
             </a:r>
           </a:p>
           <a:p>
             <a:pPr lvl="1"/>
             <a:r>
-              <a:rPr lang="en-US" dirty="0" smtClean="0"/>
+              <a:rPr lang="en-US" dirty="0"/>
               <a:t>Bitwise exclusive OR: ^</a:t>
             </a:r>
           </a:p>
           <a:p>
             <a:pPr lvl="1"/>
             <a:r>
-              <a:rPr lang="en-US" dirty="0" smtClean="0"/>
+              <a:rPr lang="en-US" dirty="0"/>
               <a:t>Bitwise complement: ~</a:t>
             </a:r>
           </a:p>
           <a:p>
             <a:pPr lvl="1"/>
             <a:r>
-              <a:rPr lang="en-US" dirty="0" smtClean="0"/>
+              <a:rPr lang="en-US" dirty="0"/>
               <a:t>Left shift: &lt;&lt;</a:t>
             </a:r>
           </a:p>
           <a:p>
             <a:pPr lvl="1"/>
             <a:r>
-              <a:rPr lang="en-US" dirty="0" smtClean="0"/>
-              <a:t>Right shift: </a:t>
-            </a:r>
-            <a:r>
-              <a:rPr lang="en-US" dirty="0" smtClean="0"/>
-              <a:t>&gt;&gt;</a:t>
-            </a:r>
-          </a:p>
-          <a:p>
-            <a:r>
-              <a:rPr lang="en-US" dirty="0" smtClean="0"/>
+              <a:rPr lang="en-US" dirty="0"/>
+              <a:t>Right shift: &gt;&gt;</a:t>
+            </a:r>
+          </a:p>
+          <a:p>
+            <a:r>
+              <a:rPr lang="en-US" dirty="0"/>
               <a:t>We'll be talking about this much more later in the course.</a:t>
             </a:r>
           </a:p>
           <a:p>
             <a:pPr lvl="1"/>
             <a:r>
-              <a:rPr lang="en-US" dirty="0" smtClean="0"/>
+              <a:rPr lang="en-US" dirty="0"/>
               <a:t>The rest of the lecture is a sneak peak at that material.</a:t>
             </a:r>
-            <a:endParaRPr lang="en-US" dirty="0" smtClean="0"/>
-          </a:p>
-          <a:p>
-            <a:endParaRPr lang="en-US" dirty="0" smtClean="0"/>
+          </a:p>
+          <a:p>
+            <a:endParaRPr lang="en-US" dirty="0"/>
           </a:p>
         </p:txBody>
       </p:sp>
@@ -7929,13 +7319,6 @@
   <p:clrMapOvr>
     <a:masterClrMapping/>
   </p:clrMapOvr>
-  <p:timing>
-    <p:tnLst>
-      <p:par>
-        <p:cTn id="1" dur="indefinite" restart="never" nodeType="tmRoot"/>
-      </p:par>
-    </p:tnLst>
-  </p:timing>
 </p:sld>
 </file>
 
@@ -7972,10 +7355,9 @@
           <a:lstStyle/>
           <a:p>
             <a:r>
-              <a:rPr lang="en-US" dirty="0" smtClean="0"/>
+              <a:rPr lang="en-US" dirty="0"/>
               <a:t>Bitwise Operators</a:t>
             </a:r>
-            <a:endParaRPr lang="en-US" dirty="0"/>
           </a:p>
         </p:txBody>
       </p:sp>
@@ -8003,7 +7385,7 @@
           <a:p>
             <a:pPr marL="225425" indent="-225425"/>
             <a:r>
-              <a:rPr lang="en-US" sz="2400" dirty="0" smtClean="0"/>
+              <a:rPr lang="en-US" sz="2400" dirty="0"/>
               <a:t>Binary representation:</a:t>
             </a:r>
           </a:p>
@@ -8012,23 +7394,23 @@
               <a:buNone/>
             </a:pPr>
             <a:r>
-              <a:rPr lang="en-US" sz="2400" dirty="0" smtClean="0"/>
+              <a:rPr lang="en-US" sz="2400" dirty="0"/>
               <a:t>		</a:t>
             </a:r>
             <a:r>
-              <a:rPr lang="en-US" sz="2400" dirty="0" err="1" smtClean="0"/>
+              <a:rPr lang="en-US" sz="2400" dirty="0" err="1"/>
               <a:t>int</a:t>
             </a:r>
             <a:r>
-              <a:rPr lang="en-US" sz="2400" dirty="0" smtClean="0"/>
+              <a:rPr lang="en-US" sz="2400" dirty="0"/>
               <a:t> </a:t>
             </a:r>
             <a:r>
-              <a:rPr lang="en-US" sz="2400" dirty="0" err="1" smtClean="0"/>
+              <a:rPr lang="en-US" sz="2400" dirty="0" err="1"/>
               <a:t>i</a:t>
             </a:r>
             <a:r>
-              <a:rPr lang="en-US" sz="2400" dirty="0" smtClean="0"/>
+              <a:rPr lang="en-US" sz="2400" dirty="0"/>
               <a:t> = 22;     		/*     10110 */</a:t>
             </a:r>
           </a:p>
@@ -8037,22 +7419,22 @@
               <a:buNone/>
             </a:pPr>
             <a:r>
-              <a:rPr lang="en-US" sz="2400" dirty="0" smtClean="0"/>
+              <a:rPr lang="en-US" sz="2400" dirty="0"/>
               <a:t> 		</a:t>
             </a:r>
             <a:r>
-              <a:rPr lang="en-US" sz="2400" dirty="0" err="1" smtClean="0"/>
+              <a:rPr lang="en-US" sz="2400" dirty="0" err="1"/>
               <a:t>int</a:t>
             </a:r>
             <a:r>
-              <a:rPr lang="en-US" sz="2400" dirty="0" smtClean="0"/>
+              <a:rPr lang="en-US" sz="2400" dirty="0"/>
               <a:t> j = 91;		/* 1011011 */</a:t>
             </a:r>
           </a:p>
           <a:p>
             <a:pPr marL="225425" indent="-225425"/>
             <a:r>
-              <a:rPr lang="en-US" sz="2400" dirty="0" smtClean="0"/>
+              <a:rPr lang="en-US" sz="2400" dirty="0"/>
               <a:t>Division by 2</a:t>
             </a:r>
           </a:p>
@@ -8061,7 +7443,7 @@
               <a:buNone/>
             </a:pPr>
             <a:r>
-              <a:rPr lang="en-US" sz="2400" dirty="0" smtClean="0"/>
+              <a:rPr lang="en-US" sz="2400" dirty="0"/>
               <a:t>		22 = 2*11 = 2 * (2 * 5 + 1)</a:t>
             </a:r>
           </a:p>
@@ -8070,43 +7452,35 @@
               <a:buNone/>
             </a:pPr>
             <a:r>
-              <a:rPr lang="en-US" sz="2400" dirty="0" smtClean="0"/>
+              <a:rPr lang="en-US" sz="2400" dirty="0"/>
               <a:t>			      = 2 * (2 * (2*2*1 + 1) + 1) = 2</a:t>
             </a:r>
             <a:r>
-              <a:rPr lang="en-US" sz="2400" baseline="30000" dirty="0" smtClean="0"/>
+              <a:rPr lang="en-US" sz="2400" baseline="30000" dirty="0"/>
               <a:t>4</a:t>
             </a:r>
             <a:r>
-              <a:rPr lang="en-US" sz="2400" dirty="0" smtClean="0"/>
+              <a:rPr lang="en-US" sz="2400" dirty="0"/>
               <a:t> + 2</a:t>
             </a:r>
             <a:r>
-              <a:rPr lang="en-US" sz="2400" baseline="30000" dirty="0" smtClean="0"/>
+              <a:rPr lang="en-US" sz="2400" baseline="30000" dirty="0"/>
               <a:t>2</a:t>
             </a:r>
             <a:r>
-              <a:rPr lang="en-US" sz="2400" dirty="0" smtClean="0"/>
+              <a:rPr lang="en-US" sz="2400" dirty="0"/>
               <a:t> + 2</a:t>
             </a:r>
             <a:r>
-              <a:rPr lang="en-US" sz="2400" baseline="30000" dirty="0" smtClean="0"/>
+              <a:rPr lang="en-US" sz="2400" baseline="30000" dirty="0"/>
               <a:t>1</a:t>
             </a:r>
           </a:p>
           <a:p>
             <a:pPr marL="225425" indent="-225425"/>
             <a:r>
-              <a:rPr lang="en-US" sz="2400" dirty="0" smtClean="0"/>
-              <a:t>Comparison by powers of 2 (1, 2, 4, 8, 16, 32, 64</a:t>
-            </a:r>
-            <a:r>
-              <a:rPr lang="en-US" sz="2400" dirty="0" smtClean="0"/>
-              <a:t>, </a:t>
-            </a:r>
-            <a:r>
-              <a:rPr lang="en-US" sz="2400" dirty="0" smtClean="0"/>
-              <a:t>…)</a:t>
+              <a:rPr lang="en-US" sz="2400" dirty="0"/>
+              <a:t>Comparison by powers of 2 (1, 2, 4, 8, 16, 32, 64, …)</a:t>
             </a:r>
           </a:p>
           <a:p>
@@ -8114,31 +7488,31 @@
               <a:buNone/>
             </a:pPr>
             <a:r>
-              <a:rPr lang="en-US" sz="2400" dirty="0" smtClean="0"/>
+              <a:rPr lang="en-US" sz="2400" dirty="0"/>
               <a:t>		22 = 16 + 4 + 2 = 2</a:t>
             </a:r>
             <a:r>
-              <a:rPr lang="en-US" sz="2400" baseline="30000" dirty="0" smtClean="0"/>
+              <a:rPr lang="en-US" sz="2400" baseline="30000" dirty="0"/>
               <a:t>4</a:t>
             </a:r>
             <a:r>
-              <a:rPr lang="en-US" sz="2400" dirty="0" smtClean="0"/>
+              <a:rPr lang="en-US" sz="2400" dirty="0"/>
               <a:t> + 2</a:t>
             </a:r>
             <a:r>
-              <a:rPr lang="en-US" sz="2400" baseline="30000" dirty="0" smtClean="0"/>
+              <a:rPr lang="en-US" sz="2400" baseline="30000" dirty="0"/>
               <a:t>2</a:t>
             </a:r>
             <a:r>
-              <a:rPr lang="en-US" sz="2400" dirty="0" smtClean="0"/>
+              <a:rPr lang="en-US" sz="2400" dirty="0"/>
               <a:t> + 2</a:t>
             </a:r>
             <a:r>
-              <a:rPr lang="en-US" sz="2400" baseline="30000" dirty="0" smtClean="0"/>
+              <a:rPr lang="en-US" sz="2400" baseline="30000" dirty="0"/>
               <a:t>1</a:t>
             </a:r>
             <a:r>
-              <a:rPr lang="en-US" sz="2400" dirty="0" smtClean="0"/>
+              <a:rPr lang="en-US" sz="2400" dirty="0"/>
               <a:t> </a:t>
             </a:r>
           </a:p>
@@ -8147,62 +7521,62 @@
               <a:buNone/>
             </a:pPr>
             <a:r>
-              <a:rPr lang="en-US" sz="2400" dirty="0" smtClean="0"/>
+              <a:rPr lang="en-US" sz="2400" dirty="0"/>
               <a:t>		91 = 64 + 16 + 8 + 2 + 1 =2</a:t>
             </a:r>
             <a:r>
-              <a:rPr lang="en-US" sz="2400" baseline="30000" dirty="0" smtClean="0"/>
+              <a:rPr lang="en-US" sz="2400" baseline="30000" dirty="0"/>
               <a:t>6</a:t>
             </a:r>
             <a:r>
-              <a:rPr lang="en-US" sz="2400" dirty="0" smtClean="0"/>
+              <a:rPr lang="en-US" sz="2400" dirty="0"/>
               <a:t> + 2</a:t>
             </a:r>
             <a:r>
-              <a:rPr lang="en-US" sz="2400" baseline="30000" dirty="0" smtClean="0"/>
+              <a:rPr lang="en-US" sz="2400" baseline="30000" dirty="0"/>
               <a:t>4</a:t>
             </a:r>
             <a:r>
-              <a:rPr lang="en-US" sz="2400" dirty="0" smtClean="0"/>
+              <a:rPr lang="en-US" sz="2400" dirty="0"/>
               <a:t> + 2</a:t>
             </a:r>
             <a:r>
-              <a:rPr lang="en-US" sz="2400" baseline="30000" dirty="0" smtClean="0"/>
+              <a:rPr lang="en-US" sz="2400" baseline="30000" dirty="0"/>
               <a:t>3</a:t>
             </a:r>
             <a:r>
-              <a:rPr lang="en-US" sz="2400" dirty="0" smtClean="0"/>
+              <a:rPr lang="en-US" sz="2400" dirty="0"/>
               <a:t> + 2</a:t>
             </a:r>
             <a:r>
-              <a:rPr lang="en-US" sz="2400" baseline="30000" dirty="0" smtClean="0"/>
+              <a:rPr lang="en-US" sz="2400" baseline="30000" dirty="0"/>
               <a:t>1</a:t>
             </a:r>
             <a:r>
-              <a:rPr lang="en-US" sz="2400" dirty="0" smtClean="0"/>
+              <a:rPr lang="en-US" sz="2400" dirty="0"/>
               <a:t> + 2</a:t>
             </a:r>
             <a:r>
-              <a:rPr lang="en-US" sz="2400" baseline="30000" dirty="0" smtClean="0"/>
+              <a:rPr lang="en-US" sz="2400" baseline="30000" dirty="0"/>
               <a:t>0</a:t>
             </a:r>
             <a:r>
-              <a:rPr lang="en-US" sz="2400" dirty="0" smtClean="0"/>
+              <a:rPr lang="en-US" sz="2400" dirty="0"/>
               <a:t> </a:t>
             </a:r>
           </a:p>
           <a:p>
             <a:pPr marL="225425" indent="-225425"/>
             <a:r>
-              <a:rPr lang="en-US" sz="2400" dirty="0" smtClean="0"/>
+              <a:rPr lang="en-US" sz="2400" dirty="0"/>
               <a:t>In binary: 1111 = 10000 – 1 = 2</a:t>
             </a:r>
             <a:r>
-              <a:rPr lang="en-US" sz="2400" baseline="30000" dirty="0" smtClean="0"/>
+              <a:rPr lang="en-US" sz="2400" baseline="30000" dirty="0"/>
               <a:t>4</a:t>
             </a:r>
             <a:r>
-              <a:rPr lang="en-US" sz="2400" dirty="0" smtClean="0"/>
+              <a:rPr lang="en-US" sz="2400" dirty="0"/>
               <a:t> - 1</a:t>
             </a:r>
           </a:p>
@@ -8242,13 +7616,6 @@
   <p:clrMapOvr>
     <a:masterClrMapping/>
   </p:clrMapOvr>
-  <p:timing>
-    <p:tnLst>
-      <p:par>
-        <p:cTn id="1" dur="indefinite" restart="never" nodeType="tmRoot"/>
-      </p:par>
-    </p:tnLst>
-  </p:timing>
 </p:sld>
 </file>
 
@@ -8285,10 +7652,9 @@
           <a:lstStyle/>
           <a:p>
             <a:r>
-              <a:rPr lang="en-US" dirty="0" smtClean="0"/>
+              <a:rPr lang="en-US" dirty="0"/>
               <a:t>Bitwise Operators</a:t>
             </a:r>
-            <a:endParaRPr lang="en-US" dirty="0"/>
           </a:p>
         </p:txBody>
       </p:sp>
@@ -8310,11 +7676,11 @@
           <a:lstStyle/>
           <a:p>
             <a:r>
-              <a:rPr lang="en-US" dirty="0" smtClean="0"/>
+              <a:rPr lang="en-US" dirty="0"/>
               <a:t>Bitwise </a:t>
             </a:r>
             <a:r>
-              <a:rPr lang="en-US" dirty="0" smtClean="0">
+              <a:rPr lang="en-US" dirty="0">
                 <a:solidFill>
                   <a:srgbClr val="FF0000"/>
                 </a:solidFill>
@@ -8322,29 +7688,29 @@
               <a:t>&amp;</a:t>
             </a:r>
             <a:r>
-              <a:rPr lang="en-US" dirty="0" smtClean="0"/>
+              <a:rPr lang="en-US" dirty="0"/>
               <a:t>:</a:t>
             </a:r>
           </a:p>
           <a:p>
-            <a:endParaRPr lang="en-US" dirty="0" smtClean="0"/>
+            <a:endParaRPr lang="en-US" dirty="0"/>
           </a:p>
           <a:p>
             <a:pPr>
               <a:buNone/>
             </a:pPr>
-            <a:endParaRPr lang="en-US" dirty="0" smtClean="0"/>
-          </a:p>
-          <a:p>
-            <a:endParaRPr lang="en-US" sz="2000" dirty="0" smtClean="0"/>
-          </a:p>
-          <a:p>
-            <a:r>
-              <a:rPr lang="en-US" dirty="0" smtClean="0"/>
+            <a:endParaRPr lang="en-US" dirty="0"/>
+          </a:p>
+          <a:p>
+            <a:endParaRPr lang="en-US" sz="2000" dirty="0"/>
+          </a:p>
+          <a:p>
+            <a:r>
+              <a:rPr lang="en-US" dirty="0"/>
               <a:t>Bitwise </a:t>
             </a:r>
             <a:r>
-              <a:rPr lang="en-US" dirty="0" smtClean="0">
+              <a:rPr lang="en-US" dirty="0">
                 <a:solidFill>
                   <a:srgbClr val="FF0000"/>
                 </a:solidFill>
@@ -8352,7 +7718,7 @@
               <a:t>~</a:t>
             </a:r>
             <a:r>
-              <a:rPr lang="en-US" dirty="0" smtClean="0"/>
+              <a:rPr lang="en-US" dirty="0"/>
               <a:t> (complement):</a:t>
             </a:r>
           </a:p>
@@ -8361,7 +7727,7 @@
               <a:buNone/>
             </a:pPr>
             <a:r>
-              <a:rPr lang="en-US" dirty="0" smtClean="0"/>
+              <a:rPr lang="en-US" dirty="0"/>
               <a:t>	</a:t>
             </a:r>
           </a:p>
@@ -8369,7 +7735,7 @@
             <a:pPr>
               <a:buNone/>
             </a:pPr>
-            <a:endParaRPr lang="en-US" dirty="0" smtClean="0"/>
+            <a:endParaRPr lang="en-US" dirty="0"/>
           </a:p>
         </p:txBody>
       </p:sp>
@@ -8423,7 +7789,7 @@
               <a:buNone/>
             </a:pPr>
             <a:r>
-              <a:rPr lang="en-US" sz="2400" dirty="0" smtClean="0">
+              <a:rPr lang="en-US" sz="2400" dirty="0">
                 <a:solidFill>
                   <a:srgbClr val="000099"/>
                 </a:solidFill>
@@ -8431,7 +7797,7 @@
               <a:t>result = </a:t>
             </a:r>
             <a:r>
-              <a:rPr lang="en-US" sz="2400" dirty="0" err="1" smtClean="0">
+              <a:rPr lang="en-US" sz="2400" dirty="0" err="1">
                 <a:solidFill>
                   <a:srgbClr val="000099"/>
                 </a:solidFill>
@@ -8439,7 +7805,7 @@
               <a:t>i</a:t>
             </a:r>
             <a:r>
-              <a:rPr lang="en-US" sz="2400" dirty="0" smtClean="0">
+              <a:rPr lang="en-US" sz="2400" dirty="0">
                 <a:solidFill>
                   <a:srgbClr val="000099"/>
                 </a:solidFill>
@@ -8452,7 +7818,7 @@
               <a:buNone/>
             </a:pPr>
             <a:r>
-              <a:rPr lang="en-US" sz="2400" dirty="0" smtClean="0">
+              <a:rPr lang="en-US" sz="2400" dirty="0">
                 <a:solidFill>
                   <a:srgbClr val="000099"/>
                 </a:solidFill>
@@ -8465,7 +7831,7 @@
               <a:buNone/>
             </a:pPr>
             <a:r>
-              <a:rPr lang="en-US" sz="2400" u="sng" dirty="0" smtClean="0">
+              <a:rPr lang="en-US" sz="2400" u="sng" dirty="0">
                 <a:solidFill>
                   <a:srgbClr val="000099"/>
                 </a:solidFill>
@@ -8478,7 +7844,7 @@
               <a:buNone/>
             </a:pPr>
             <a:r>
-              <a:rPr lang="en-US" sz="2400" dirty="0" smtClean="0">
+              <a:rPr lang="en-US" sz="2400" dirty="0">
                 <a:solidFill>
                   <a:srgbClr val="000099"/>
                 </a:solidFill>
@@ -8486,7 +7852,7 @@
               <a:t>0000000000010010 </a:t>
             </a:r>
             <a:r>
-              <a:rPr lang="en-US" sz="2400" dirty="0" smtClean="0">
+              <a:rPr lang="en-US" sz="2400" dirty="0">
                 <a:solidFill>
                   <a:srgbClr val="000099"/>
                 </a:solidFill>
@@ -8495,7 +7861,7 @@
               <a:t> 2</a:t>
             </a:r>
             <a:r>
-              <a:rPr lang="en-US" sz="2400" baseline="30000" dirty="0" smtClean="0">
+              <a:rPr lang="en-US" sz="2400" baseline="30000" dirty="0">
                 <a:solidFill>
                   <a:srgbClr val="000099"/>
                 </a:solidFill>
@@ -8504,7 +7870,7 @@
               <a:t>1</a:t>
             </a:r>
             <a:r>
-              <a:rPr lang="en-US" sz="2400" dirty="0" smtClean="0">
+              <a:rPr lang="en-US" sz="2400" dirty="0">
                 <a:solidFill>
                   <a:srgbClr val="000099"/>
                 </a:solidFill>
@@ -8513,7 +7879,7 @@
               <a:t> + 2</a:t>
             </a:r>
             <a:r>
-              <a:rPr lang="en-US" sz="2400" baseline="30000" dirty="0" smtClean="0">
+              <a:rPr lang="en-US" sz="2400" baseline="30000" dirty="0">
                 <a:solidFill>
                   <a:srgbClr val="000099"/>
                 </a:solidFill>
@@ -8522,7 +7888,7 @@
               <a:t>4</a:t>
             </a:r>
             <a:r>
-              <a:rPr lang="en-US" sz="2400" dirty="0" smtClean="0">
+              <a:rPr lang="en-US" sz="2400" dirty="0">
                 <a:solidFill>
                   <a:srgbClr val="000099"/>
                 </a:solidFill>
@@ -8530,7 +7896,7 @@
               </a:rPr>
               <a:t> = 18</a:t>
             </a:r>
-            <a:endParaRPr lang="en-US" sz="2400" dirty="0" smtClean="0">
+            <a:endParaRPr lang="en-US" sz="2400" dirty="0">
               <a:solidFill>
                 <a:srgbClr val="000099"/>
               </a:solidFill>
@@ -8564,7 +7930,7 @@
               <a:buNone/>
             </a:pPr>
             <a:r>
-              <a:rPr lang="en-US" sz="2400" dirty="0" smtClean="0">
+              <a:rPr lang="en-US" sz="2400" dirty="0">
                 <a:solidFill>
                   <a:srgbClr val="000099"/>
                 </a:solidFill>
@@ -8572,7 +7938,7 @@
               <a:t>result = ~</a:t>
             </a:r>
             <a:r>
-              <a:rPr lang="en-US" sz="2400" dirty="0" err="1" smtClean="0">
+              <a:rPr lang="en-US" sz="2400" dirty="0" err="1">
                 <a:solidFill>
                   <a:srgbClr val="000099"/>
                 </a:solidFill>
@@ -8580,7 +7946,7 @@
               <a:t>i</a:t>
             </a:r>
             <a:r>
-              <a:rPr lang="en-US" sz="2400" dirty="0" smtClean="0">
+              <a:rPr lang="en-US" sz="2400" dirty="0">
                 <a:solidFill>
                   <a:srgbClr val="000099"/>
                 </a:solidFill>
@@ -8593,7 +7959,7 @@
               <a:buNone/>
             </a:pPr>
             <a:r>
-              <a:rPr lang="en-US" sz="2400" u="sng" dirty="0" smtClean="0">
+              <a:rPr lang="en-US" sz="2400" u="sng" dirty="0">
                 <a:solidFill>
                   <a:srgbClr val="000099"/>
                 </a:solidFill>
@@ -8606,7 +7972,7 @@
               <a:buNone/>
             </a:pPr>
             <a:r>
-              <a:rPr lang="en-US" sz="2400" dirty="0" smtClean="0">
+              <a:rPr lang="en-US" sz="2400" dirty="0">
                 <a:solidFill>
                   <a:srgbClr val="000099"/>
                 </a:solidFill>
@@ -8614,7 +7980,7 @@
               <a:t>1111111111101001 </a:t>
             </a:r>
             <a:r>
-              <a:rPr lang="en-US" sz="2400" dirty="0" smtClean="0">
+              <a:rPr lang="en-US" sz="2400" dirty="0">
                 <a:solidFill>
                   <a:srgbClr val="000099"/>
                 </a:solidFill>
@@ -8622,7 +7988,7 @@
               </a:rPr>
               <a:t> 65,513</a:t>
             </a:r>
-            <a:endParaRPr lang="en-US" sz="2400" dirty="0" smtClean="0">
+            <a:endParaRPr lang="en-US" sz="2400" dirty="0">
               <a:solidFill>
                 <a:srgbClr val="000099"/>
               </a:solidFill>
@@ -8654,7 +8020,7 @@
           <a:p>
             <a:pPr defTabSz="288925"/>
             <a:r>
-              <a:rPr lang="en-US" sz="2000" dirty="0" smtClean="0">
+              <a:rPr lang="en-US" sz="2000" dirty="0">
                 <a:solidFill>
                   <a:srgbClr val="00B050"/>
                 </a:solidFill>
@@ -8673,41 +8039,33 @@
                   <a:srgbClr val="00B050"/>
                 </a:solidFill>
               </a:rPr>
-              <a:t>	</a:t>
-            </a:r>
-            <a:r>
-              <a:rPr lang="en-US" sz="2000" dirty="0" smtClean="0">
+              <a:t>	variables </a:t>
+            </a:r>
+            <a:r>
+              <a:rPr lang="en-US" sz="2000" dirty="0" err="1">
                 <a:solidFill>
                   <a:srgbClr val="00B050"/>
                 </a:solidFill>
               </a:rPr>
-              <a:t>variables </a:t>
-            </a:r>
-            <a:r>
-              <a:rPr lang="en-US" sz="2000" dirty="0" err="1" smtClean="0">
+              <a:t>i</a:t>
+            </a:r>
+            <a:r>
+              <a:rPr lang="en-US" sz="2000" dirty="0">
                 <a:solidFill>
                   <a:srgbClr val="00B050"/>
                 </a:solidFill>
               </a:rPr>
-              <a:t>i</a:t>
-            </a:r>
-            <a:r>
-              <a:rPr lang="en-US" sz="2000" dirty="0" smtClean="0">
+              <a:t> and j are of type </a:t>
+            </a:r>
+            <a:r>
+              <a:rPr lang="en-US" sz="2000" dirty="0" err="1">
                 <a:solidFill>
                   <a:srgbClr val="00B050"/>
                 </a:solidFill>
               </a:rPr>
-              <a:t> and j are of type </a:t>
-            </a:r>
-            <a:r>
-              <a:rPr lang="en-US" sz="2000" dirty="0" err="1" smtClean="0">
-                <a:solidFill>
-                  <a:srgbClr val="00B050"/>
-                </a:solidFill>
-              </a:rPr>
               <a:t>int</a:t>
             </a:r>
-            <a:endParaRPr lang="en-US" sz="2000" dirty="0" smtClean="0">
+            <a:endParaRPr lang="en-US" sz="2000" dirty="0">
               <a:solidFill>
                 <a:srgbClr val="00B050"/>
               </a:solidFill>
@@ -8724,15 +8082,7 @@
                   <a:srgbClr val="00B050"/>
                 </a:solidFill>
               </a:rPr>
-              <a:t>	</a:t>
-            </a:r>
-            <a:r>
-              <a:rPr lang="en-US" sz="2000" dirty="0" smtClean="0">
-                <a:solidFill>
-                  <a:srgbClr val="00B050"/>
-                </a:solidFill>
-              </a:rPr>
-              <a:t>are represented by 16 bits (2 bytes)</a:t>
+              <a:t>	are represented by 16 bits (2 bytes)</a:t>
             </a:r>
           </a:p>
         </p:txBody>
@@ -8747,13 +8097,6 @@
   <p:clrMapOvr>
     <a:masterClrMapping/>
   </p:clrMapOvr>
-  <p:timing>
-    <p:tnLst>
-      <p:par>
-        <p:cTn id="1" dur="indefinite" restart="never" nodeType="tmRoot"/>
-      </p:par>
-    </p:tnLst>
-  </p:timing>
 </p:sld>
 </file>
 
@@ -8790,10 +8133,9 @@
           <a:lstStyle/>
           <a:p>
             <a:r>
-              <a:rPr lang="en-US" dirty="0" smtClean="0"/>
+              <a:rPr lang="en-US" dirty="0"/>
               <a:t>Expressions</a:t>
             </a:r>
-            <a:endParaRPr lang="en-US" dirty="0"/>
           </a:p>
         </p:txBody>
       </p:sp>
@@ -8815,7 +8157,7 @@
           <a:lstStyle/>
           <a:p>
             <a:r>
-              <a:rPr lang="en-US" sz="2400" dirty="0" smtClean="0">
+              <a:rPr lang="en-US" sz="2400" dirty="0">
                 <a:solidFill>
                   <a:srgbClr val="000099"/>
                 </a:solidFill>
@@ -8823,34 +8165,34 @@
               <a:t>Expressions</a:t>
             </a:r>
             <a:r>
-              <a:rPr lang="en-US" sz="2400" dirty="0" smtClean="0"/>
+              <a:rPr lang="en-US" sz="2400" dirty="0"/>
               <a:t>: Formulas to compute a value</a:t>
             </a:r>
           </a:p>
           <a:p>
             <a:pPr lvl="1"/>
             <a:r>
-              <a:rPr lang="en-US" sz="2000" dirty="0" smtClean="0"/>
+              <a:rPr lang="en-US" sz="2000" dirty="0"/>
               <a:t>Variables</a:t>
             </a:r>
           </a:p>
           <a:p>
             <a:pPr lvl="1"/>
             <a:r>
-              <a:rPr lang="en-US" sz="2000" dirty="0" smtClean="0"/>
+              <a:rPr lang="en-US" sz="2000" dirty="0"/>
               <a:t>Constants</a:t>
             </a:r>
           </a:p>
           <a:p>
             <a:pPr lvl="1"/>
             <a:r>
-              <a:rPr lang="en-US" sz="2000" dirty="0" smtClean="0"/>
+              <a:rPr lang="en-US" sz="2000" dirty="0"/>
               <a:t>(a + b) * c</a:t>
             </a:r>
           </a:p>
           <a:p>
             <a:r>
-              <a:rPr lang="en-US" sz="2400" dirty="0" smtClean="0">
+              <a:rPr lang="en-US" sz="2400" dirty="0">
                 <a:solidFill>
                   <a:srgbClr val="000099"/>
                 </a:solidFill>
@@ -8858,28 +8200,28 @@
               <a:t>Operators</a:t>
             </a:r>
             <a:r>
-              <a:rPr lang="en-US" sz="2400" dirty="0" smtClean="0"/>
+              <a:rPr lang="en-US" sz="2400" dirty="0"/>
               <a:t>: tools to build expressions</a:t>
             </a:r>
           </a:p>
           <a:p>
             <a:pPr lvl="1"/>
             <a:r>
-              <a:rPr lang="en-US" sz="2000" dirty="0" smtClean="0"/>
+              <a:rPr lang="en-US" sz="2000" dirty="0"/>
               <a:t>Arithmetic: +, -, *, /</a:t>
             </a:r>
           </a:p>
           <a:p>
             <a:pPr lvl="1"/>
             <a:r>
-              <a:rPr lang="en-US" sz="2000" dirty="0" smtClean="0"/>
+              <a:rPr lang="en-US" sz="2000" dirty="0"/>
               <a:t>Relational for comparisons: &gt;, &lt;, &gt;=, &lt;=</a:t>
             </a:r>
           </a:p>
           <a:p>
             <a:pPr lvl="1"/>
             <a:r>
-              <a:rPr lang="en-US" sz="2000" dirty="0" smtClean="0"/>
+              <a:rPr lang="en-US" sz="2000" dirty="0"/>
               <a:t>Logical, assignment, …</a:t>
             </a:r>
           </a:p>
@@ -8919,13 +8261,6 @@
   <p:clrMapOvr>
     <a:masterClrMapping/>
   </p:clrMapOvr>
-  <p:timing>
-    <p:tnLst>
-      <p:par>
-        <p:cTn id="1" dur="indefinite" restart="never" nodeType="tmRoot"/>
-      </p:par>
-    </p:tnLst>
-  </p:timing>
 </p:sld>
 </file>
 
@@ -8962,10 +8297,9 @@
           <a:lstStyle/>
           <a:p>
             <a:r>
-              <a:rPr lang="en-US" dirty="0" smtClean="0"/>
+              <a:rPr lang="en-US" dirty="0"/>
               <a:t>Bitwise Operators</a:t>
             </a:r>
-            <a:endParaRPr lang="en-US" dirty="0"/>
           </a:p>
         </p:txBody>
       </p:sp>
@@ -8987,33 +8321,33 @@
           <a:lstStyle/>
           <a:p>
             <a:r>
-              <a:rPr lang="en-US" sz="2800" dirty="0" smtClean="0"/>
+              <a:rPr lang="en-US" sz="2800" dirty="0"/>
               <a:t>Bitwise exclusive or ^: 	</a:t>
             </a:r>
             <a:r>
-              <a:rPr lang="en-US" sz="2400" i="1" dirty="0" smtClean="0"/>
+              <a:rPr lang="en-US" sz="2400" i="1" dirty="0"/>
               <a:t>1 if bits are different, 0 if the same</a:t>
             </a:r>
           </a:p>
           <a:p>
-            <a:endParaRPr lang="en-US" sz="2800" dirty="0" smtClean="0"/>
+            <a:endParaRPr lang="en-US" sz="2800" dirty="0"/>
           </a:p>
           <a:p>
             <a:pPr>
               <a:buNone/>
             </a:pPr>
-            <a:endParaRPr lang="en-US" sz="2800" dirty="0" smtClean="0"/>
-          </a:p>
-          <a:p>
-            <a:endParaRPr lang="en-US" sz="1800" dirty="0" smtClean="0"/>
-          </a:p>
-          <a:p>
-            <a:r>
-              <a:rPr lang="en-US" sz="2800" dirty="0" smtClean="0"/>
+            <a:endParaRPr lang="en-US" sz="2800" dirty="0"/>
+          </a:p>
+          <a:p>
+            <a:endParaRPr lang="en-US" sz="1800" dirty="0"/>
+          </a:p>
+          <a:p>
+            <a:r>
+              <a:rPr lang="en-US" sz="2800" dirty="0"/>
               <a:t>Bitwise inclusive or |: 	</a:t>
             </a:r>
             <a:r>
-              <a:rPr lang="en-US" sz="2400" i="1" dirty="0" smtClean="0"/>
+              <a:rPr lang="en-US" sz="2400" i="1" dirty="0"/>
               <a:t>1 if at least one of the bits is 1</a:t>
             </a:r>
           </a:p>
@@ -9022,7 +8356,7 @@
               <a:buNone/>
             </a:pPr>
             <a:r>
-              <a:rPr lang="en-US" sz="2400" dirty="0" smtClean="0"/>
+              <a:rPr lang="en-US" sz="2400" dirty="0"/>
               <a:t>	</a:t>
             </a:r>
           </a:p>
@@ -9030,7 +8364,7 @@
             <a:pPr>
               <a:buNone/>
             </a:pPr>
-            <a:endParaRPr lang="en-US" sz="2800" dirty="0" smtClean="0"/>
+            <a:endParaRPr lang="en-US" sz="2800" dirty="0"/>
           </a:p>
         </p:txBody>
       </p:sp>
@@ -9084,7 +8418,7 @@
               <a:buNone/>
             </a:pPr>
             <a:r>
-              <a:rPr lang="en-US" sz="2400" dirty="0" smtClean="0">
+              <a:rPr lang="en-US" sz="2400" dirty="0">
                 <a:solidFill>
                   <a:srgbClr val="000099"/>
                 </a:solidFill>
@@ -9092,7 +8426,7 @@
               <a:t>result = </a:t>
             </a:r>
             <a:r>
-              <a:rPr lang="en-US" sz="2400" dirty="0" err="1" smtClean="0">
+              <a:rPr lang="en-US" sz="2400" dirty="0" err="1">
                 <a:solidFill>
                   <a:srgbClr val="000099"/>
                 </a:solidFill>
@@ -9100,7 +8434,7 @@
               <a:t>i</a:t>
             </a:r>
             <a:r>
-              <a:rPr lang="en-US" sz="2400" dirty="0" smtClean="0">
+              <a:rPr lang="en-US" sz="2400" dirty="0">
                 <a:solidFill>
                   <a:srgbClr val="000099"/>
                 </a:solidFill>
@@ -9113,7 +8447,7 @@
               <a:buNone/>
             </a:pPr>
             <a:r>
-              <a:rPr lang="en-US" sz="2400" dirty="0" smtClean="0">
+              <a:rPr lang="en-US" sz="2400" dirty="0">
                 <a:solidFill>
                   <a:srgbClr val="000099"/>
                 </a:solidFill>
@@ -9126,7 +8460,7 @@
               <a:buNone/>
             </a:pPr>
             <a:r>
-              <a:rPr lang="en-US" sz="2400" u="sng" dirty="0" smtClean="0">
+              <a:rPr lang="en-US" sz="2400" u="sng" dirty="0">
                 <a:solidFill>
                   <a:srgbClr val="000099"/>
                 </a:solidFill>
@@ -9139,7 +8473,7 @@
               <a:buNone/>
             </a:pPr>
             <a:r>
-              <a:rPr lang="en-US" sz="2400" dirty="0" smtClean="0">
+              <a:rPr lang="en-US" sz="2400" dirty="0">
                 <a:solidFill>
                   <a:srgbClr val="000099"/>
                 </a:solidFill>
@@ -9147,7 +8481,7 @@
               <a:t>0000000001001101 </a:t>
             </a:r>
             <a:r>
-              <a:rPr lang="en-US" sz="2400" dirty="0" smtClean="0">
+              <a:rPr lang="en-US" sz="2400" dirty="0">
                 <a:solidFill>
                   <a:srgbClr val="000099"/>
                 </a:solidFill>
@@ -9155,7 +8489,7 @@
               </a:rPr>
               <a:t> 77</a:t>
             </a:r>
-            <a:endParaRPr lang="en-US" sz="2400" dirty="0" smtClean="0">
+            <a:endParaRPr lang="en-US" sz="2400" dirty="0">
               <a:solidFill>
                 <a:srgbClr val="000099"/>
               </a:solidFill>
@@ -9189,7 +8523,7 @@
               <a:buNone/>
             </a:pPr>
             <a:r>
-              <a:rPr lang="en-US" sz="2400" dirty="0" smtClean="0">
+              <a:rPr lang="en-US" sz="2400" dirty="0">
                 <a:solidFill>
                   <a:srgbClr val="000099"/>
                 </a:solidFill>
@@ -9197,7 +8531,7 @@
               <a:t>result = </a:t>
             </a:r>
             <a:r>
-              <a:rPr lang="en-US" sz="2400" dirty="0" err="1" smtClean="0">
+              <a:rPr lang="en-US" sz="2400" dirty="0" err="1">
                 <a:solidFill>
                   <a:srgbClr val="000099"/>
                 </a:solidFill>
@@ -9205,7 +8539,7 @@
               <a:t>i</a:t>
             </a:r>
             <a:r>
-              <a:rPr lang="en-US" sz="2400" dirty="0" smtClean="0">
+              <a:rPr lang="en-US" sz="2400" dirty="0">
                 <a:solidFill>
                   <a:srgbClr val="000099"/>
                 </a:solidFill>
@@ -9218,7 +8552,7 @@
               <a:buNone/>
             </a:pPr>
             <a:r>
-              <a:rPr lang="en-US" sz="2400" dirty="0" smtClean="0">
+              <a:rPr lang="en-US" sz="2400" dirty="0">
                 <a:solidFill>
                   <a:srgbClr val="000099"/>
                 </a:solidFill>
@@ -9231,7 +8565,7 @@
               <a:buNone/>
             </a:pPr>
             <a:r>
-              <a:rPr lang="en-US" sz="2400" u="sng" dirty="0" smtClean="0">
+              <a:rPr lang="en-US" sz="2400" u="sng" dirty="0">
                 <a:solidFill>
                   <a:srgbClr val="000099"/>
                 </a:solidFill>
@@ -9244,7 +8578,7 @@
               <a:buNone/>
             </a:pPr>
             <a:r>
-              <a:rPr lang="en-US" sz="2400" dirty="0" smtClean="0">
+              <a:rPr lang="en-US" sz="2400" dirty="0">
                 <a:solidFill>
                   <a:srgbClr val="000099"/>
                 </a:solidFill>
@@ -9252,7 +8586,7 @@
               <a:t>0000000001011111 </a:t>
             </a:r>
             <a:r>
-              <a:rPr lang="en-US" sz="2400" dirty="0" smtClean="0">
+              <a:rPr lang="en-US" sz="2400" dirty="0">
                 <a:solidFill>
                   <a:srgbClr val="000099"/>
                 </a:solidFill>
@@ -9260,7 +8594,7 @@
               </a:rPr>
               <a:t> 95</a:t>
             </a:r>
-            <a:endParaRPr lang="en-US" sz="2400" dirty="0" smtClean="0">
+            <a:endParaRPr lang="en-US" sz="2400" dirty="0">
               <a:solidFill>
                 <a:srgbClr val="000099"/>
               </a:solidFill>
@@ -9278,13 +8612,6 @@
   <p:clrMapOvr>
     <a:masterClrMapping/>
   </p:clrMapOvr>
-  <p:timing>
-    <p:tnLst>
-      <p:par>
-        <p:cTn id="1" dur="indefinite" restart="never" nodeType="tmRoot"/>
-      </p:par>
-    </p:tnLst>
-  </p:timing>
 </p:sld>
 </file>
 
@@ -9321,10 +8648,9 @@
           <a:lstStyle/>
           <a:p>
             <a:r>
-              <a:rPr lang="en-US" dirty="0" smtClean="0"/>
+              <a:rPr lang="en-US" dirty="0"/>
               <a:t>Bitwise Operators</a:t>
             </a:r>
-            <a:endParaRPr lang="en-US" dirty="0"/>
           </a:p>
         </p:txBody>
       </p:sp>
@@ -9346,32 +8672,28 @@
           <a:lstStyle/>
           <a:p>
             <a:r>
-              <a:rPr lang="en-US" dirty="0" smtClean="0"/>
-              <a:t>Left shift</a:t>
-            </a:r>
-            <a:r>
-              <a:rPr lang="en-US" dirty="0" smtClean="0"/>
-              <a:t>:</a:t>
-            </a:r>
-          </a:p>
-          <a:p>
-            <a:endParaRPr lang="en-US" dirty="0" smtClean="0"/>
-          </a:p>
-          <a:p>
-            <a:endParaRPr lang="en-US" dirty="0" smtClean="0"/>
+              <a:rPr lang="en-US" dirty="0"/>
+              <a:t>Left shift:</a:t>
+            </a:r>
+          </a:p>
+          <a:p>
+            <a:endParaRPr lang="en-US" dirty="0"/>
+          </a:p>
+          <a:p>
+            <a:endParaRPr lang="en-US" dirty="0"/>
           </a:p>
           <a:p>
             <a:pPr>
               <a:buNone/>
             </a:pPr>
-            <a:endParaRPr lang="en-US" dirty="0" smtClean="0"/>
-          </a:p>
-          <a:p>
-            <a:endParaRPr lang="en-US" sz="2000" dirty="0" smtClean="0"/>
-          </a:p>
-          <a:p>
-            <a:r>
-              <a:rPr lang="en-US" dirty="0" smtClean="0"/>
+            <a:endParaRPr lang="en-US" dirty="0"/>
+          </a:p>
+          <a:p>
+            <a:endParaRPr lang="en-US" sz="2000" dirty="0"/>
+          </a:p>
+          <a:p>
+            <a:r>
+              <a:rPr lang="en-US" dirty="0"/>
               <a:t>Right shift:</a:t>
             </a:r>
           </a:p>
@@ -9380,7 +8702,7 @@
               <a:buNone/>
             </a:pPr>
             <a:r>
-              <a:rPr lang="en-US" dirty="0" smtClean="0"/>
+              <a:rPr lang="en-US" dirty="0"/>
               <a:t>	</a:t>
             </a:r>
           </a:p>
@@ -9388,7 +8710,7 @@
             <a:pPr>
               <a:buNone/>
             </a:pPr>
-            <a:endParaRPr lang="en-US" dirty="0" smtClean="0"/>
+            <a:endParaRPr lang="en-US" dirty="0"/>
           </a:p>
         </p:txBody>
       </p:sp>
@@ -9442,7 +8764,7 @@
               <a:buNone/>
             </a:pPr>
             <a:r>
-              <a:rPr lang="en-US" sz="2400" dirty="0" smtClean="0">
+              <a:rPr lang="en-US" sz="2400" dirty="0">
                 <a:solidFill>
                   <a:srgbClr val="000099"/>
                 </a:solidFill>
@@ -9450,7 +8772,7 @@
               <a:t>result = </a:t>
             </a:r>
             <a:r>
-              <a:rPr lang="en-US" sz="2400" dirty="0" err="1" smtClean="0">
+              <a:rPr lang="en-US" sz="2400" dirty="0" err="1">
                 <a:solidFill>
                   <a:srgbClr val="000099"/>
                 </a:solidFill>
@@ -9458,7 +8780,7 @@
               <a:t>i</a:t>
             </a:r>
             <a:r>
-              <a:rPr lang="en-US" sz="2400" dirty="0" smtClean="0">
+              <a:rPr lang="en-US" sz="2400" dirty="0">
                 <a:solidFill>
                   <a:srgbClr val="000099"/>
                 </a:solidFill>
@@ -9471,7 +8793,7 @@
               <a:buNone/>
             </a:pPr>
             <a:r>
-              <a:rPr lang="en-US" sz="2400" u="sng" dirty="0" smtClean="0">
+              <a:rPr lang="en-US" sz="2400" u="sng" dirty="0">
                 <a:solidFill>
                   <a:srgbClr val="000099"/>
                 </a:solidFill>
@@ -9483,7 +8805,7 @@
             <a:pPr marL="112713" lvl="1">
               <a:buNone/>
             </a:pPr>
-            <a:endParaRPr lang="en-US" sz="2400" u="sng" dirty="0" smtClean="0">
+            <a:endParaRPr lang="en-US" sz="2400" u="sng" dirty="0">
               <a:solidFill>
                 <a:srgbClr val="000099"/>
               </a:solidFill>
@@ -9494,7 +8816,7 @@
               <a:buNone/>
             </a:pPr>
             <a:r>
-              <a:rPr lang="en-US" sz="2400" dirty="0" smtClean="0">
+              <a:rPr lang="en-US" sz="2400" dirty="0">
                 <a:solidFill>
                   <a:srgbClr val="000099"/>
                 </a:solidFill>
@@ -9502,7 +8824,7 @@
               <a:t>0000000010110000 </a:t>
             </a:r>
             <a:r>
-              <a:rPr lang="en-US" sz="2400" dirty="0" smtClean="0">
+              <a:rPr lang="en-US" sz="2400" dirty="0">
                 <a:solidFill>
                   <a:srgbClr val="000099"/>
                 </a:solidFill>
@@ -9510,7 +8832,7 @@
               </a:rPr>
               <a:t> 176</a:t>
             </a:r>
-            <a:endParaRPr lang="en-US" sz="2400" dirty="0" smtClean="0">
+            <a:endParaRPr lang="en-US" sz="2400" dirty="0">
               <a:solidFill>
                 <a:srgbClr val="000099"/>
               </a:solidFill>
@@ -9579,7 +8901,7 @@
               <a:buNone/>
             </a:pPr>
             <a:r>
-              <a:rPr lang="en-US" sz="2400" dirty="0" smtClean="0">
+              <a:rPr lang="en-US" sz="2400" dirty="0">
                 <a:solidFill>
                   <a:srgbClr val="000099"/>
                 </a:solidFill>
@@ -9587,7 +8909,7 @@
               <a:t>result = </a:t>
             </a:r>
             <a:r>
-              <a:rPr lang="en-US" sz="2400" dirty="0" err="1" smtClean="0">
+              <a:rPr lang="en-US" sz="2400" dirty="0" err="1">
                 <a:solidFill>
                   <a:srgbClr val="000099"/>
                 </a:solidFill>
@@ -9595,7 +8917,7 @@
               <a:t>i</a:t>
             </a:r>
             <a:r>
-              <a:rPr lang="en-US" sz="2400" dirty="0" smtClean="0">
+              <a:rPr lang="en-US" sz="2400" dirty="0">
                 <a:solidFill>
                   <a:srgbClr val="000099"/>
                 </a:solidFill>
@@ -9608,7 +8930,7 @@
               <a:buNone/>
             </a:pPr>
             <a:r>
-              <a:rPr lang="en-US" sz="2400" u="sng" dirty="0" smtClean="0">
+              <a:rPr lang="en-US" sz="2400" u="sng" dirty="0">
                 <a:solidFill>
                   <a:srgbClr val="000099"/>
                 </a:solidFill>
@@ -9620,7 +8942,7 @@
             <a:pPr marL="112713" lvl="1">
               <a:buNone/>
             </a:pPr>
-            <a:endParaRPr lang="en-US" sz="2400" u="sng" dirty="0" smtClean="0">
+            <a:endParaRPr lang="en-US" sz="2400" u="sng" dirty="0">
               <a:solidFill>
                 <a:srgbClr val="000099"/>
               </a:solidFill>
@@ -9631,7 +8953,7 @@
               <a:buNone/>
             </a:pPr>
             <a:r>
-              <a:rPr lang="en-US" sz="2400" dirty="0" smtClean="0">
+              <a:rPr lang="en-US" sz="2400" dirty="0">
                 <a:solidFill>
                   <a:srgbClr val="000099"/>
                 </a:solidFill>
@@ -9639,7 +8961,7 @@
               <a:t>0000000000000101</a:t>
             </a:r>
             <a:r>
-              <a:rPr lang="en-US" sz="2400" dirty="0" smtClean="0">
+              <a:rPr lang="en-US" sz="2400" dirty="0">
                 <a:solidFill>
                   <a:srgbClr val="000099"/>
                 </a:solidFill>
@@ -9647,7 +8969,7 @@
               </a:rPr>
               <a:t> 5</a:t>
             </a:r>
-            <a:endParaRPr lang="en-US" sz="2400" dirty="0" smtClean="0">
+            <a:endParaRPr lang="en-US" sz="2400" dirty="0">
               <a:solidFill>
                 <a:srgbClr val="000099"/>
               </a:solidFill>
@@ -9910,13 +9232,6 @@
   <p:clrMapOvr>
     <a:masterClrMapping/>
   </p:clrMapOvr>
-  <p:timing>
-    <p:tnLst>
-      <p:par>
-        <p:cTn id="1" dur="indefinite" restart="never" nodeType="tmRoot"/>
-      </p:par>
-    </p:tnLst>
-  </p:timing>
 </p:sld>
 </file>
 
@@ -9955,10 +9270,9 @@
           <a:lstStyle/>
           <a:p>
             <a:r>
-              <a:rPr lang="en-US" dirty="0" smtClean="0"/>
+              <a:rPr lang="en-US" dirty="0"/>
               <a:t>Summary</a:t>
             </a:r>
-            <a:endParaRPr lang="en-US" dirty="0"/>
           </a:p>
         </p:txBody>
       </p:sp>
@@ -9980,25 +9294,25 @@
           <a:lstStyle/>
           <a:p>
             <a:r>
-              <a:rPr lang="en-US" sz="3200" dirty="0" smtClean="0"/>
+              <a:rPr lang="en-US" sz="3200" dirty="0"/>
               <a:t>Expressions</a:t>
             </a:r>
           </a:p>
           <a:p>
             <a:r>
-              <a:rPr lang="en-US" sz="3200" dirty="0" smtClean="0"/>
+              <a:rPr lang="en-US" sz="3200" dirty="0"/>
               <a:t>Operators</a:t>
             </a:r>
           </a:p>
           <a:p>
             <a:r>
-              <a:rPr lang="en-US" sz="3200" dirty="0" smtClean="0"/>
+              <a:rPr lang="en-US" sz="3200" dirty="0"/>
               <a:t>Operator precedence and expression evaluation</a:t>
             </a:r>
           </a:p>
           <a:p>
             <a:r>
-              <a:rPr lang="en-US" sz="3200" dirty="0" smtClean="0"/>
+              <a:rPr lang="en-US" sz="3200" dirty="0"/>
               <a:t>Basic Types and type conversion</a:t>
             </a:r>
           </a:p>
@@ -10038,13 +9352,6 @@
   <p:clrMapOvr>
     <a:masterClrMapping/>
   </p:clrMapOvr>
-  <p:timing>
-    <p:tnLst>
-      <p:par>
-        <p:cTn id="1" dur="indefinite" restart="never" nodeType="tmRoot"/>
-      </p:par>
-    </p:tnLst>
-  </p:timing>
 </p:sld>
 </file>
 
@@ -10081,10 +9388,9 @@
           <a:lstStyle/>
           <a:p>
             <a:r>
-              <a:rPr lang="en-US" dirty="0" smtClean="0"/>
+              <a:rPr lang="en-US" dirty="0"/>
               <a:t>Arithmetic Operators</a:t>
             </a:r>
-            <a:endParaRPr lang="en-US" dirty="0"/>
           </a:p>
         </p:txBody>
       </p:sp>
@@ -10106,7 +9412,7 @@
           <a:lstStyle/>
           <a:p>
             <a:r>
-              <a:rPr lang="en-US" sz="2800" dirty="0" smtClean="0"/>
+              <a:rPr lang="en-US" sz="2800" dirty="0"/>
               <a:t>Unary: involves one operand</a:t>
             </a:r>
           </a:p>
@@ -10116,7 +9422,7 @@
               <a:buChar char="§"/>
             </a:pPr>
             <a:r>
-              <a:rPr lang="en-US" sz="2400" dirty="0" err="1" smtClean="0">
+              <a:rPr lang="en-US" sz="2400" dirty="0" err="1">
                 <a:latin typeface="Consolas" charset="0"/>
                 <a:ea typeface="Consolas" charset="0"/>
                 <a:cs typeface="Consolas" charset="0"/>
@@ -10124,7 +9430,7 @@
               <a:t>i</a:t>
             </a:r>
             <a:r>
-              <a:rPr lang="en-US" sz="2400" dirty="0" smtClean="0">
+              <a:rPr lang="en-US" sz="2400" dirty="0">
                 <a:latin typeface="Consolas" charset="0"/>
                 <a:ea typeface="Consolas" charset="0"/>
                 <a:cs typeface="Consolas" charset="0"/>
@@ -10134,7 +9440,7 @@
           </a:p>
           <a:p>
             <a:r>
-              <a:rPr lang="en-US" sz="2800" dirty="0" smtClean="0"/>
+              <a:rPr lang="en-US" sz="2800" dirty="0"/>
               <a:t>Binary: requires two operands</a:t>
             </a:r>
           </a:p>
@@ -10144,7 +9450,7 @@
               <a:buChar char="§"/>
             </a:pPr>
             <a:r>
-              <a:rPr lang="en-US" sz="2400" dirty="0" smtClean="0"/>
+              <a:rPr lang="en-US" sz="2400" dirty="0"/>
               <a:t>+: addition</a:t>
             </a:r>
           </a:p>
@@ -10154,7 +9460,7 @@
               <a:buChar char="§"/>
             </a:pPr>
             <a:r>
-              <a:rPr lang="en-US" sz="2400" dirty="0" smtClean="0"/>
+              <a:rPr lang="en-US" sz="2400" dirty="0"/>
               <a:t>-: subtraction</a:t>
             </a:r>
           </a:p>
@@ -10164,7 +9470,7 @@
               <a:buChar char="§"/>
             </a:pPr>
             <a:r>
-              <a:rPr lang="en-US" sz="2400" dirty="0" smtClean="0"/>
+              <a:rPr lang="en-US" sz="2400" dirty="0"/>
               <a:t>*: multiplication</a:t>
             </a:r>
           </a:p>
@@ -10174,7 +9480,7 @@
               <a:buChar char="§"/>
             </a:pPr>
             <a:r>
-              <a:rPr lang="en-US" sz="2400" dirty="0" smtClean="0"/>
+              <a:rPr lang="en-US" sz="2400" dirty="0"/>
               <a:t>/: division</a:t>
             </a:r>
           </a:p>
@@ -10184,7 +9490,7 @@
               <a:buChar char="§"/>
             </a:pPr>
             <a:r>
-              <a:rPr lang="en-US" sz="2400" dirty="0" smtClean="0"/>
+              <a:rPr lang="en-US" sz="2400" dirty="0"/>
               <a:t>%: remainder: 11 % 3 evaluates to 2</a:t>
             </a:r>
           </a:p>
@@ -10192,13 +9498,13 @@
             <a:pPr>
               <a:buNone/>
             </a:pPr>
-            <a:endParaRPr lang="en-US" dirty="0" smtClean="0"/>
+            <a:endParaRPr lang="en-US" dirty="0"/>
           </a:p>
           <a:p>
             <a:pPr>
               <a:buNone/>
             </a:pPr>
-            <a:endParaRPr lang="en-US" dirty="0" smtClean="0"/>
+            <a:endParaRPr lang="en-US" dirty="0"/>
           </a:p>
         </p:txBody>
       </p:sp>
@@ -10236,13 +9542,6 @@
   <p:clrMapOvr>
     <a:masterClrMapping/>
   </p:clrMapOvr>
-  <p:timing>
-    <p:tnLst>
-      <p:par>
-        <p:cTn id="1" dur="indefinite" restart="never" nodeType="tmRoot"/>
-      </p:par>
-    </p:tnLst>
-  </p:timing>
 </p:sld>
 </file>
 
@@ -10321,10 +9620,9 @@
           <a:lstStyle/>
           <a:p>
             <a:r>
-              <a:rPr lang="en-US" dirty="0" smtClean="0"/>
+              <a:rPr lang="en-US" dirty="0"/>
               <a:t>What do you think the following code outputs?</a:t>
             </a:r>
-            <a:endParaRPr lang="en-US" dirty="0"/>
           </a:p>
         </p:txBody>
       </p:sp>
@@ -10351,7 +9649,7 @@
           <a:lstStyle/>
           <a:p>
             <a:r>
-              <a:rPr lang="en-US" sz="3600" dirty="0" smtClean="0">
+              <a:rPr lang="en-US" sz="3600" dirty="0">
                 <a:solidFill>
                   <a:srgbClr val="0CFA02"/>
                 </a:solidFill>
@@ -10361,18 +9659,10 @@
               </a:rPr>
               <a:t>-4 4 -4</a:t>
             </a:r>
-            <a:endParaRPr lang="en-US" sz="3600" dirty="0" smtClean="0">
-              <a:solidFill>
-                <a:srgbClr val="0CFA02"/>
-              </a:solidFill>
-              <a:latin typeface="Consolas" charset="0"/>
-              <a:ea typeface="Consolas" charset="0"/>
-              <a:cs typeface="Consolas" charset="0"/>
-            </a:endParaRPr>
-          </a:p>
-          <a:p>
-            <a:r>
-              <a:rPr lang="en-US" sz="3600" dirty="0" smtClean="0">
+          </a:p>
+          <a:p>
+            <a:r>
+              <a:rPr lang="en-US" sz="3600" dirty="0">
                 <a:solidFill>
                   <a:srgbClr val="FEFB01"/>
                 </a:solidFill>
@@ -10382,18 +9672,10 @@
               </a:rPr>
               <a:t>-4 +4 -4</a:t>
             </a:r>
-            <a:endParaRPr lang="en-US" sz="3600" dirty="0" smtClean="0">
-              <a:solidFill>
-                <a:srgbClr val="FEFB01"/>
-              </a:solidFill>
-              <a:latin typeface="Consolas" charset="0"/>
-              <a:ea typeface="Consolas" charset="0"/>
-              <a:cs typeface="Consolas" charset="0"/>
-            </a:endParaRPr>
-          </a:p>
-          <a:p>
-            <a:r>
-              <a:rPr lang="en-US" sz="3600" dirty="0" smtClean="0">
+          </a:p>
+          <a:p>
+            <a:r>
+              <a:rPr lang="en-US" sz="3600" dirty="0">
                 <a:solidFill>
                   <a:srgbClr val="F5A007"/>
                 </a:solidFill>
@@ -10403,18 +9685,10 @@
               </a:rPr>
               <a:t>-4 4 4</a:t>
             </a:r>
-            <a:endParaRPr lang="en-US" sz="3600" dirty="0" smtClean="0">
-              <a:solidFill>
-                <a:srgbClr val="F5A007"/>
-              </a:solidFill>
-              <a:latin typeface="Consolas" charset="0"/>
-              <a:ea typeface="Consolas" charset="0"/>
-              <a:cs typeface="Consolas" charset="0"/>
-            </a:endParaRPr>
-          </a:p>
-          <a:p>
-            <a:r>
-              <a:rPr lang="en-US" sz="3600" dirty="0" smtClean="0">
+          </a:p>
+          <a:p>
+            <a:r>
+              <a:rPr lang="en-US" sz="3600" dirty="0">
                 <a:solidFill>
                   <a:srgbClr val="F21AF1"/>
                 </a:solidFill>
@@ -10424,14 +9698,6 @@
               </a:rPr>
               <a:t>-4 -4 4</a:t>
             </a:r>
-            <a:endParaRPr lang="en-US" sz="3600" dirty="0">
-              <a:solidFill>
-                <a:srgbClr val="F21AF1"/>
-              </a:solidFill>
-              <a:latin typeface="Consolas" charset="0"/>
-              <a:ea typeface="Consolas" charset="0"/>
-              <a:cs typeface="Consolas" charset="0"/>
-            </a:endParaRPr>
           </a:p>
         </p:txBody>
       </p:sp>
@@ -10458,7 +9724,7 @@
           <a:lstStyle/>
           <a:p>
             <a:r>
-              <a:rPr lang="en-US" sz="2800" dirty="0" err="1" smtClean="0">
+              <a:rPr lang="en-US" sz="2800" dirty="0" err="1">
                 <a:latin typeface="Consolas" charset="0"/>
                 <a:ea typeface="Consolas" charset="0"/>
                 <a:cs typeface="Consolas" charset="0"/>
@@ -10466,30 +9732,17 @@
               <a:t>int</a:t>
             </a:r>
             <a:r>
-              <a:rPr lang="en-US" sz="2800" dirty="0" smtClean="0">
-                <a:latin typeface="Consolas" charset="0"/>
-                <a:ea typeface="Consolas" charset="0"/>
-                <a:cs typeface="Consolas" charset="0"/>
-              </a:rPr>
-              <a:t> a = </a:t>
-            </a:r>
-            <a:r>
-              <a:rPr lang="en-US" sz="2800" dirty="0" smtClean="0">
-                <a:latin typeface="Consolas" charset="0"/>
-                <a:ea typeface="Consolas" charset="0"/>
-                <a:cs typeface="Consolas" charset="0"/>
-              </a:rPr>
-              <a:t>-4;</a:t>
-            </a:r>
-            <a:endParaRPr lang="en-US" sz="2800" dirty="0" smtClean="0">
-              <a:latin typeface="Consolas" charset="0"/>
-              <a:ea typeface="Consolas" charset="0"/>
-              <a:cs typeface="Consolas" charset="0"/>
-            </a:endParaRPr>
-          </a:p>
-          <a:p>
-            <a:r>
-              <a:rPr lang="en-US" sz="2800" dirty="0" err="1" smtClean="0">
+              <a:rPr lang="en-US" sz="2800" dirty="0">
+                <a:latin typeface="Consolas" charset="0"/>
+                <a:ea typeface="Consolas" charset="0"/>
+                <a:cs typeface="Consolas" charset="0"/>
+              </a:rPr>
+              <a:t> a = -4;</a:t>
+            </a:r>
+          </a:p>
+          <a:p>
+            <a:r>
+              <a:rPr lang="en-US" sz="2800" dirty="0" err="1">
                 <a:latin typeface="Consolas" charset="0"/>
                 <a:ea typeface="Consolas" charset="0"/>
                 <a:cs typeface="Consolas" charset="0"/>
@@ -10497,33 +9750,17 @@
               <a:t>int</a:t>
             </a:r>
             <a:r>
-              <a:rPr lang="en-US" sz="2800" dirty="0" smtClean="0">
-                <a:latin typeface="Consolas" charset="0"/>
-                <a:ea typeface="Consolas" charset="0"/>
-                <a:cs typeface="Consolas" charset="0"/>
-              </a:rPr>
-              <a:t> b </a:t>
-            </a:r>
-            <a:r>
-              <a:rPr lang="en-US" sz="2800" dirty="0" smtClean="0">
-                <a:latin typeface="Consolas" charset="0"/>
-                <a:ea typeface="Consolas" charset="0"/>
-                <a:cs typeface="Consolas" charset="0"/>
-              </a:rPr>
-              <a:t>= </a:t>
-            </a:r>
-            <a:r>
-              <a:rPr lang="en-US" sz="2800" dirty="0" smtClean="0">
-                <a:latin typeface="Consolas" charset="0"/>
-                <a:ea typeface="Consolas" charset="0"/>
-                <a:cs typeface="Consolas" charset="0"/>
-              </a:rPr>
-              <a:t>+a;</a:t>
-            </a:r>
-          </a:p>
-          <a:p>
-            <a:r>
-              <a:rPr lang="en-US" sz="2800" dirty="0" err="1" smtClean="0">
+              <a:rPr lang="en-US" sz="2800" dirty="0">
+                <a:latin typeface="Consolas" charset="0"/>
+                <a:ea typeface="Consolas" charset="0"/>
+                <a:cs typeface="Consolas" charset="0"/>
+              </a:rPr>
+              <a:t> b = +a;</a:t>
+            </a:r>
+          </a:p>
+          <a:p>
+            <a:r>
+              <a:rPr lang="en-US" sz="2800" dirty="0" err="1">
                 <a:latin typeface="Consolas" charset="0"/>
                 <a:ea typeface="Consolas" charset="0"/>
                 <a:cs typeface="Consolas" charset="0"/>
@@ -10531,22 +9768,17 @@
               <a:t>int</a:t>
             </a:r>
             <a:r>
-              <a:rPr lang="en-US" sz="2800" dirty="0" smtClean="0">
+              <a:rPr lang="en-US" sz="2800" dirty="0">
                 <a:latin typeface="Consolas" charset="0"/>
                 <a:ea typeface="Consolas" charset="0"/>
                 <a:cs typeface="Consolas" charset="0"/>
               </a:rPr>
               <a:t> c = -a;</a:t>
             </a:r>
-            <a:endParaRPr lang="en-US" sz="2800" dirty="0" smtClean="0">
-              <a:latin typeface="Consolas" charset="0"/>
-              <a:ea typeface="Consolas" charset="0"/>
-              <a:cs typeface="Consolas" charset="0"/>
-            </a:endParaRPr>
-          </a:p>
-          <a:p>
-            <a:r>
-              <a:rPr lang="en-US" sz="2800" dirty="0" err="1" smtClean="0">
+          </a:p>
+          <a:p>
+            <a:r>
+              <a:rPr lang="en-US" sz="2800" dirty="0" err="1">
                 <a:latin typeface="Consolas" charset="0"/>
                 <a:ea typeface="Consolas" charset="0"/>
                 <a:cs typeface="Consolas" charset="0"/>
@@ -10554,34 +9786,13 @@
               <a:t>printf</a:t>
             </a:r>
             <a:r>
-              <a:rPr lang="en-US" sz="2800" dirty="0" smtClean="0">
-                <a:latin typeface="Consolas" charset="0"/>
-                <a:ea typeface="Consolas" charset="0"/>
-                <a:cs typeface="Consolas" charset="0"/>
-              </a:rPr>
-              <a:t>("%d %d %d", a</a:t>
-            </a:r>
-            <a:r>
-              <a:rPr lang="en-US" sz="2800" dirty="0" smtClean="0">
-                <a:latin typeface="Consolas" charset="0"/>
-                <a:ea typeface="Consolas" charset="0"/>
-                <a:cs typeface="Consolas" charset="0"/>
-              </a:rPr>
-              <a:t>, </a:t>
-            </a:r>
-            <a:r>
-              <a:rPr lang="en-US" sz="2800" dirty="0" smtClean="0">
-                <a:latin typeface="Consolas" charset="0"/>
-                <a:ea typeface="Consolas" charset="0"/>
-                <a:cs typeface="Consolas" charset="0"/>
-              </a:rPr>
-              <a:t>b, c); </a:t>
-            </a:r>
-            <a:endParaRPr lang="en-US" sz="2800" dirty="0">
-              <a:latin typeface="Consolas" charset="0"/>
-              <a:ea typeface="Consolas" charset="0"/>
-              <a:cs typeface="Consolas" charset="0"/>
-            </a:endParaRPr>
+              <a:rPr lang="en-US" sz="2800" dirty="0">
+                <a:latin typeface="Consolas" charset="0"/>
+                <a:ea typeface="Consolas" charset="0"/>
+                <a:cs typeface="Consolas" charset="0"/>
+              </a:rPr>
+              <a:t>("%d %d %d", a, b, c); </a:t>
+            </a:r>
           </a:p>
         </p:txBody>
       </p:sp>
@@ -10619,13 +9830,6 @@
   <p:clrMapOvr>
     <a:masterClrMapping/>
   </p:clrMapOvr>
-  <p:timing>
-    <p:tnLst>
-      <p:par>
-        <p:cTn id="1" dur="indefinite" restart="never" nodeType="tmRoot"/>
-      </p:par>
-    </p:tnLst>
-  </p:timing>
 </p:sld>
 </file>
 
@@ -10662,10 +9866,9 @@
           <a:lstStyle/>
           <a:p>
             <a:r>
-              <a:rPr lang="en-US" dirty="0" smtClean="0"/>
+              <a:rPr lang="en-US" dirty="0"/>
               <a:t>Arithmetic Operators</a:t>
             </a:r>
-            <a:endParaRPr lang="en-US" dirty="0"/>
           </a:p>
         </p:txBody>
       </p:sp>
@@ -10687,7 +9890,7 @@
           <a:lstStyle/>
           <a:p>
             <a:r>
-              <a:rPr lang="en-US" sz="2400" dirty="0" smtClean="0"/>
+              <a:rPr lang="en-US" sz="2400" dirty="0"/>
               <a:t>+,-,*,/: </a:t>
             </a:r>
           </a:p>
@@ -10697,15 +9900,15 @@
               <a:buChar char="§"/>
             </a:pPr>
             <a:r>
-              <a:rPr lang="en-US" sz="2000" dirty="0" smtClean="0"/>
+              <a:rPr lang="en-US" sz="2000" dirty="0"/>
               <a:t>allow </a:t>
             </a:r>
             <a:r>
-              <a:rPr lang="en-US" sz="2000" dirty="0" err="1" smtClean="0"/>
+              <a:rPr lang="en-US" sz="2000" dirty="0" err="1"/>
               <a:t>int</a:t>
             </a:r>
             <a:r>
-              <a:rPr lang="en-US" sz="2000" dirty="0" smtClean="0"/>
+              <a:rPr lang="en-US" sz="2000" dirty="0"/>
               <a:t> and float operands </a:t>
             </a:r>
           </a:p>
@@ -10715,7 +9918,7 @@
               <a:buChar char="§"/>
             </a:pPr>
             <a:r>
-              <a:rPr lang="en-US" sz="2000" dirty="0" smtClean="0"/>
+              <a:rPr lang="en-US" sz="2000" dirty="0"/>
               <a:t>If both of same type: evaluates as given type</a:t>
             </a:r>
           </a:p>
@@ -10725,7 +9928,7 @@
               <a:buChar char="§"/>
             </a:pPr>
             <a:r>
-              <a:rPr lang="en-US" sz="2000" dirty="0" smtClean="0"/>
+              <a:rPr lang="en-US" sz="2000" dirty="0"/>
               <a:t>If mixed: evaluates as float</a:t>
             </a:r>
           </a:p>
@@ -10735,7 +9938,7 @@
               <a:buChar char="§"/>
             </a:pPr>
             <a:r>
-              <a:rPr lang="en-US" sz="2000" dirty="0" smtClean="0"/>
+              <a:rPr lang="en-US" sz="2000" dirty="0"/>
               <a:t>1.0 / 2</a:t>
             </a:r>
           </a:p>
@@ -10745,19 +9948,19 @@
               <a:buChar char="§"/>
             </a:pPr>
             <a:r>
-              <a:rPr lang="en-US" sz="2000" dirty="0" smtClean="0"/>
+              <a:rPr lang="en-US" sz="2000" dirty="0"/>
               <a:t>1 / 2</a:t>
             </a:r>
           </a:p>
           <a:p>
             <a:r>
-              <a:rPr lang="en-US" sz="2400" dirty="0" smtClean="0"/>
+              <a:rPr lang="en-US" sz="2400" dirty="0"/>
               <a:t>%: both operands must be integers</a:t>
             </a:r>
           </a:p>
           <a:p>
             <a:r>
-              <a:rPr lang="en-US" sz="2400" dirty="0" smtClean="0"/>
+              <a:rPr lang="en-US" sz="2400" dirty="0"/>
               <a:t>Cannot use 0 as right hand side of / and %</a:t>
             </a:r>
           </a:p>
@@ -10797,13 +10000,6 @@
   <p:clrMapOvr>
     <a:masterClrMapping/>
   </p:clrMapOvr>
-  <p:timing>
-    <p:tnLst>
-      <p:par>
-        <p:cTn id="1" dur="indefinite" restart="never" nodeType="tmRoot"/>
-      </p:par>
-    </p:tnLst>
-  </p:timing>
 </p:sld>
 </file>
 
@@ -10840,10 +10036,9 @@
           <a:lstStyle/>
           <a:p>
             <a:r>
-              <a:rPr lang="en-US" dirty="0" smtClean="0"/>
+              <a:rPr lang="en-US" dirty="0"/>
               <a:t>Operator Precedence</a:t>
             </a:r>
-            <a:endParaRPr lang="en-US" dirty="0"/>
           </a:p>
         </p:txBody>
       </p:sp>
@@ -10865,7 +10060,7 @@
           <a:lstStyle/>
           <a:p>
             <a:r>
-              <a:rPr lang="en-US" sz="2400" dirty="0" smtClean="0"/>
+              <a:rPr lang="en-US" sz="2400" dirty="0"/>
               <a:t>Precedence rules:</a:t>
             </a:r>
           </a:p>
@@ -10875,7 +10070,7 @@
               <a:buChar char="§"/>
             </a:pPr>
             <a:r>
-              <a:rPr lang="en-US" sz="2000" dirty="0" smtClean="0"/>
+              <a:rPr lang="en-US" sz="2000" dirty="0"/>
               <a:t>1: unary +, unary –</a:t>
             </a:r>
           </a:p>
@@ -10885,7 +10080,7 @@
               <a:buChar char="§"/>
             </a:pPr>
             <a:r>
-              <a:rPr lang="en-US" sz="2000" dirty="0" smtClean="0"/>
+              <a:rPr lang="en-US" sz="2000" dirty="0"/>
               <a:t>2: *, /, %</a:t>
             </a:r>
           </a:p>
@@ -10895,7 +10090,7 @@
               <a:buChar char="§"/>
             </a:pPr>
             <a:r>
-              <a:rPr lang="en-US" sz="2000" dirty="0" smtClean="0"/>
+              <a:rPr lang="en-US" sz="2000" dirty="0"/>
               <a:t>3: binary +, binary –</a:t>
             </a:r>
           </a:p>
@@ -10903,7 +10098,7 @@
             <a:pPr marL="457200" lvl="1" indent="0">
               <a:buNone/>
             </a:pPr>
-            <a:endParaRPr lang="en-US" sz="1400" dirty="0" smtClean="0">
+            <a:endParaRPr lang="en-US" sz="1400" dirty="0">
               <a:latin typeface="Consolas" charset="0"/>
               <a:ea typeface="Consolas" charset="0"/>
               <a:cs typeface="Consolas" charset="0"/>
@@ -10914,7 +10109,7 @@
               <a:buNone/>
             </a:pPr>
             <a:r>
-              <a:rPr lang="en-US" sz="2400" dirty="0" smtClean="0">
+              <a:rPr lang="en-US" sz="2400" dirty="0">
                 <a:solidFill>
                   <a:srgbClr val="FF0000"/>
                 </a:solidFill>
@@ -10925,7 +10120,7 @@
               <a:t>- a + b * c </a:t>
             </a:r>
             <a:r>
-              <a:rPr lang="en-US" sz="2400" dirty="0" smtClean="0">
+              <a:rPr lang="en-US" sz="2400" dirty="0">
                 <a:solidFill>
                   <a:srgbClr val="FF0000"/>
                 </a:solidFill>
@@ -10937,7 +10132,7 @@
               <a:t> </a:t>
             </a:r>
             <a:r>
-              <a:rPr lang="en-US" sz="2400" dirty="0" smtClean="0">
+              <a:rPr lang="en-US" sz="2400" dirty="0">
                 <a:solidFill>
                   <a:srgbClr val="FF0000"/>
                 </a:solidFill>
@@ -10952,7 +10147,7 @@
             <a:pPr algn="ctr">
               <a:buNone/>
             </a:pPr>
-            <a:endParaRPr lang="en-US" sz="2400" dirty="0" smtClean="0">
+            <a:endParaRPr lang="en-US" sz="2400" dirty="0">
               <a:solidFill>
                 <a:srgbClr val="FF0000"/>
               </a:solidFill>
@@ -10966,7 +10161,7 @@
               <a:buNone/>
             </a:pPr>
             <a:r>
-              <a:rPr lang="en-US" sz="2400" dirty="0" err="1" smtClean="0">
+              <a:rPr lang="en-US" sz="2400" dirty="0" err="1">
                 <a:solidFill>
                   <a:srgbClr val="FF0000"/>
                 </a:solidFill>
@@ -10977,7 +10172,7 @@
               <a:t>i</a:t>
             </a:r>
             <a:r>
-              <a:rPr lang="en-US" sz="2400" dirty="0" smtClean="0">
+              <a:rPr lang="en-US" sz="2400" dirty="0">
                 <a:solidFill>
                   <a:srgbClr val="FF0000"/>
                 </a:solidFill>
@@ -10988,7 +10183,7 @@
               <a:t> + -  j / y * x </a:t>
             </a:r>
             <a:r>
-              <a:rPr lang="en-US" sz="2400" dirty="0" smtClean="0">
+              <a:rPr lang="en-US" sz="2400" dirty="0">
                 <a:solidFill>
                   <a:srgbClr val="FF0000"/>
                 </a:solidFill>
@@ -11005,7 +10200,7 @@
               <a:buNone/>
             </a:pPr>
             <a:r>
-              <a:rPr lang="en-US" sz="2400" dirty="0" err="1" smtClean="0">
+              <a:rPr lang="en-US" sz="2400" dirty="0" err="1">
                 <a:solidFill>
                   <a:srgbClr val="FF0000"/>
                 </a:solidFill>
@@ -11017,7 +10212,7 @@
               <a:t>i</a:t>
             </a:r>
             <a:r>
-              <a:rPr lang="en-US" sz="2400" dirty="0" smtClean="0">
+              <a:rPr lang="en-US" sz="2400" dirty="0">
                 <a:solidFill>
                   <a:srgbClr val="FF0000"/>
                 </a:solidFill>
@@ -11029,7 +10224,7 @@
               <a:t> + </a:t>
             </a:r>
             <a:r>
-              <a:rPr lang="en-US" sz="2400" dirty="0" smtClean="0">
+              <a:rPr lang="en-US" sz="2400" dirty="0">
                 <a:solidFill>
                   <a:srgbClr val="00B050"/>
                 </a:solidFill>
@@ -11041,7 +10236,7 @@
               <a:t>(</a:t>
             </a:r>
             <a:r>
-              <a:rPr lang="en-US" sz="2400" dirty="0" smtClean="0">
+              <a:rPr lang="en-US" sz="2400" dirty="0">
                 <a:solidFill>
                   <a:srgbClr val="FF0000"/>
                 </a:solidFill>
@@ -11053,7 +10248,7 @@
               <a:t> </a:t>
             </a:r>
             <a:r>
-              <a:rPr lang="en-US" sz="2400" dirty="0" smtClean="0">
+              <a:rPr lang="en-US" sz="2400" dirty="0">
                 <a:solidFill>
                   <a:schemeClr val="tx2">
                     <a:lumMod val="75000"/>
@@ -11067,7 +10262,7 @@
               <a:t>(</a:t>
             </a:r>
             <a:r>
-              <a:rPr lang="en-US" sz="2400" dirty="0" smtClean="0">
+              <a:rPr lang="en-US" sz="2400" dirty="0">
                 <a:solidFill>
                   <a:srgbClr val="FF0000"/>
                 </a:solidFill>
@@ -11079,7 +10274,7 @@
               <a:t>  (-j)  /  y </a:t>
             </a:r>
             <a:r>
-              <a:rPr lang="en-US" sz="2400" dirty="0" smtClean="0">
+              <a:rPr lang="en-US" sz="2400" dirty="0">
                 <a:solidFill>
                   <a:schemeClr val="tx2">
                     <a:lumMod val="75000"/>
@@ -11093,7 +10288,7 @@
               <a:t>)</a:t>
             </a:r>
             <a:r>
-              <a:rPr lang="en-US" sz="2400" dirty="0" smtClean="0">
+              <a:rPr lang="en-US" sz="2400" dirty="0">
                 <a:solidFill>
                   <a:srgbClr val="FF0000"/>
                 </a:solidFill>
@@ -11105,7 +10300,7 @@
               <a:t>  *  x </a:t>
             </a:r>
             <a:r>
-              <a:rPr lang="en-US" sz="2400" dirty="0" smtClean="0">
+              <a:rPr lang="en-US" sz="2400" dirty="0">
                 <a:solidFill>
                   <a:srgbClr val="00B050"/>
                 </a:solidFill>
@@ -11116,7 +10311,7 @@
               </a:rPr>
               <a:t>)</a:t>
             </a:r>
-            <a:endParaRPr lang="en-US" sz="2400" dirty="0" smtClean="0">
+            <a:endParaRPr lang="en-US" sz="2400" dirty="0">
               <a:solidFill>
                 <a:srgbClr val="00B050"/>
               </a:solidFill>
@@ -11161,13 +10356,6 @@
   <p:clrMapOvr>
     <a:masterClrMapping/>
   </p:clrMapOvr>
-  <p:timing>
-    <p:tnLst>
-      <p:par>
-        <p:cTn id="1" dur="indefinite" restart="never" nodeType="tmRoot"/>
-      </p:par>
-    </p:tnLst>
-  </p:timing>
 </p:sld>
 </file>
 
@@ -11204,10 +10392,9 @@
           <a:lstStyle/>
           <a:p>
             <a:r>
-              <a:rPr lang="en-US" dirty="0" smtClean="0"/>
+              <a:rPr lang="en-US" dirty="0"/>
               <a:t>Assignment Operators</a:t>
             </a:r>
-            <a:endParaRPr lang="en-US" dirty="0"/>
           </a:p>
         </p:txBody>
       </p:sp>
@@ -11234,11 +10421,11 @@
           <a:lstStyle/>
           <a:p>
             <a:r>
-              <a:rPr lang="en-US" sz="2800" dirty="0" smtClean="0"/>
+              <a:rPr lang="en-US" sz="2800" dirty="0"/>
               <a:t>Simple assignment: </a:t>
             </a:r>
             <a:r>
-              <a:rPr lang="en-US" sz="2800" dirty="0" smtClean="0">
+              <a:rPr lang="en-US" sz="2800" dirty="0">
                 <a:solidFill>
                   <a:srgbClr val="FF0000"/>
                 </a:solidFill>
@@ -11251,7 +10438,7 @@
               <a:buNone/>
             </a:pPr>
             <a:r>
-              <a:rPr lang="en-US" sz="2400" dirty="0" smtClean="0">
+              <a:rPr lang="en-US" sz="2400" dirty="0">
                 <a:solidFill>
                   <a:srgbClr val="000099"/>
                 </a:solidFill>
@@ -11259,10 +10446,15 @@
                 <a:ea typeface="Consolas" charset="0"/>
                 <a:cs typeface="Consolas" charset="0"/>
               </a:rPr>
-              <a:t>area </a:t>
-            </a:r>
-            <a:r>
-              <a:rPr lang="en-US" sz="2400" dirty="0" smtClean="0">
+              <a:t>area = 5.5f;	</a:t>
+            </a:r>
+          </a:p>
+          <a:p>
+            <a:pPr marL="457200" lvl="1" indent="0">
+              <a:buNone/>
+            </a:pPr>
+            <a:r>
+              <a:rPr lang="en-US" sz="2400" dirty="0">
                 <a:solidFill>
                   <a:srgbClr val="000099"/>
                 </a:solidFill>
@@ -11270,7 +10462,40 @@
                 <a:ea typeface="Consolas" charset="0"/>
                 <a:cs typeface="Consolas" charset="0"/>
               </a:rPr>
-              <a:t>= 5.5f;	</a:t>
+              <a:t>j = 23 + </a:t>
+            </a:r>
+            <a:r>
+              <a:rPr lang="en-US" sz="2400" dirty="0" err="1">
+                <a:solidFill>
+                  <a:srgbClr val="000099"/>
+                </a:solidFill>
+                <a:latin typeface="Consolas" charset="0"/>
+                <a:ea typeface="Consolas" charset="0"/>
+                <a:cs typeface="Consolas" charset="0"/>
+              </a:rPr>
+              <a:t>i</a:t>
+            </a:r>
+            <a:r>
+              <a:rPr lang="en-US" sz="2400" dirty="0">
+                <a:solidFill>
+                  <a:srgbClr val="0B2B91"/>
+                </a:solidFill>
+                <a:latin typeface="Consolas" charset="0"/>
+                <a:ea typeface="Consolas" charset="0"/>
+                <a:cs typeface="Consolas" charset="0"/>
+              </a:rPr>
+              <a:t>;</a:t>
+            </a:r>
+            <a:r>
+              <a:rPr lang="en-US" sz="2400" dirty="0">
+                <a:solidFill>
+                  <a:srgbClr val="000099"/>
+                </a:solidFill>
+                <a:latin typeface="Consolas" charset="0"/>
+                <a:ea typeface="Consolas" charset="0"/>
+                <a:cs typeface="Consolas" charset="0"/>
+              </a:rPr>
+              <a:t> 	</a:t>
             </a:r>
           </a:p>
           <a:p>
@@ -11278,7 +10503,7 @@
               <a:buNone/>
             </a:pPr>
             <a:r>
-              <a:rPr lang="en-US" sz="2400" dirty="0" smtClean="0">
+              <a:rPr lang="en-US" sz="2400" dirty="0">
                 <a:solidFill>
                   <a:srgbClr val="000099"/>
                 </a:solidFill>
@@ -11286,10 +10511,10 @@
                 <a:ea typeface="Consolas" charset="0"/>
                 <a:cs typeface="Consolas" charset="0"/>
               </a:rPr>
-              <a:t>j </a:t>
-            </a:r>
-            <a:r>
-              <a:rPr lang="en-US" sz="2400" dirty="0" smtClean="0">
+              <a:t>x = x + </a:t>
+            </a:r>
+            <a:r>
+              <a:rPr lang="en-US" sz="2400" dirty="0" err="1">
                 <a:solidFill>
                   <a:srgbClr val="000099"/>
                 </a:solidFill>
@@ -11297,10 +10522,10 @@
                 <a:ea typeface="Consolas" charset="0"/>
                 <a:cs typeface="Consolas" charset="0"/>
               </a:rPr>
-              <a:t>= 23 + </a:t>
-            </a:r>
-            <a:r>
-              <a:rPr lang="en-US" sz="2400" dirty="0" err="1" smtClean="0">
+              <a:t>sqrt</a:t>
+            </a:r>
+            <a:r>
+              <a:rPr lang="en-US" sz="2400" dirty="0">
                 <a:solidFill>
                   <a:srgbClr val="000099"/>
                 </a:solidFill>
@@ -11308,141 +10533,40 @@
                 <a:ea typeface="Consolas" charset="0"/>
                 <a:cs typeface="Consolas" charset="0"/>
               </a:rPr>
-              <a:t>i</a:t>
-            </a:r>
-            <a:r>
-              <a:rPr lang="en-US" sz="2400" dirty="0" smtClean="0">
-                <a:solidFill>
-                  <a:srgbClr val="0B2B91"/>
-                </a:solidFill>
-                <a:latin typeface="Consolas" charset="0"/>
-                <a:ea typeface="Consolas" charset="0"/>
-                <a:cs typeface="Consolas" charset="0"/>
-              </a:rPr>
-              <a:t>;</a:t>
+              <a:t>(a + b*pow(c, 3));	</a:t>
             </a:r>
             <a:r>
               <a:rPr lang="en-US" sz="2400" dirty="0">
                 <a:solidFill>
-                  <a:srgbClr val="000099"/>
-                </a:solidFill>
-                <a:latin typeface="Consolas" charset="0"/>
-                <a:ea typeface="Consolas" charset="0"/>
-                <a:cs typeface="Consolas" charset="0"/>
-              </a:rPr>
-              <a:t> 	</a:t>
-            </a:r>
-            <a:endParaRPr lang="en-US" sz="2400" dirty="0" smtClean="0">
-              <a:solidFill>
-                <a:srgbClr val="000099"/>
-              </a:solidFill>
-              <a:latin typeface="Consolas" charset="0"/>
-              <a:ea typeface="Consolas" charset="0"/>
-              <a:cs typeface="Consolas" charset="0"/>
-            </a:endParaRPr>
-          </a:p>
-          <a:p>
-            <a:pPr marL="457200" lvl="1" indent="0">
-              <a:buNone/>
-            </a:pPr>
-            <a:r>
-              <a:rPr lang="en-US" sz="2400" dirty="0" smtClean="0">
-                <a:solidFill>
-                  <a:srgbClr val="000099"/>
-                </a:solidFill>
-                <a:latin typeface="Consolas" charset="0"/>
-                <a:ea typeface="Consolas" charset="0"/>
-                <a:cs typeface="Consolas" charset="0"/>
-              </a:rPr>
-              <a:t>x </a:t>
+                  <a:srgbClr val="00B050"/>
+                </a:solidFill>
+                <a:latin typeface="Consolas" charset="0"/>
+                <a:ea typeface="Consolas" charset="0"/>
+                <a:cs typeface="Consolas" charset="0"/>
+              </a:rPr>
+              <a:t>/*pow defined in </a:t>
+            </a:r>
+            <a:r>
+              <a:rPr lang="en-US" sz="2400" dirty="0" err="1">
+                <a:solidFill>
+                  <a:srgbClr val="00B050"/>
+                </a:solidFill>
+                <a:latin typeface="Consolas" charset="0"/>
+                <a:ea typeface="Consolas" charset="0"/>
+                <a:cs typeface="Consolas" charset="0"/>
+              </a:rPr>
+              <a:t>math.h</a:t>
             </a:r>
             <a:r>
               <a:rPr lang="en-US" sz="2400" dirty="0">
                 <a:solidFill>
-                  <a:srgbClr val="000099"/>
-                </a:solidFill>
-                <a:latin typeface="Consolas" charset="0"/>
-                <a:ea typeface="Consolas" charset="0"/>
-                <a:cs typeface="Consolas" charset="0"/>
-              </a:rPr>
-              <a:t>= x + </a:t>
-            </a:r>
-            <a:r>
-              <a:rPr lang="en-US" sz="2400" dirty="0" err="1">
-                <a:solidFill>
-                  <a:srgbClr val="000099"/>
-                </a:solidFill>
-                <a:latin typeface="Consolas" charset="0"/>
-                <a:ea typeface="Consolas" charset="0"/>
-                <a:cs typeface="Consolas" charset="0"/>
-              </a:rPr>
-              <a:t>sqrt</a:t>
-            </a:r>
-            <a:r>
-              <a:rPr lang="en-US" sz="2400" dirty="0">
-                <a:solidFill>
-                  <a:srgbClr val="000099"/>
-                </a:solidFill>
-                <a:latin typeface="Consolas" charset="0"/>
-                <a:ea typeface="Consolas" charset="0"/>
-                <a:cs typeface="Consolas" charset="0"/>
-              </a:rPr>
-              <a:t>(a + b*pow(c, 3));	</a:t>
-            </a:r>
-            <a:r>
-              <a:rPr lang="en-US" sz="2400" dirty="0" smtClean="0">
-                <a:solidFill>
                   <a:srgbClr val="00B050"/>
                 </a:solidFill>
                 <a:latin typeface="Consolas" charset="0"/>
                 <a:ea typeface="Consolas" charset="0"/>
                 <a:cs typeface="Consolas" charset="0"/>
               </a:rPr>
-              <a:t>/*pow defined </a:t>
-            </a:r>
-            <a:r>
-              <a:rPr lang="en-US" sz="2400" dirty="0">
-                <a:solidFill>
-                  <a:srgbClr val="00B050"/>
-                </a:solidFill>
-                <a:latin typeface="Consolas" charset="0"/>
-                <a:ea typeface="Consolas" charset="0"/>
-                <a:cs typeface="Consolas" charset="0"/>
-              </a:rPr>
-              <a:t>in </a:t>
-            </a:r>
-            <a:r>
-              <a:rPr lang="en-US" sz="2400" dirty="0" err="1">
-                <a:solidFill>
-                  <a:srgbClr val="00B050"/>
-                </a:solidFill>
-                <a:latin typeface="Consolas" charset="0"/>
-                <a:ea typeface="Consolas" charset="0"/>
-                <a:cs typeface="Consolas" charset="0"/>
-              </a:rPr>
-              <a:t>math.h</a:t>
-            </a:r>
-            <a:r>
-              <a:rPr lang="en-US" sz="2400" dirty="0">
-                <a:solidFill>
-                  <a:srgbClr val="00B050"/>
-                </a:solidFill>
-                <a:latin typeface="Consolas" charset="0"/>
-                <a:ea typeface="Consolas" charset="0"/>
-                <a:cs typeface="Consolas" charset="0"/>
-              </a:rPr>
-              <a:t> </a:t>
-            </a:r>
-            <a:r>
-              <a:rPr lang="en-US" sz="2400" dirty="0" smtClean="0">
-                <a:solidFill>
-                  <a:srgbClr val="00B050"/>
-                </a:solidFill>
-                <a:latin typeface="Consolas" charset="0"/>
-                <a:ea typeface="Consolas" charset="0"/>
-                <a:cs typeface="Consolas" charset="0"/>
-              </a:rPr>
-              <a:t>*/</a:t>
+              <a:t> */</a:t>
             </a:r>
             <a:endParaRPr lang="en-US" sz="2400" dirty="0">
               <a:solidFill>
@@ -11504,19 +10628,97 @@
                 <a:tableStyleId>{5940675A-B579-460E-94D1-54222C63F5DA}</a:tableStyleId>
               </a:tblPr>
               <a:tblGrid>
-                <a:gridCol w="568569"/>
-                <a:gridCol w="568569"/>
-                <a:gridCol w="568569"/>
-                <a:gridCol w="568569"/>
-                <a:gridCol w="568569"/>
-                <a:gridCol w="568569"/>
-                <a:gridCol w="568569"/>
-                <a:gridCol w="568569"/>
-                <a:gridCol w="568569"/>
-                <a:gridCol w="568569"/>
-                <a:gridCol w="568569"/>
-                <a:gridCol w="568569"/>
-                <a:gridCol w="568569"/>
+                <a:gridCol w="568569">
+                  <a:extLst>
+                    <a:ext uri="{9D8B030D-6E8A-4147-A177-3AD203B41FA5}">
+                      <a16:colId xmlns:a16="http://schemas.microsoft.com/office/drawing/2014/main" val="20000"/>
+                    </a:ext>
+                  </a:extLst>
+                </a:gridCol>
+                <a:gridCol w="568569">
+                  <a:extLst>
+                    <a:ext uri="{9D8B030D-6E8A-4147-A177-3AD203B41FA5}">
+                      <a16:colId xmlns:a16="http://schemas.microsoft.com/office/drawing/2014/main" val="20001"/>
+                    </a:ext>
+                  </a:extLst>
+                </a:gridCol>
+                <a:gridCol w="568569">
+                  <a:extLst>
+                    <a:ext uri="{9D8B030D-6E8A-4147-A177-3AD203B41FA5}">
+                      <a16:colId xmlns:a16="http://schemas.microsoft.com/office/drawing/2014/main" val="20002"/>
+                    </a:ext>
+                  </a:extLst>
+                </a:gridCol>
+                <a:gridCol w="568569">
+                  <a:extLst>
+                    <a:ext uri="{9D8B030D-6E8A-4147-A177-3AD203B41FA5}">
+                      <a16:colId xmlns:a16="http://schemas.microsoft.com/office/drawing/2014/main" val="20003"/>
+                    </a:ext>
+                  </a:extLst>
+                </a:gridCol>
+                <a:gridCol w="568569">
+                  <a:extLst>
+                    <a:ext uri="{9D8B030D-6E8A-4147-A177-3AD203B41FA5}">
+                      <a16:colId xmlns:a16="http://schemas.microsoft.com/office/drawing/2014/main" val="20004"/>
+                    </a:ext>
+                  </a:extLst>
+                </a:gridCol>
+                <a:gridCol w="568569">
+                  <a:extLst>
+                    <a:ext uri="{9D8B030D-6E8A-4147-A177-3AD203B41FA5}">
+                      <a16:colId xmlns:a16="http://schemas.microsoft.com/office/drawing/2014/main" val="20005"/>
+                    </a:ext>
+                  </a:extLst>
+                </a:gridCol>
+                <a:gridCol w="568569">
+                  <a:extLst>
+                    <a:ext uri="{9D8B030D-6E8A-4147-A177-3AD203B41FA5}">
+                      <a16:colId xmlns:a16="http://schemas.microsoft.com/office/drawing/2014/main" val="20006"/>
+                    </a:ext>
+                  </a:extLst>
+                </a:gridCol>
+                <a:gridCol w="568569">
+                  <a:extLst>
+                    <a:ext uri="{9D8B030D-6E8A-4147-A177-3AD203B41FA5}">
+                      <a16:colId xmlns:a16="http://schemas.microsoft.com/office/drawing/2014/main" val="20007"/>
+                    </a:ext>
+                  </a:extLst>
+                </a:gridCol>
+                <a:gridCol w="568569">
+                  <a:extLst>
+                    <a:ext uri="{9D8B030D-6E8A-4147-A177-3AD203B41FA5}">
+                      <a16:colId xmlns:a16="http://schemas.microsoft.com/office/drawing/2014/main" val="20008"/>
+                    </a:ext>
+                  </a:extLst>
+                </a:gridCol>
+                <a:gridCol w="568569">
+                  <a:extLst>
+                    <a:ext uri="{9D8B030D-6E8A-4147-A177-3AD203B41FA5}">
+                      <a16:colId xmlns:a16="http://schemas.microsoft.com/office/drawing/2014/main" val="20009"/>
+                    </a:ext>
+                  </a:extLst>
+                </a:gridCol>
+                <a:gridCol w="568569">
+                  <a:extLst>
+                    <a:ext uri="{9D8B030D-6E8A-4147-A177-3AD203B41FA5}">
+                      <a16:colId xmlns:a16="http://schemas.microsoft.com/office/drawing/2014/main" val="20010"/>
+                    </a:ext>
+                  </a:extLst>
+                </a:gridCol>
+                <a:gridCol w="568569">
+                  <a:extLst>
+                    <a:ext uri="{9D8B030D-6E8A-4147-A177-3AD203B41FA5}">
+                      <a16:colId xmlns:a16="http://schemas.microsoft.com/office/drawing/2014/main" val="20011"/>
+                    </a:ext>
+                  </a:extLst>
+                </a:gridCol>
+                <a:gridCol w="568569">
+                  <a:extLst>
+                    <a:ext uri="{9D8B030D-6E8A-4147-A177-3AD203B41FA5}">
+                      <a16:colId xmlns:a16="http://schemas.microsoft.com/office/drawing/2014/main" val="20012"/>
+                    </a:ext>
+                  </a:extLst>
+                </a:gridCol>
               </a:tblGrid>
               <a:tr h="550074">
                 <a:tc>
@@ -11548,10 +10750,9 @@
                     <a:p>
                       <a:pPr algn="ctr"/>
                       <a:r>
-                        <a:rPr lang="en-US" sz="2000" dirty="0" smtClean="0"/>
+                        <a:rPr lang="en-US" sz="2000" dirty="0"/>
                         <a:t>6</a:t>
                       </a:r>
-                      <a:endParaRPr lang="en-US" sz="2000" dirty="0"/>
                     </a:p>
                   </a:txBody>
                   <a:tcPr anchor="ctr"/>
@@ -11563,10 +10764,9 @@
                     <a:p>
                       <a:pPr algn="ctr"/>
                       <a:r>
-                        <a:rPr lang="en-US" sz="2000" dirty="0" smtClean="0"/>
+                        <a:rPr lang="en-US" sz="2000" dirty="0"/>
                         <a:t>2</a:t>
                       </a:r>
-                      <a:endParaRPr lang="en-US" sz="2000" dirty="0"/>
                     </a:p>
                   </a:txBody>
                   <a:tcPr anchor="ctr"/>
@@ -11578,10 +10778,9 @@
                     <a:p>
                       <a:pPr algn="ctr"/>
                       <a:r>
-                        <a:rPr lang="en-US" sz="2000" dirty="0" smtClean="0"/>
+                        <a:rPr lang="en-US" sz="2000" dirty="0"/>
                         <a:t>5</a:t>
                       </a:r>
-                      <a:endParaRPr lang="en-US" sz="2000" dirty="0"/>
                     </a:p>
                   </a:txBody>
                   <a:tcPr anchor="ctr"/>
@@ -11593,10 +10792,9 @@
                     <a:p>
                       <a:pPr algn="ctr"/>
                       <a:r>
-                        <a:rPr lang="en-US" sz="2000" dirty="0" smtClean="0"/>
+                        <a:rPr lang="en-US" sz="2000" dirty="0"/>
                         <a:t>10</a:t>
                       </a:r>
-                      <a:endParaRPr lang="en-US" sz="2000" dirty="0"/>
                     </a:p>
                   </a:txBody>
                   <a:tcPr anchor="ctr"/>
@@ -11619,10 +10817,9 @@
                     <a:p>
                       <a:pPr algn="ctr"/>
                       <a:r>
-                        <a:rPr lang="en-US" sz="2000" dirty="0" smtClean="0"/>
+                        <a:rPr lang="en-US" sz="2000" dirty="0"/>
                         <a:t>5.5</a:t>
                       </a:r>
-                      <a:endParaRPr lang="en-US" sz="2000" dirty="0"/>
                     </a:p>
                   </a:txBody>
                   <a:tcPr anchor="ctr"/>
@@ -11656,10 +10853,9 @@
                     <a:p>
                       <a:pPr algn="ctr"/>
                       <a:r>
-                        <a:rPr lang="en-US" sz="2000" dirty="0" smtClean="0"/>
+                        <a:rPr lang="en-US" sz="2000" dirty="0"/>
                         <a:t>33</a:t>
                       </a:r>
-                      <a:endParaRPr lang="en-US" sz="2000" dirty="0"/>
                     </a:p>
                   </a:txBody>
                   <a:tcPr anchor="ctr"/>
@@ -11682,14 +10878,18 @@
                     <a:p>
                       <a:pPr algn="ctr"/>
                       <a:r>
-                        <a:rPr lang="en-US" sz="2000" dirty="0" smtClean="0"/>
+                        <a:rPr lang="en-US" sz="2000" dirty="0"/>
                         <a:t>5</a:t>
                       </a:r>
-                      <a:endParaRPr lang="en-US" sz="2000" dirty="0"/>
                     </a:p>
                   </a:txBody>
                   <a:tcPr anchor="ctr"/>
                 </a:tc>
+                <a:extLst>
+                  <a:ext uri="{0D108BD9-81ED-4DB2-BD59-A6C34878D82A}">
+                    <a16:rowId xmlns:a16="http://schemas.microsoft.com/office/drawing/2014/main" val="10000"/>
+                  </a:ext>
+                </a:extLst>
               </a:tr>
             </a:tbl>
           </a:graphicData>
@@ -11718,18 +10918,13 @@
           <a:lstStyle/>
           <a:p>
             <a:r>
-              <a:rPr lang="en-US" sz="2000" i="1" dirty="0" smtClean="0">
+              <a:rPr lang="en-US" sz="2000" i="1" dirty="0">
                 <a:solidFill>
                   <a:srgbClr val="FF0000"/>
                 </a:solidFill>
               </a:rPr>
               <a:t>memory</a:t>
             </a:r>
-            <a:endParaRPr lang="en-US" sz="2000" i="1" dirty="0">
-              <a:solidFill>
-                <a:srgbClr val="FF0000"/>
-              </a:solidFill>
-            </a:endParaRPr>
           </a:p>
         </p:txBody>
       </p:sp>
@@ -11756,18 +10951,13 @@
           <a:lstStyle/>
           <a:p>
             <a:r>
-              <a:rPr lang="en-US" sz="2400" dirty="0" smtClean="0">
+              <a:rPr lang="en-US" sz="2400" dirty="0">
                 <a:solidFill>
                   <a:srgbClr val="000099"/>
                 </a:solidFill>
               </a:rPr>
               <a:t>area</a:t>
             </a:r>
-            <a:endParaRPr lang="en-US" sz="2400" dirty="0">
-              <a:solidFill>
-                <a:srgbClr val="000099"/>
-              </a:solidFill>
-            </a:endParaRPr>
           </a:p>
         </p:txBody>
       </p:sp>
@@ -11794,7 +10984,7 @@
           <a:lstStyle/>
           <a:p>
             <a:r>
-              <a:rPr lang="en-US" sz="2400" dirty="0" err="1" smtClean="0">
+              <a:rPr lang="en-US" sz="2400" dirty="0" err="1">
                 <a:solidFill>
                   <a:srgbClr val="000099"/>
                 </a:solidFill>
@@ -11832,18 +11022,13 @@
           <a:lstStyle/>
           <a:p>
             <a:r>
-              <a:rPr lang="en-US" sz="2400" dirty="0" smtClean="0">
+              <a:rPr lang="en-US" sz="2400" dirty="0">
                 <a:solidFill>
                   <a:srgbClr val="000099"/>
                 </a:solidFill>
               </a:rPr>
               <a:t>j</a:t>
             </a:r>
-            <a:endParaRPr lang="en-US" sz="2400" dirty="0">
-              <a:solidFill>
-                <a:srgbClr val="000099"/>
-              </a:solidFill>
-            </a:endParaRPr>
           </a:p>
         </p:txBody>
       </p:sp>
@@ -11870,18 +11055,13 @@
           <a:lstStyle/>
           <a:p>
             <a:r>
-              <a:rPr lang="en-US" sz="2400" dirty="0" smtClean="0">
+              <a:rPr lang="en-US" sz="2400" dirty="0">
                 <a:solidFill>
                   <a:srgbClr val="000099"/>
                 </a:solidFill>
               </a:rPr>
               <a:t>a</a:t>
             </a:r>
-            <a:endParaRPr lang="en-US" sz="2400" dirty="0">
-              <a:solidFill>
-                <a:srgbClr val="000099"/>
-              </a:solidFill>
-            </a:endParaRPr>
           </a:p>
         </p:txBody>
       </p:sp>
@@ -11908,18 +11088,13 @@
           <a:lstStyle/>
           <a:p>
             <a:r>
-              <a:rPr lang="en-US" sz="2400" dirty="0" smtClean="0">
+              <a:rPr lang="en-US" sz="2400" dirty="0">
                 <a:solidFill>
                   <a:srgbClr val="000099"/>
                 </a:solidFill>
               </a:rPr>
               <a:t>b</a:t>
             </a:r>
-            <a:endParaRPr lang="en-US" sz="2400" dirty="0">
-              <a:solidFill>
-                <a:srgbClr val="000099"/>
-              </a:solidFill>
-            </a:endParaRPr>
           </a:p>
         </p:txBody>
       </p:sp>
@@ -11946,18 +11121,13 @@
           <a:lstStyle/>
           <a:p>
             <a:r>
-              <a:rPr lang="en-US" sz="2400" dirty="0" smtClean="0">
+              <a:rPr lang="en-US" sz="2400" dirty="0">
                 <a:solidFill>
                   <a:srgbClr val="000099"/>
                 </a:solidFill>
               </a:rPr>
               <a:t>c</a:t>
             </a:r>
-            <a:endParaRPr lang="en-US" sz="2400" dirty="0">
-              <a:solidFill>
-                <a:srgbClr val="000099"/>
-              </a:solidFill>
-            </a:endParaRPr>
           </a:p>
         </p:txBody>
       </p:sp>
@@ -11984,18 +11154,13 @@
           <a:lstStyle/>
           <a:p>
             <a:r>
-              <a:rPr lang="en-US" sz="2400" dirty="0" smtClean="0">
+              <a:rPr lang="en-US" sz="2400" dirty="0">
                 <a:solidFill>
                   <a:srgbClr val="000099"/>
                 </a:solidFill>
               </a:rPr>
               <a:t>x</a:t>
             </a:r>
-            <a:endParaRPr lang="en-US" sz="2400" dirty="0">
-              <a:solidFill>
-                <a:srgbClr val="000099"/>
-              </a:solidFill>
-            </a:endParaRPr>
           </a:p>
         </p:txBody>
       </p:sp>
@@ -12024,18 +11189,13 @@
           <a:lstStyle/>
           <a:p>
             <a:r>
-              <a:rPr lang="en-US" sz="2000" dirty="0" smtClean="0">
+              <a:rPr lang="en-US" sz="2000" dirty="0">
                 <a:solidFill>
                   <a:srgbClr val="FF0000"/>
                 </a:solidFill>
               </a:rPr>
               <a:t>21</a:t>
             </a:r>
-            <a:endParaRPr lang="en-US" sz="2000" dirty="0">
-              <a:solidFill>
-                <a:srgbClr val="FF0000"/>
-              </a:solidFill>
-            </a:endParaRPr>
           </a:p>
         </p:txBody>
       </p:sp>
@@ -12117,10 +11277,12 @@
                   </a:schemeClr>
                 </a:solidFill>
               </a:rPr>
-              <a:t>(a + b*pow(c, 3) </a:t>
-            </a:r>
-            <a:r>
-              <a:rPr lang="en-US" sz="1600" i="1" dirty="0" smtClean="0">
+              <a:t>(a + b*pow(c, 3) =&gt; 16</a:t>
+            </a:r>
+          </a:p>
+          <a:p>
+            <a:r>
+              <a:rPr lang="en-US" sz="1600" i="1" dirty="0">
                 <a:solidFill>
                   <a:schemeClr val="tx1">
                     <a:lumMod val="75000"/>
@@ -12128,51 +11290,8 @@
                   </a:schemeClr>
                 </a:solidFill>
               </a:rPr>
-              <a:t>=&gt; </a:t>
-            </a:r>
-            <a:r>
-              <a:rPr lang="en-US" sz="1600" i="1" dirty="0">
-                <a:solidFill>
-                  <a:schemeClr val="tx1">
-                    <a:lumMod val="75000"/>
-                    <a:lumOff val="25000"/>
-                  </a:schemeClr>
-                </a:solidFill>
-              </a:rPr>
-              <a:t>16</a:t>
-            </a:r>
-          </a:p>
-          <a:p>
-            <a:r>
-              <a:rPr lang="en-US" sz="1600" i="1" dirty="0">
-                <a:solidFill>
-                  <a:schemeClr val="tx1">
-                    <a:lumMod val="75000"/>
-                    <a:lumOff val="25000"/>
-                  </a:schemeClr>
-                </a:solidFill>
-              </a:rPr>
-              <a:t>Add to 5 (the value of x</a:t>
-            </a:r>
-            <a:r>
-              <a:rPr lang="en-US" sz="1600" i="1" dirty="0" smtClean="0">
-                <a:solidFill>
-                  <a:schemeClr val="tx1">
-                    <a:lumMod val="75000"/>
-                    <a:lumOff val="25000"/>
-                  </a:schemeClr>
-                </a:solidFill>
-              </a:rPr>
-              <a:t>) =&gt; 21</a:t>
-            </a:r>
-            <a:endParaRPr lang="en-US" sz="1600" i="1" dirty="0">
-              <a:solidFill>
-                <a:schemeClr val="tx1">
-                  <a:lumMod val="75000"/>
-                  <a:lumOff val="25000"/>
-                </a:schemeClr>
-              </a:solidFill>
-            </a:endParaRPr>
+              <a:t>Add to 5 (the value of x) =&gt; 21</a:t>
+            </a:r>
           </a:p>
           <a:p>
             <a:r>
@@ -12214,13 +11333,9 @@
             <a:pPr marL="0" lvl="1"/>
             <a:r>
               <a:rPr lang="en-US" sz="2800" dirty="0"/>
-              <a:t>What is the value of </a:t>
-            </a:r>
-            <a:r>
-              <a:rPr lang="en-US" sz="2800" dirty="0" smtClean="0"/>
-              <a:t>f after the following statement? </a:t>
-            </a:r>
-            <a:endParaRPr lang="en-US" sz="2800" dirty="0" smtClean="0">
+              <a:t>What is the value of f after the following statement? </a:t>
+            </a:r>
+            <a:endParaRPr lang="en-US" sz="2800" dirty="0">
               <a:solidFill>
                 <a:srgbClr val="000099"/>
               </a:solidFill>
@@ -12229,7 +11344,7 @@
           <a:p>
             <a:pPr marL="0" lvl="1"/>
             <a:r>
-              <a:rPr lang="en-US" sz="2800" dirty="0" smtClean="0">
+              <a:rPr lang="en-US" sz="2800" dirty="0">
                 <a:solidFill>
                   <a:srgbClr val="000099"/>
                 </a:solidFill>
@@ -12237,38 +11352,8 @@
                 <a:ea typeface="Consolas" charset="0"/>
                 <a:cs typeface="Consolas" charset="0"/>
               </a:rPr>
-              <a:t>float </a:t>
-            </a:r>
-            <a:r>
-              <a:rPr lang="en-US" sz="2800" dirty="0">
-                <a:solidFill>
-                  <a:srgbClr val="000099"/>
-                </a:solidFill>
-                <a:latin typeface="Consolas" charset="0"/>
-                <a:ea typeface="Consolas" charset="0"/>
-                <a:cs typeface="Consolas" charset="0"/>
-              </a:rPr>
-              <a:t>f = 5 /2</a:t>
-            </a:r>
-            <a:r>
-              <a:rPr lang="en-US" sz="2800" dirty="0" smtClean="0">
-                <a:solidFill>
-                  <a:srgbClr val="000099"/>
-                </a:solidFill>
-                <a:latin typeface="Consolas" charset="0"/>
-                <a:ea typeface="Consolas" charset="0"/>
-                <a:cs typeface="Consolas" charset="0"/>
-              </a:rPr>
-              <a:t>;</a:t>
-            </a:r>
-            <a:endParaRPr lang="en-US" sz="2800" dirty="0">
-              <a:solidFill>
-                <a:srgbClr val="000099"/>
-              </a:solidFill>
-              <a:latin typeface="Consolas" charset="0"/>
-              <a:ea typeface="Consolas" charset="0"/>
-              <a:cs typeface="Consolas" charset="0"/>
-            </a:endParaRPr>
+              <a:t>float f = 5 /2;</a:t>
+            </a:r>
           </a:p>
         </p:txBody>
       </p:sp>
@@ -12442,10 +11527,9 @@
           <a:lstStyle/>
           <a:p>
             <a:r>
-              <a:rPr lang="en-US" dirty="0" smtClean="0"/>
+              <a:rPr lang="en-US" dirty="0"/>
               <a:t>Assignment Operators</a:t>
             </a:r>
-            <a:endParaRPr lang="en-US" dirty="0"/>
           </a:p>
         </p:txBody>
       </p:sp>
@@ -12472,218 +11556,117 @@
           <a:lstStyle/>
           <a:p>
             <a:r>
-              <a:rPr lang="en-US" sz="2800" dirty="0" smtClean="0"/>
+              <a:rPr lang="en-US" sz="2800" dirty="0"/>
               <a:t>Compound assignment: uses old value of variable to compute its new value: </a:t>
             </a:r>
+          </a:p>
+          <a:p>
+            <a:pPr marL="0" indent="0">
+              <a:buNone/>
+            </a:pPr>
+            <a:r>
+              <a:rPr lang="en-US" sz="2800" dirty="0">
+                <a:solidFill>
+                  <a:srgbClr val="FF0000"/>
+                </a:solidFill>
+                <a:latin typeface="Consolas" charset="0"/>
+                <a:ea typeface="Consolas" charset="0"/>
+                <a:cs typeface="Consolas" charset="0"/>
+              </a:rPr>
+              <a:t>+=, -=, *=, /=, %=</a:t>
+            </a:r>
+          </a:p>
+          <a:p>
+            <a:pPr marL="0" indent="0">
+              <a:buNone/>
+            </a:pPr>
+            <a:r>
+              <a:rPr lang="en-US" sz="2400" dirty="0">
+                <a:solidFill>
+                  <a:srgbClr val="000099"/>
+                </a:solidFill>
+                <a:latin typeface="Consolas" charset="0"/>
+                <a:ea typeface="Consolas" charset="0"/>
+                <a:cs typeface="Consolas" charset="0"/>
+              </a:rPr>
+              <a:t>height = height * 2; 	</a:t>
+            </a:r>
+            <a:r>
+              <a:rPr lang="en-US" sz="2400" dirty="0">
+                <a:solidFill>
+                  <a:srgbClr val="000099"/>
+                </a:solidFill>
+                <a:latin typeface="Consolas" charset="0"/>
+                <a:ea typeface="Consolas" charset="0"/>
+                <a:cs typeface="Consolas" charset="0"/>
+                <a:sym typeface="Wingdings" panose="05000000000000000000" pitchFamily="2" charset="2"/>
+              </a:rPr>
+              <a:t> 		</a:t>
+            </a:r>
+            <a:r>
+              <a:rPr lang="en-US" sz="2400" dirty="0">
+                <a:solidFill>
+                  <a:srgbClr val="000099"/>
+                </a:solidFill>
+                <a:latin typeface="Consolas" charset="0"/>
+                <a:ea typeface="Consolas" charset="0"/>
+                <a:cs typeface="Consolas" charset="0"/>
+              </a:rPr>
+              <a:t>height *= 2;</a:t>
+            </a:r>
+          </a:p>
+          <a:p>
+            <a:pPr marL="0" indent="0">
+              <a:buNone/>
+            </a:pPr>
+            <a:r>
+              <a:rPr lang="en-US" sz="2400" dirty="0">
+                <a:solidFill>
+                  <a:srgbClr val="000099"/>
+                </a:solidFill>
+                <a:latin typeface="Consolas" charset="0"/>
+                <a:ea typeface="Consolas" charset="0"/>
+                <a:cs typeface="Consolas" charset="0"/>
+              </a:rPr>
+              <a:t>weight = weight / 2; 	</a:t>
+            </a:r>
+            <a:r>
+              <a:rPr lang="en-US" sz="2400" dirty="0">
+                <a:solidFill>
+                  <a:srgbClr val="000099"/>
+                </a:solidFill>
+                <a:latin typeface="Consolas" charset="0"/>
+                <a:ea typeface="Consolas" charset="0"/>
+                <a:cs typeface="Consolas" charset="0"/>
+                <a:sym typeface="Wingdings" panose="05000000000000000000" pitchFamily="2" charset="2"/>
+              </a:rPr>
+              <a:t> 		w</a:t>
+            </a:r>
+            <a:r>
+              <a:rPr lang="en-US" sz="2400" dirty="0">
+                <a:solidFill>
+                  <a:srgbClr val="000099"/>
+                </a:solidFill>
+                <a:latin typeface="Consolas" charset="0"/>
+                <a:ea typeface="Consolas" charset="0"/>
+                <a:cs typeface="Consolas" charset="0"/>
+              </a:rPr>
+              <a:t>eight /= 2;</a:t>
+            </a:r>
+          </a:p>
+          <a:p>
             <a:endParaRPr lang="en-US" sz="2800" dirty="0"/>
           </a:p>
           <a:p>
-            <a:pPr marL="0" indent="0">
-              <a:buNone/>
-            </a:pPr>
-            <a:r>
-              <a:rPr lang="en-US" sz="2800" dirty="0" smtClean="0">
-                <a:solidFill>
-                  <a:srgbClr val="FF0000"/>
-                </a:solidFill>
-                <a:latin typeface="Consolas" charset="0"/>
-                <a:ea typeface="Consolas" charset="0"/>
-                <a:cs typeface="Consolas" charset="0"/>
-              </a:rPr>
-              <a:t>+=, </a:t>
-            </a:r>
-            <a:r>
-              <a:rPr lang="en-US" sz="2800" dirty="0" smtClean="0">
-                <a:solidFill>
-                  <a:srgbClr val="FF0000"/>
-                </a:solidFill>
-                <a:latin typeface="Consolas" charset="0"/>
-                <a:ea typeface="Consolas" charset="0"/>
-                <a:cs typeface="Consolas" charset="0"/>
-              </a:rPr>
-              <a:t>-=, *=, /=, %=</a:t>
-            </a:r>
-          </a:p>
-          <a:p>
-            <a:pPr marL="0" indent="0">
-              <a:buNone/>
-            </a:pPr>
-            <a:r>
-              <a:rPr lang="en-US" sz="2400" dirty="0" smtClean="0">
-                <a:solidFill>
-                  <a:srgbClr val="000099"/>
-                </a:solidFill>
-                <a:latin typeface="Consolas" charset="0"/>
-                <a:ea typeface="Consolas" charset="0"/>
-                <a:cs typeface="Consolas" charset="0"/>
-              </a:rPr>
-              <a:t>height </a:t>
-            </a:r>
-            <a:r>
-              <a:rPr lang="en-US" sz="2400" dirty="0" smtClean="0">
-                <a:solidFill>
-                  <a:srgbClr val="000099"/>
-                </a:solidFill>
-                <a:latin typeface="Consolas" charset="0"/>
-                <a:ea typeface="Consolas" charset="0"/>
-                <a:cs typeface="Consolas" charset="0"/>
-              </a:rPr>
-              <a:t>= height * 2; </a:t>
-            </a:r>
-            <a:r>
-              <a:rPr lang="en-US" sz="2400" dirty="0">
-                <a:solidFill>
-                  <a:srgbClr val="000099"/>
-                </a:solidFill>
-                <a:latin typeface="Consolas" charset="0"/>
-                <a:ea typeface="Consolas" charset="0"/>
-                <a:cs typeface="Consolas" charset="0"/>
-              </a:rPr>
-              <a:t>	</a:t>
-            </a:r>
-            <a:r>
-              <a:rPr lang="en-US" sz="2400" dirty="0" smtClean="0">
-                <a:solidFill>
-                  <a:srgbClr val="000099"/>
-                </a:solidFill>
-                <a:latin typeface="Consolas" charset="0"/>
-                <a:ea typeface="Consolas" charset="0"/>
-                <a:cs typeface="Consolas" charset="0"/>
-                <a:sym typeface="Wingdings" panose="05000000000000000000" pitchFamily="2" charset="2"/>
-              </a:rPr>
-              <a:t> 		</a:t>
-            </a:r>
-            <a:r>
-              <a:rPr lang="en-US" sz="2400" dirty="0" smtClean="0">
-                <a:solidFill>
-                  <a:srgbClr val="000099"/>
-                </a:solidFill>
-                <a:latin typeface="Consolas" charset="0"/>
-                <a:ea typeface="Consolas" charset="0"/>
-                <a:cs typeface="Consolas" charset="0"/>
-              </a:rPr>
-              <a:t>height </a:t>
-            </a:r>
-            <a:r>
-              <a:rPr lang="en-US" sz="2400" dirty="0">
-                <a:solidFill>
-                  <a:srgbClr val="000099"/>
-                </a:solidFill>
-                <a:latin typeface="Consolas" charset="0"/>
-                <a:ea typeface="Consolas" charset="0"/>
-                <a:cs typeface="Consolas" charset="0"/>
-              </a:rPr>
-              <a:t>*= 2;</a:t>
-            </a:r>
-          </a:p>
-          <a:p>
-            <a:pPr marL="0" indent="0">
-              <a:buNone/>
-            </a:pPr>
-            <a:r>
-              <a:rPr lang="en-US" sz="2400" dirty="0" smtClean="0">
-                <a:solidFill>
-                  <a:srgbClr val="000099"/>
-                </a:solidFill>
-                <a:latin typeface="Consolas" charset="0"/>
-                <a:ea typeface="Consolas" charset="0"/>
-                <a:cs typeface="Consolas" charset="0"/>
-              </a:rPr>
-              <a:t>weight </a:t>
-            </a:r>
-            <a:r>
-              <a:rPr lang="en-US" sz="2400" dirty="0">
-                <a:solidFill>
-                  <a:srgbClr val="000099"/>
-                </a:solidFill>
-                <a:latin typeface="Consolas" charset="0"/>
-                <a:ea typeface="Consolas" charset="0"/>
-                <a:cs typeface="Consolas" charset="0"/>
-              </a:rPr>
-              <a:t>= </a:t>
-            </a:r>
-            <a:r>
-              <a:rPr lang="en-US" sz="2400" dirty="0" smtClean="0">
-                <a:solidFill>
-                  <a:srgbClr val="000099"/>
-                </a:solidFill>
-                <a:latin typeface="Consolas" charset="0"/>
-                <a:ea typeface="Consolas" charset="0"/>
-                <a:cs typeface="Consolas" charset="0"/>
-              </a:rPr>
-              <a:t>weight / </a:t>
-            </a:r>
-            <a:r>
-              <a:rPr lang="en-US" sz="2400" dirty="0">
-                <a:solidFill>
-                  <a:srgbClr val="000099"/>
-                </a:solidFill>
-                <a:latin typeface="Consolas" charset="0"/>
-                <a:ea typeface="Consolas" charset="0"/>
-                <a:cs typeface="Consolas" charset="0"/>
-              </a:rPr>
-              <a:t>2; 	</a:t>
-            </a:r>
-            <a:r>
-              <a:rPr lang="en-US" sz="2400" dirty="0" smtClean="0">
-                <a:solidFill>
-                  <a:srgbClr val="000099"/>
-                </a:solidFill>
-                <a:latin typeface="Consolas" charset="0"/>
-                <a:ea typeface="Consolas" charset="0"/>
-                <a:cs typeface="Consolas" charset="0"/>
-                <a:sym typeface="Wingdings" panose="05000000000000000000" pitchFamily="2" charset="2"/>
-              </a:rPr>
-              <a:t> 		</a:t>
-            </a:r>
-            <a:r>
-              <a:rPr lang="en-US" sz="2400" dirty="0">
-                <a:solidFill>
-                  <a:srgbClr val="000099"/>
-                </a:solidFill>
-                <a:latin typeface="Consolas" charset="0"/>
-                <a:ea typeface="Consolas" charset="0"/>
-                <a:cs typeface="Consolas" charset="0"/>
-                <a:sym typeface="Wingdings" panose="05000000000000000000" pitchFamily="2" charset="2"/>
-              </a:rPr>
-              <a:t>w</a:t>
-            </a:r>
-            <a:r>
-              <a:rPr lang="en-US" sz="2400" dirty="0" smtClean="0">
-                <a:solidFill>
-                  <a:srgbClr val="000099"/>
-                </a:solidFill>
-                <a:latin typeface="Consolas" charset="0"/>
-                <a:ea typeface="Consolas" charset="0"/>
-                <a:cs typeface="Consolas" charset="0"/>
-              </a:rPr>
-              <a:t>eight </a:t>
-            </a:r>
-            <a:r>
-              <a:rPr lang="en-US" sz="2400" dirty="0">
-                <a:solidFill>
-                  <a:srgbClr val="000099"/>
-                </a:solidFill>
-                <a:latin typeface="Consolas" charset="0"/>
-                <a:ea typeface="Consolas" charset="0"/>
-                <a:cs typeface="Consolas" charset="0"/>
-              </a:rPr>
-              <a:t>/= 2;</a:t>
-            </a:r>
-          </a:p>
-          <a:p>
-            <a:endParaRPr lang="en-US" sz="2800" dirty="0" smtClean="0"/>
-          </a:p>
-          <a:p>
-            <a:r>
-              <a:rPr lang="en-US" sz="2800" dirty="0" err="1" smtClean="0"/>
+            <a:r>
+              <a:rPr lang="en-US" sz="2800" dirty="0" err="1"/>
               <a:t>Lvalue</a:t>
             </a:r>
             <a:r>
-              <a:rPr lang="en-US" sz="2800" dirty="0" smtClean="0"/>
+              <a:rPr lang="en-US" sz="2800" dirty="0"/>
               <a:t>: an object stored in memory</a:t>
             </a:r>
-            <a:endParaRPr lang="en-US" sz="2400" dirty="0" smtClean="0">
+            <a:endParaRPr lang="en-US" sz="2400" dirty="0">
               <a:solidFill>
                 <a:srgbClr val="000099"/>
               </a:solidFill>
@@ -12691,15 +11674,15 @@
           </a:p>
           <a:p>
             <a:r>
-              <a:rPr lang="en-US" sz="2800" dirty="0" smtClean="0"/>
+              <a:rPr lang="en-US" sz="2800" dirty="0"/>
               <a:t>Assignment operators: modify left operand and require an </a:t>
             </a:r>
             <a:r>
-              <a:rPr lang="en-US" sz="2800" dirty="0" err="1" smtClean="0"/>
+              <a:rPr lang="en-US" sz="2800" dirty="0" err="1"/>
               <a:t>lvalue</a:t>
             </a:r>
             <a:r>
-              <a:rPr lang="en-US" sz="2800" dirty="0" smtClean="0"/>
+              <a:rPr lang="en-US" sz="2800" dirty="0"/>
               <a:t> as left operand</a:t>
             </a:r>
           </a:p>
@@ -12708,7 +11691,7 @@
               <a:buNone/>
             </a:pPr>
             <a:r>
-              <a:rPr lang="en-US" sz="2600" dirty="0" smtClean="0">
+              <a:rPr lang="en-US" sz="2600" dirty="0">
                 <a:solidFill>
                   <a:srgbClr val="000099"/>
                 </a:solidFill>
@@ -12716,10 +11699,10 @@
                 <a:ea typeface="Consolas" charset="0"/>
                 <a:cs typeface="Consolas" charset="0"/>
               </a:rPr>
-              <a:t>2 </a:t>
-            </a:r>
-            <a:r>
-              <a:rPr lang="en-US" sz="2600" dirty="0">
+              <a:t>2 = 4;	//Error. Can’t store 4 in 2. 2 is not an </a:t>
+            </a:r>
+            <a:r>
+              <a:rPr lang="en-US" sz="2600" dirty="0" err="1">
                 <a:solidFill>
                   <a:srgbClr val="000099"/>
                 </a:solidFill>
@@ -12727,20 +11710,9 @@
                 <a:ea typeface="Consolas" charset="0"/>
                 <a:cs typeface="Consolas" charset="0"/>
               </a:rPr>
-              <a:t>= 4;	//Error. Can’t store 4 in 2. 2 is not an </a:t>
-            </a:r>
-            <a:r>
-              <a:rPr lang="en-US" sz="2600" dirty="0" err="1">
-                <a:solidFill>
-                  <a:srgbClr val="000099"/>
-                </a:solidFill>
-                <a:latin typeface="Consolas" charset="0"/>
-                <a:ea typeface="Consolas" charset="0"/>
-                <a:cs typeface="Consolas" charset="0"/>
-              </a:rPr>
               <a:t>lvalue</a:t>
             </a:r>
-            <a:endParaRPr lang="en-US" sz="2600" dirty="0" smtClean="0">
+            <a:endParaRPr lang="en-US" sz="2600" dirty="0">
               <a:latin typeface="Consolas" charset="0"/>
               <a:ea typeface="Consolas" charset="0"/>
               <a:cs typeface="Consolas" charset="0"/>
@@ -12795,18 +11767,13 @@
           <a:lstStyle/>
           <a:p>
             <a:r>
-              <a:rPr lang="en-US" sz="2000" i="1" dirty="0" smtClean="0">
+              <a:rPr lang="en-US" sz="2000" i="1" dirty="0">
                 <a:solidFill>
                   <a:srgbClr val="00B050"/>
                 </a:solidFill>
               </a:rPr>
               <a:t>equivalent</a:t>
             </a:r>
-            <a:endParaRPr lang="en-US" sz="2000" i="1" dirty="0">
-              <a:solidFill>
-                <a:srgbClr val="00B050"/>
-              </a:solidFill>
-            </a:endParaRPr>
           </a:p>
         </p:txBody>
       </p:sp>
@@ -12868,13 +11835,6 @@
   <p:clrMapOvr>
     <a:masterClrMapping/>
   </p:clrMapOvr>
-  <p:timing>
-    <p:tnLst>
-      <p:par>
-        <p:cTn id="1" dur="indefinite" restart="never" nodeType="tmRoot"/>
-      </p:par>
-    </p:tnLst>
-  </p:timing>
 </p:sld>
 </file>
 
@@ -12911,10 +11871,9 @@
           <a:lstStyle/>
           <a:p>
             <a:r>
-              <a:rPr lang="en-US" dirty="0" smtClean="0"/>
+              <a:rPr lang="en-US" dirty="0"/>
               <a:t>Assignment Operators</a:t>
             </a:r>
-            <a:endParaRPr lang="en-US" dirty="0"/>
           </a:p>
         </p:txBody>
       </p:sp>
@@ -12941,11 +11900,11 @@
           <a:lstStyle/>
           <a:p>
             <a:r>
-              <a:rPr lang="en-US" sz="2800" dirty="0" smtClean="0"/>
+              <a:rPr lang="en-US" sz="2800" dirty="0"/>
               <a:t>Increment/Decrement operators </a:t>
             </a:r>
             <a:r>
-              <a:rPr lang="en-US" sz="2800" dirty="0" smtClean="0">
+              <a:rPr lang="en-US" sz="2800" dirty="0">
                 <a:solidFill>
                   <a:srgbClr val="FF0000"/>
                 </a:solidFill>
@@ -12956,11 +11915,11 @@
               <a:t>++</a:t>
             </a:r>
             <a:r>
-              <a:rPr lang="en-US" sz="2800" dirty="0" smtClean="0"/>
+              <a:rPr lang="en-US" sz="2800" dirty="0"/>
               <a:t> and </a:t>
             </a:r>
             <a:r>
-              <a:rPr lang="en-US" sz="2800" dirty="0" smtClean="0">
+              <a:rPr lang="en-US" sz="2800" dirty="0">
                 <a:solidFill>
                   <a:srgbClr val="FF0000"/>
                 </a:solidFill>
@@ -12971,7 +11930,7 @@
               <a:t>--</a:t>
             </a:r>
             <a:r>
-              <a:rPr lang="en-US" sz="2800" dirty="0" smtClean="0"/>
+              <a:rPr lang="en-US" sz="2800" dirty="0"/>
               <a:t>:</a:t>
             </a:r>
           </a:p>
@@ -12980,7 +11939,7 @@
               <a:buNone/>
             </a:pPr>
             <a:r>
-              <a:rPr lang="en-US" sz="2800" dirty="0" smtClean="0">
+              <a:rPr lang="en-US" sz="2800" dirty="0">
                 <a:solidFill>
                   <a:srgbClr val="0B2B91"/>
                 </a:solidFill>
@@ -12991,7 +11950,7 @@
               <a:t>	</a:t>
             </a:r>
             <a:r>
-              <a:rPr lang="en-US" sz="2800" dirty="0" smtClean="0">
+              <a:rPr lang="en-US" sz="2800" dirty="0">
                 <a:solidFill>
                   <a:srgbClr val="000099"/>
                 </a:solidFill>
@@ -13002,7 +11961,7 @@
               <a:t>j++; 	</a:t>
             </a:r>
             <a:r>
-              <a:rPr lang="en-US" sz="2800" i="1" dirty="0" smtClean="0">
+              <a:rPr lang="en-US" sz="2800" i="1" dirty="0">
                 <a:solidFill>
                   <a:srgbClr val="00B050"/>
                 </a:solidFill>
@@ -13013,7 +11972,7 @@
               <a:t>similar to</a:t>
             </a:r>
             <a:r>
-              <a:rPr lang="en-US" sz="2800" dirty="0" smtClean="0">
+              <a:rPr lang="en-US" sz="2800" dirty="0">
                 <a:solidFill>
                   <a:srgbClr val="000099"/>
                 </a:solidFill>
@@ -13029,7 +11988,7 @@
               <a:buNone/>
             </a:pPr>
             <a:r>
-              <a:rPr lang="en-US" sz="2800" dirty="0" smtClean="0">
+              <a:rPr lang="en-US" sz="2800" dirty="0">
                 <a:solidFill>
                   <a:srgbClr val="000099"/>
                 </a:solidFill>
@@ -13040,7 +11999,7 @@
               <a:t>	c--;	</a:t>
             </a:r>
             <a:r>
-              <a:rPr lang="en-US" sz="2800" i="1" dirty="0" smtClean="0">
+              <a:rPr lang="en-US" sz="2800" i="1" dirty="0">
                 <a:solidFill>
                   <a:srgbClr val="00B050"/>
                 </a:solidFill>
@@ -13051,7 +12010,7 @@
               <a:t>similar to</a:t>
             </a:r>
             <a:r>
-              <a:rPr lang="en-US" sz="2800" dirty="0" smtClean="0">
+              <a:rPr lang="en-US" sz="2800" dirty="0">
                 <a:solidFill>
                   <a:srgbClr val="000099"/>
                 </a:solidFill>
@@ -13064,11 +12023,11 @@
           </a:p>
           <a:p>
             <a:r>
-              <a:rPr lang="en-US" sz="2800" dirty="0" smtClean="0"/>
+              <a:rPr lang="en-US" sz="2800" dirty="0"/>
               <a:t>Postfix version:</a:t>
             </a:r>
             <a:r>
-              <a:rPr lang="en-US" sz="2800" dirty="0" smtClean="0">
+              <a:rPr lang="en-US" sz="2800" dirty="0">
                 <a:solidFill>
                   <a:srgbClr val="0B2B91"/>
                 </a:solidFill>
@@ -13082,7 +12041,7 @@
               <a:buNone/>
             </a:pPr>
             <a:r>
-              <a:rPr lang="en-US" sz="2800" dirty="0" smtClean="0">
+              <a:rPr lang="en-US" sz="2800" dirty="0">
                 <a:solidFill>
                   <a:srgbClr val="0B2B91"/>
                 </a:solidFill>
@@ -13093,7 +12052,7 @@
               <a:t>	</a:t>
             </a:r>
             <a:r>
-              <a:rPr lang="en-US" sz="2800" dirty="0" err="1" smtClean="0">
+              <a:rPr lang="en-US" sz="2800" dirty="0" err="1">
                 <a:solidFill>
                   <a:srgbClr val="000099"/>
                 </a:solidFill>
@@ -13104,7 +12063,7 @@
               <a:t>int</a:t>
             </a:r>
             <a:r>
-              <a:rPr lang="en-US" sz="2800" dirty="0" smtClean="0">
+              <a:rPr lang="en-US" sz="2800" dirty="0">
                 <a:solidFill>
                   <a:srgbClr val="000099"/>
                 </a:solidFill>
@@ -13115,7 +12074,7 @@
               <a:t> </a:t>
             </a:r>
             <a:r>
-              <a:rPr lang="en-US" sz="2800" dirty="0" err="1" smtClean="0">
+              <a:rPr lang="en-US" sz="2800" dirty="0" err="1">
                 <a:solidFill>
                   <a:srgbClr val="000099"/>
                 </a:solidFill>
@@ -13126,7 +12085,7 @@
               <a:t>i</a:t>
             </a:r>
             <a:r>
-              <a:rPr lang="en-US" sz="2800" dirty="0" smtClean="0">
+              <a:rPr lang="en-US" sz="2800" dirty="0">
                 <a:solidFill>
                   <a:srgbClr val="000099"/>
                 </a:solidFill>
@@ -13137,7 +12096,7 @@
               <a:t> = 0; </a:t>
             </a:r>
             <a:r>
-              <a:rPr lang="en-US" sz="2800" dirty="0" err="1" smtClean="0">
+              <a:rPr lang="en-US" sz="2800" dirty="0" err="1">
                 <a:solidFill>
                   <a:srgbClr val="000099"/>
                 </a:solidFill>
@@ -13148,7 +12107,7 @@
               <a:t>printf</a:t>
             </a:r>
             <a:r>
-              <a:rPr lang="en-US" sz="2800" dirty="0" smtClean="0">
+              <a:rPr lang="en-US" sz="2800" dirty="0">
                 <a:solidFill>
                   <a:srgbClr val="000099"/>
                 </a:solidFill>
@@ -13159,7 +12118,7 @@
               <a:t>(“%d”, </a:t>
             </a:r>
             <a:r>
-              <a:rPr lang="en-US" sz="2800" dirty="0" err="1" smtClean="0">
+              <a:rPr lang="en-US" sz="2800" dirty="0" err="1">
                 <a:solidFill>
                   <a:srgbClr val="000099"/>
                 </a:solidFill>
@@ -13170,7 +12129,7 @@
               <a:t>i</a:t>
             </a:r>
             <a:r>
-              <a:rPr lang="en-US" sz="2800" dirty="0" smtClean="0">
+              <a:rPr lang="en-US" sz="2800" dirty="0">
                 <a:solidFill>
                   <a:srgbClr val="000099"/>
                 </a:solidFill>
@@ -13197,7 +12156,7 @@
               <a:t>	</a:t>
             </a:r>
             <a:r>
-              <a:rPr lang="en-US" sz="2800" dirty="0" smtClean="0">
+              <a:rPr lang="en-US" sz="2800" dirty="0">
                 <a:solidFill>
                   <a:srgbClr val="00B050"/>
                 </a:solidFill>
@@ -13205,10 +12164,136 @@
                 <a:ea typeface="Consolas" charset="0"/>
                 <a:cs typeface="Consolas" charset="0"/>
               </a:rPr>
-              <a:t>//</a:t>
-            </a:r>
-            <a:r>
-              <a:rPr lang="en-US" sz="2800" dirty="0" smtClean="0">
+              <a:t>//Print then increment</a:t>
+            </a:r>
+          </a:p>
+          <a:p>
+            <a:r>
+              <a:rPr lang="en-US" sz="2800" dirty="0"/>
+              <a:t>Prefix version:</a:t>
+            </a:r>
+          </a:p>
+          <a:p>
+            <a:pPr>
+              <a:buNone/>
+            </a:pPr>
+            <a:r>
+              <a:rPr lang="en-US" sz="2800" dirty="0">
+                <a:solidFill>
+                  <a:srgbClr val="0B2B91"/>
+                </a:solidFill>
+                <a:latin typeface="Consolas" charset="0"/>
+                <a:ea typeface="Consolas" charset="0"/>
+                <a:cs typeface="Consolas" charset="0"/>
+              </a:rPr>
+              <a:t>	</a:t>
+            </a:r>
+            <a:r>
+              <a:rPr lang="en-US" sz="2800" dirty="0" err="1">
+                <a:solidFill>
+                  <a:srgbClr val="000099"/>
+                </a:solidFill>
+                <a:latin typeface="Consolas" charset="0"/>
+                <a:ea typeface="Consolas" charset="0"/>
+                <a:cs typeface="Consolas" charset="0"/>
+              </a:rPr>
+              <a:t>int</a:t>
+            </a:r>
+            <a:r>
+              <a:rPr lang="en-US" sz="2800" dirty="0">
+                <a:solidFill>
+                  <a:srgbClr val="000099"/>
+                </a:solidFill>
+                <a:latin typeface="Consolas" charset="0"/>
+                <a:ea typeface="Consolas" charset="0"/>
+                <a:cs typeface="Consolas" charset="0"/>
+              </a:rPr>
+              <a:t> </a:t>
+            </a:r>
+            <a:r>
+              <a:rPr lang="en-US" sz="2800" dirty="0" err="1">
+                <a:solidFill>
+                  <a:srgbClr val="000099"/>
+                </a:solidFill>
+                <a:latin typeface="Consolas" charset="0"/>
+                <a:ea typeface="Consolas" charset="0"/>
+                <a:cs typeface="Consolas" charset="0"/>
+              </a:rPr>
+              <a:t>i</a:t>
+            </a:r>
+            <a:r>
+              <a:rPr lang="en-US" sz="2800" dirty="0">
+                <a:solidFill>
+                  <a:srgbClr val="000099"/>
+                </a:solidFill>
+                <a:latin typeface="Consolas" charset="0"/>
+                <a:ea typeface="Consolas" charset="0"/>
+                <a:cs typeface="Consolas" charset="0"/>
+              </a:rPr>
+              <a:t> = 0; </a:t>
+            </a:r>
+            <a:r>
+              <a:rPr lang="en-US" sz="2800" dirty="0" err="1">
+                <a:solidFill>
+                  <a:srgbClr val="000099"/>
+                </a:solidFill>
+                <a:latin typeface="Consolas" charset="0"/>
+                <a:ea typeface="Consolas" charset="0"/>
+                <a:cs typeface="Consolas" charset="0"/>
+              </a:rPr>
+              <a:t>printf</a:t>
+            </a:r>
+            <a:r>
+              <a:rPr lang="en-US" sz="2800" dirty="0">
+                <a:solidFill>
+                  <a:srgbClr val="000099"/>
+                </a:solidFill>
+                <a:latin typeface="Consolas" charset="0"/>
+                <a:ea typeface="Consolas" charset="0"/>
+                <a:cs typeface="Consolas" charset="0"/>
+              </a:rPr>
+              <a:t>(“%d”, ++</a:t>
+            </a:r>
+            <a:r>
+              <a:rPr lang="en-US" sz="2800" dirty="0" err="1">
+                <a:solidFill>
+                  <a:srgbClr val="000099"/>
+                </a:solidFill>
+                <a:latin typeface="Consolas" charset="0"/>
+                <a:ea typeface="Consolas" charset="0"/>
+                <a:cs typeface="Consolas" charset="0"/>
+              </a:rPr>
+              <a:t>i</a:t>
+            </a:r>
+            <a:r>
+              <a:rPr lang="en-US" sz="2800" dirty="0">
+                <a:solidFill>
+                  <a:srgbClr val="000099"/>
+                </a:solidFill>
+                <a:latin typeface="Consolas" charset="0"/>
+                <a:ea typeface="Consolas" charset="0"/>
+                <a:cs typeface="Consolas" charset="0"/>
+              </a:rPr>
+              <a:t>);	</a:t>
+            </a:r>
+          </a:p>
+          <a:p>
+            <a:pPr>
+              <a:buNone/>
+            </a:pPr>
+            <a:r>
+              <a:rPr lang="en-US" sz="2800" dirty="0">
+                <a:solidFill>
+                  <a:srgbClr val="000099"/>
+                </a:solidFill>
+                <a:latin typeface="Consolas" charset="0"/>
+                <a:ea typeface="Consolas" charset="0"/>
+                <a:cs typeface="Consolas" charset="0"/>
+              </a:rPr>
+              <a:t>	</a:t>
+            </a:r>
+            <a:r>
+              <a:rPr lang="en-US" sz="2800" dirty="0">
                 <a:solidFill>
                   <a:srgbClr val="00B050"/>
                 </a:solidFill>
@@ -13216,178 +12301,22 @@
                 <a:ea typeface="Consolas" charset="0"/>
                 <a:cs typeface="Consolas" charset="0"/>
               </a:rPr>
-              <a:t>Print then increment</a:t>
-            </a:r>
-          </a:p>
-          <a:p>
-            <a:r>
-              <a:rPr lang="en-US" sz="2800" dirty="0" smtClean="0"/>
-              <a:t>Prefix version:</a:t>
-            </a:r>
-          </a:p>
-          <a:p>
-            <a:pPr>
-              <a:buNone/>
-            </a:pPr>
-            <a:r>
-              <a:rPr lang="en-US" sz="2800" dirty="0" smtClean="0">
-                <a:solidFill>
-                  <a:srgbClr val="0B2B91"/>
-                </a:solidFill>
-                <a:latin typeface="Consolas" charset="0"/>
-                <a:ea typeface="Consolas" charset="0"/>
-                <a:cs typeface="Consolas" charset="0"/>
-              </a:rPr>
-              <a:t>	</a:t>
-            </a:r>
-            <a:r>
-              <a:rPr lang="en-US" sz="2800" dirty="0" err="1" smtClean="0">
-                <a:solidFill>
-                  <a:srgbClr val="000099"/>
-                </a:solidFill>
-                <a:latin typeface="Consolas" charset="0"/>
-                <a:ea typeface="Consolas" charset="0"/>
-                <a:cs typeface="Consolas" charset="0"/>
-              </a:rPr>
-              <a:t>int</a:t>
-            </a:r>
-            <a:r>
-              <a:rPr lang="en-US" sz="2800" dirty="0" smtClean="0">
-                <a:solidFill>
-                  <a:srgbClr val="000099"/>
-                </a:solidFill>
-                <a:latin typeface="Consolas" charset="0"/>
-                <a:ea typeface="Consolas" charset="0"/>
-                <a:cs typeface="Consolas" charset="0"/>
-              </a:rPr>
-              <a:t> </a:t>
-            </a:r>
-            <a:r>
-              <a:rPr lang="en-US" sz="2800" dirty="0" err="1" smtClean="0">
-                <a:solidFill>
-                  <a:srgbClr val="000099"/>
-                </a:solidFill>
-                <a:latin typeface="Consolas" charset="0"/>
-                <a:ea typeface="Consolas" charset="0"/>
-                <a:cs typeface="Consolas" charset="0"/>
-              </a:rPr>
-              <a:t>i</a:t>
-            </a:r>
-            <a:r>
-              <a:rPr lang="en-US" sz="2800" dirty="0" smtClean="0">
-                <a:solidFill>
-                  <a:srgbClr val="000099"/>
-                </a:solidFill>
-                <a:latin typeface="Consolas" charset="0"/>
-                <a:ea typeface="Consolas" charset="0"/>
-                <a:cs typeface="Consolas" charset="0"/>
-              </a:rPr>
-              <a:t> = 0; </a:t>
-            </a:r>
-            <a:r>
-              <a:rPr lang="en-US" sz="2800" dirty="0" err="1" smtClean="0">
-                <a:solidFill>
-                  <a:srgbClr val="000099"/>
-                </a:solidFill>
-                <a:latin typeface="Consolas" charset="0"/>
-                <a:ea typeface="Consolas" charset="0"/>
-                <a:cs typeface="Consolas" charset="0"/>
-              </a:rPr>
-              <a:t>printf</a:t>
-            </a:r>
-            <a:r>
-              <a:rPr lang="en-US" sz="2800" dirty="0" smtClean="0">
-                <a:solidFill>
-                  <a:srgbClr val="000099"/>
-                </a:solidFill>
-                <a:latin typeface="Consolas" charset="0"/>
-                <a:ea typeface="Consolas" charset="0"/>
-                <a:cs typeface="Consolas" charset="0"/>
-              </a:rPr>
-              <a:t>(“%d”, ++</a:t>
-            </a:r>
-            <a:r>
-              <a:rPr lang="en-US" sz="2800" dirty="0" err="1" smtClean="0">
-                <a:solidFill>
-                  <a:srgbClr val="000099"/>
-                </a:solidFill>
-                <a:latin typeface="Consolas" charset="0"/>
-                <a:ea typeface="Consolas" charset="0"/>
-                <a:cs typeface="Consolas" charset="0"/>
-              </a:rPr>
-              <a:t>i</a:t>
-            </a:r>
-            <a:r>
-              <a:rPr lang="en-US" sz="2800" dirty="0" smtClean="0">
-                <a:solidFill>
-                  <a:srgbClr val="000099"/>
-                </a:solidFill>
-                <a:latin typeface="Consolas" charset="0"/>
-                <a:ea typeface="Consolas" charset="0"/>
-                <a:cs typeface="Consolas" charset="0"/>
-              </a:rPr>
-              <a:t>);	</a:t>
-            </a:r>
-            <a:endParaRPr lang="en-US" sz="2800" dirty="0" smtClean="0">
-              <a:solidFill>
-                <a:srgbClr val="000099"/>
-              </a:solidFill>
-              <a:latin typeface="Consolas" charset="0"/>
-              <a:ea typeface="Consolas" charset="0"/>
-              <a:cs typeface="Consolas" charset="0"/>
-            </a:endParaRPr>
-          </a:p>
-          <a:p>
-            <a:pPr>
-              <a:buNone/>
-            </a:pPr>
+              <a:t>//Increment then print</a:t>
+            </a:r>
+          </a:p>
+          <a:p>
+            <a:r>
+              <a:rPr lang="en-US" sz="2800" dirty="0"/>
+              <a:t>Postfix operator have higher precedence</a:t>
+            </a:r>
+          </a:p>
+          <a:p>
+            <a:r>
+              <a:rPr lang="en-US" sz="2800" dirty="0"/>
+              <a:t>Is this a valid statement? 	</a:t>
+            </a:r>
             <a:r>
               <a:rPr lang="en-US" sz="2800" dirty="0">
-                <a:solidFill>
-                  <a:srgbClr val="000099"/>
-                </a:solidFill>
-                <a:latin typeface="Consolas" charset="0"/>
-                <a:ea typeface="Consolas" charset="0"/>
-                <a:cs typeface="Consolas" charset="0"/>
-              </a:rPr>
-              <a:t>	</a:t>
-            </a:r>
-            <a:r>
-              <a:rPr lang="en-US" sz="2800" dirty="0" smtClean="0">
-                <a:solidFill>
-                  <a:srgbClr val="00B050"/>
-                </a:solidFill>
-                <a:latin typeface="Consolas" charset="0"/>
-                <a:ea typeface="Consolas" charset="0"/>
-                <a:cs typeface="Consolas" charset="0"/>
-              </a:rPr>
-              <a:t>//</a:t>
-            </a:r>
-            <a:r>
-              <a:rPr lang="en-US" sz="2800" dirty="0" smtClean="0">
-                <a:solidFill>
-                  <a:srgbClr val="00B050"/>
-                </a:solidFill>
-                <a:latin typeface="Consolas" charset="0"/>
-                <a:ea typeface="Consolas" charset="0"/>
-                <a:cs typeface="Consolas" charset="0"/>
-              </a:rPr>
-              <a:t>Increment then print</a:t>
-            </a:r>
-          </a:p>
-          <a:p>
-            <a:r>
-              <a:rPr lang="en-US" sz="2800" dirty="0" smtClean="0"/>
-              <a:t>Postfix operator have higher precedence</a:t>
-            </a:r>
-          </a:p>
-          <a:p>
-            <a:r>
-              <a:rPr lang="en-US" sz="2800" dirty="0" smtClean="0"/>
-              <a:t>Is this a valid statement? 	</a:t>
-            </a:r>
-            <a:r>
-              <a:rPr lang="en-US" sz="2800" dirty="0" smtClean="0">
                 <a:solidFill>
                   <a:srgbClr val="000099"/>
                 </a:solidFill>
@@ -13434,13 +12363,6 @@
   <p:clrMapOvr>
     <a:masterClrMapping/>
   </p:clrMapOvr>
-  <p:timing>
-    <p:tnLst>
-      <p:par>
-        <p:cTn id="1" dur="indefinite" restart="never" nodeType="tmRoot"/>
-      </p:par>
-    </p:tnLst>
-  </p:timing>
 </p:sld>
 </file>
 

--- a/Lectures/cse220-05-expressions.pptx
+++ b/Lectures/cse220-05-expressions.pptx
@@ -232,7 +232,7 @@
           <a:p>
             <a:fld id="{BD881434-6122-FF40-9E3D-9815E9633609}" type="datetimeFigureOut">
               <a:rPr lang="en-US" smtClean="0"/>
-              <a:t>9/17/20</a:t>
+              <a:t>9/21/20</a:t>
             </a:fld>
             <a:endParaRPr lang="en-US"/>
           </a:p>
@@ -397,7 +397,7 @@
           <a:p>
             <a:fld id="{7E251A12-E2C7-490F-9B80-BF4FB84EE236}" type="datetimeFigureOut">
               <a:rPr lang="en-US" smtClean="0"/>
-              <a:t>9/17/20</a:t>
+              <a:t>9/21/20</a:t>
             </a:fld>
             <a:endParaRPr lang="en-US"/>
           </a:p>
@@ -1381,7 +1381,7 @@
           <a:p>
             <a:fld id="{87FD5B78-719E-EB4F-B46C-3436DB7CC52E}" type="datetime1">
               <a:rPr lang="en-US" smtClean="0"/>
-              <a:t>9/17/20</a:t>
+              <a:t>9/21/20</a:t>
             </a:fld>
             <a:endParaRPr lang="en-US"/>
           </a:p>
@@ -1579,7 +1579,7 @@
           <a:p>
             <a:fld id="{E1CA9D34-C490-C841-8C66-559E13CB83F1}" type="datetime1">
               <a:rPr lang="en-US" smtClean="0"/>
-              <a:t>9/17/20</a:t>
+              <a:t>9/21/20</a:t>
             </a:fld>
             <a:endParaRPr lang="en-US"/>
           </a:p>
@@ -1760,7 +1760,7 @@
           <a:p>
             <a:fld id="{8D2EA430-BDC9-1946-9AFC-7878DC88CF31}" type="datetime1">
               <a:rPr lang="en-US" smtClean="0"/>
-              <a:t>9/17/20</a:t>
+              <a:t>9/21/20</a:t>
             </a:fld>
             <a:endParaRPr lang="en-US"/>
           </a:p>
@@ -1936,7 +1936,7 @@
           <a:p>
             <a:fld id="{65B1C904-F353-BE4E-BD06-0C08568C73B6}" type="datetime1">
               <a:rPr lang="en-US" smtClean="0"/>
-              <a:t>9/17/20</a:t>
+              <a:t>9/21/20</a:t>
             </a:fld>
             <a:endParaRPr lang="en-US"/>
           </a:p>
@@ -2191,7 +2191,7 @@
           <a:p>
             <a:fld id="{722083CD-8755-904E-92D7-C1E73D78C106}" type="datetime1">
               <a:rPr lang="en-US" smtClean="0"/>
-              <a:t>9/17/20</a:t>
+              <a:t>9/21/20</a:t>
             </a:fld>
             <a:endParaRPr lang="en-US"/>
           </a:p>
@@ -2523,7 +2523,7 @@
           <a:p>
             <a:fld id="{90C4E8ED-DCEF-D945-B61C-2ABED93C49B6}" type="datetime1">
               <a:rPr lang="en-US" smtClean="0"/>
-              <a:t>9/17/20</a:t>
+              <a:t>9/21/20</a:t>
             </a:fld>
             <a:endParaRPr lang="en-US"/>
           </a:p>
@@ -2944,7 +2944,7 @@
           <a:p>
             <a:fld id="{66A0E1F4-30BF-5548-83A5-4B15D024A2CC}" type="datetime1">
               <a:rPr lang="en-US" smtClean="0"/>
-              <a:t>9/17/20</a:t>
+              <a:t>9/21/20</a:t>
             </a:fld>
             <a:endParaRPr lang="en-US"/>
           </a:p>
@@ -3063,7 +3063,7 @@
           <a:p>
             <a:fld id="{D2387EEB-CE3C-364D-A686-0532BB2F6B4D}" type="datetime1">
               <a:rPr lang="en-US" smtClean="0"/>
-              <a:t>9/17/20</a:t>
+              <a:t>9/21/20</a:t>
             </a:fld>
             <a:endParaRPr lang="en-US"/>
           </a:p>
@@ -3159,7 +3159,7 @@
           <a:p>
             <a:fld id="{0B2CE960-50D9-EE45-8012-18DA0DC07FAB}" type="datetime1">
               <a:rPr lang="en-US" smtClean="0"/>
-              <a:t>9/17/20</a:t>
+              <a:t>9/21/20</a:t>
             </a:fld>
             <a:endParaRPr lang="en-US"/>
           </a:p>
@@ -3452,7 +3452,7 @@
           <a:p>
             <a:fld id="{961CA629-3534-7A46-A0FF-94D6F694B5A9}" type="datetime1">
               <a:rPr lang="en-US" smtClean="0"/>
-              <a:t>9/17/20</a:t>
+              <a:t>9/21/20</a:t>
             </a:fld>
             <a:endParaRPr lang="en-US"/>
           </a:p>
@@ -3783,7 +3783,7 @@
           <a:p>
             <a:fld id="{B69DE736-0CD0-A94C-8BA9-AB0135E11BEE}" type="datetime1">
               <a:rPr lang="en-US" smtClean="0"/>
-              <a:t>9/17/20</a:t>
+              <a:t>9/21/20</a:t>
             </a:fld>
             <a:endParaRPr lang="en-US"/>
           </a:p>
@@ -4038,7 +4038,7 @@
           <a:p>
             <a:fld id="{B0CA1698-EE48-6B49-91ED-C3034AD5B709}" type="datetime1">
               <a:rPr lang="en-US" smtClean="0"/>
-              <a:t>9/17/20</a:t>
+              <a:t>9/21/20</a:t>
             </a:fld>
             <a:endParaRPr lang="en-US"/>
           </a:p>
